--- a/HW5/機器學習實作乒乓球-專案管理.pptx
+++ b/HW5/機器學習實作乒乓球-專案管理.pptx
@@ -9822,298 +9822,6 @@
       </p:sp>
       <p:sp>
         <p:nvSpPr>
-          <p:cNvPr id="9" name="矩形: 圓角 8">
-            <a:extLst>
-              <a:ext uri="{FF2B5EF4-FFF2-40B4-BE49-F238E27FC236}">
-                <a16:creationId xmlns:a16="http://schemas.microsoft.com/office/drawing/2014/main" id="{94FCB2D6-B8AE-4A04-A10F-810F44B9DB57}"/>
-              </a:ext>
-            </a:extLst>
-          </p:cNvPr>
-          <p:cNvSpPr/>
-          <p:nvPr/>
-        </p:nvSpPr>
-        <p:spPr>
-          <a:xfrm>
-            <a:off x="696577" y="5207031"/>
-            <a:ext cx="1319463" cy="697832"/>
-          </a:xfrm>
-          <a:prstGeom prst="roundRect">
-            <a:avLst/>
-          </a:prstGeom>
-          <a:solidFill>
-            <a:srgbClr val="7030A0"/>
-          </a:solidFill>
-        </p:spPr>
-        <p:style>
-          <a:lnRef idx="2">
-            <a:schemeClr val="accent1">
-              <a:shade val="50000"/>
-            </a:schemeClr>
-          </a:lnRef>
-          <a:fillRef idx="1">
-            <a:schemeClr val="accent1"/>
-          </a:fillRef>
-          <a:effectRef idx="0">
-            <a:schemeClr val="accent1"/>
-          </a:effectRef>
-          <a:fontRef idx="minor">
-            <a:schemeClr val="lt1"/>
-          </a:fontRef>
-        </p:style>
-        <p:txBody>
-          <a:bodyPr rtlCol="0" anchor="ctr"/>
-          <a:lstStyle>
-            <a:defPPr>
-              <a:defRPr lang="en-US"/>
-            </a:defPPr>
-            <a:lvl1pPr marL="0" algn="l" defTabSz="457200" rtl="0" eaLnBrk="1" latinLnBrk="0" hangingPunct="1">
-              <a:defRPr sz="1800" kern="1200">
-                <a:solidFill>
-                  <a:schemeClr val="lt1"/>
-                </a:solidFill>
-                <a:latin typeface="+mn-lt"/>
-                <a:ea typeface="+mn-ea"/>
-                <a:cs typeface="+mn-cs"/>
-              </a:defRPr>
-            </a:lvl1pPr>
-            <a:lvl2pPr marL="457200" algn="l" defTabSz="457200" rtl="0" eaLnBrk="1" latinLnBrk="0" hangingPunct="1">
-              <a:defRPr sz="1800" kern="1200">
-                <a:solidFill>
-                  <a:schemeClr val="lt1"/>
-                </a:solidFill>
-                <a:latin typeface="+mn-lt"/>
-                <a:ea typeface="+mn-ea"/>
-                <a:cs typeface="+mn-cs"/>
-              </a:defRPr>
-            </a:lvl2pPr>
-            <a:lvl3pPr marL="914400" algn="l" defTabSz="457200" rtl="0" eaLnBrk="1" latinLnBrk="0" hangingPunct="1">
-              <a:defRPr sz="1800" kern="1200">
-                <a:solidFill>
-                  <a:schemeClr val="lt1"/>
-                </a:solidFill>
-                <a:latin typeface="+mn-lt"/>
-                <a:ea typeface="+mn-ea"/>
-                <a:cs typeface="+mn-cs"/>
-              </a:defRPr>
-            </a:lvl3pPr>
-            <a:lvl4pPr marL="1371600" algn="l" defTabSz="457200" rtl="0" eaLnBrk="1" latinLnBrk="0" hangingPunct="1">
-              <a:defRPr sz="1800" kern="1200">
-                <a:solidFill>
-                  <a:schemeClr val="lt1"/>
-                </a:solidFill>
-                <a:latin typeface="+mn-lt"/>
-                <a:ea typeface="+mn-ea"/>
-                <a:cs typeface="+mn-cs"/>
-              </a:defRPr>
-            </a:lvl4pPr>
-            <a:lvl5pPr marL="1828800" algn="l" defTabSz="457200" rtl="0" eaLnBrk="1" latinLnBrk="0" hangingPunct="1">
-              <a:defRPr sz="1800" kern="1200">
-                <a:solidFill>
-                  <a:schemeClr val="lt1"/>
-                </a:solidFill>
-                <a:latin typeface="+mn-lt"/>
-                <a:ea typeface="+mn-ea"/>
-                <a:cs typeface="+mn-cs"/>
-              </a:defRPr>
-            </a:lvl5pPr>
-            <a:lvl6pPr marL="2286000" algn="l" defTabSz="457200" rtl="0" eaLnBrk="1" latinLnBrk="0" hangingPunct="1">
-              <a:defRPr sz="1800" kern="1200">
-                <a:solidFill>
-                  <a:schemeClr val="lt1"/>
-                </a:solidFill>
-                <a:latin typeface="+mn-lt"/>
-                <a:ea typeface="+mn-ea"/>
-                <a:cs typeface="+mn-cs"/>
-              </a:defRPr>
-            </a:lvl6pPr>
-            <a:lvl7pPr marL="2743200" algn="l" defTabSz="457200" rtl="0" eaLnBrk="1" latinLnBrk="0" hangingPunct="1">
-              <a:defRPr sz="1800" kern="1200">
-                <a:solidFill>
-                  <a:schemeClr val="lt1"/>
-                </a:solidFill>
-                <a:latin typeface="+mn-lt"/>
-                <a:ea typeface="+mn-ea"/>
-                <a:cs typeface="+mn-cs"/>
-              </a:defRPr>
-            </a:lvl7pPr>
-            <a:lvl8pPr marL="3200400" algn="l" defTabSz="457200" rtl="0" eaLnBrk="1" latinLnBrk="0" hangingPunct="1">
-              <a:defRPr sz="1800" kern="1200">
-                <a:solidFill>
-                  <a:schemeClr val="lt1"/>
-                </a:solidFill>
-                <a:latin typeface="+mn-lt"/>
-                <a:ea typeface="+mn-ea"/>
-                <a:cs typeface="+mn-cs"/>
-              </a:defRPr>
-            </a:lvl8pPr>
-            <a:lvl9pPr marL="3657600" algn="l" defTabSz="457200" rtl="0" eaLnBrk="1" latinLnBrk="0" hangingPunct="1">
-              <a:defRPr sz="1800" kern="1200">
-                <a:solidFill>
-                  <a:schemeClr val="lt1"/>
-                </a:solidFill>
-                <a:latin typeface="+mn-lt"/>
-                <a:ea typeface="+mn-ea"/>
-                <a:cs typeface="+mn-cs"/>
-              </a:defRPr>
-            </a:lvl9pPr>
-          </a:lstStyle>
-          <a:p>
-            <a:pPr algn="ctr"/>
-            <a:r>
-              <a:rPr lang="zh-TW" altLang="en-US" dirty="0"/>
-              <a:t>接球模組</a:t>
-            </a:r>
-          </a:p>
-        </p:txBody>
-      </p:sp>
-      <p:sp>
-        <p:nvSpPr>
-          <p:cNvPr id="11" name="矩形: 圓角 10">
-            <a:extLst>
-              <a:ext uri="{FF2B5EF4-FFF2-40B4-BE49-F238E27FC236}">
-                <a16:creationId xmlns:a16="http://schemas.microsoft.com/office/drawing/2014/main" id="{A0F0E4D4-5534-4488-8B51-F2F03CFC89F2}"/>
-              </a:ext>
-            </a:extLst>
-          </p:cNvPr>
-          <p:cNvSpPr/>
-          <p:nvPr/>
-        </p:nvSpPr>
-        <p:spPr>
-          <a:xfrm>
-            <a:off x="2868276" y="5207031"/>
-            <a:ext cx="1319463" cy="697832"/>
-          </a:xfrm>
-          <a:prstGeom prst="roundRect">
-            <a:avLst/>
-          </a:prstGeom>
-          <a:solidFill>
-            <a:srgbClr val="7030A0"/>
-          </a:solidFill>
-        </p:spPr>
-        <p:style>
-          <a:lnRef idx="2">
-            <a:schemeClr val="accent1">
-              <a:shade val="50000"/>
-            </a:schemeClr>
-          </a:lnRef>
-          <a:fillRef idx="1">
-            <a:schemeClr val="accent1"/>
-          </a:fillRef>
-          <a:effectRef idx="0">
-            <a:schemeClr val="accent1"/>
-          </a:effectRef>
-          <a:fontRef idx="minor">
-            <a:schemeClr val="lt1"/>
-          </a:fontRef>
-        </p:style>
-        <p:txBody>
-          <a:bodyPr rtlCol="0" anchor="ctr"/>
-          <a:lstStyle>
-            <a:defPPr>
-              <a:defRPr lang="en-US"/>
-            </a:defPPr>
-            <a:lvl1pPr marL="0" algn="l" defTabSz="457200" rtl="0" eaLnBrk="1" latinLnBrk="0" hangingPunct="1">
-              <a:defRPr sz="1800" kern="1200">
-                <a:solidFill>
-                  <a:schemeClr val="lt1"/>
-                </a:solidFill>
-                <a:latin typeface="+mn-lt"/>
-                <a:ea typeface="+mn-ea"/>
-                <a:cs typeface="+mn-cs"/>
-              </a:defRPr>
-            </a:lvl1pPr>
-            <a:lvl2pPr marL="457200" algn="l" defTabSz="457200" rtl="0" eaLnBrk="1" latinLnBrk="0" hangingPunct="1">
-              <a:defRPr sz="1800" kern="1200">
-                <a:solidFill>
-                  <a:schemeClr val="lt1"/>
-                </a:solidFill>
-                <a:latin typeface="+mn-lt"/>
-                <a:ea typeface="+mn-ea"/>
-                <a:cs typeface="+mn-cs"/>
-              </a:defRPr>
-            </a:lvl2pPr>
-            <a:lvl3pPr marL="914400" algn="l" defTabSz="457200" rtl="0" eaLnBrk="1" latinLnBrk="0" hangingPunct="1">
-              <a:defRPr sz="1800" kern="1200">
-                <a:solidFill>
-                  <a:schemeClr val="lt1"/>
-                </a:solidFill>
-                <a:latin typeface="+mn-lt"/>
-                <a:ea typeface="+mn-ea"/>
-                <a:cs typeface="+mn-cs"/>
-              </a:defRPr>
-            </a:lvl3pPr>
-            <a:lvl4pPr marL="1371600" algn="l" defTabSz="457200" rtl="0" eaLnBrk="1" latinLnBrk="0" hangingPunct="1">
-              <a:defRPr sz="1800" kern="1200">
-                <a:solidFill>
-                  <a:schemeClr val="lt1"/>
-                </a:solidFill>
-                <a:latin typeface="+mn-lt"/>
-                <a:ea typeface="+mn-ea"/>
-                <a:cs typeface="+mn-cs"/>
-              </a:defRPr>
-            </a:lvl4pPr>
-            <a:lvl5pPr marL="1828800" algn="l" defTabSz="457200" rtl="0" eaLnBrk="1" latinLnBrk="0" hangingPunct="1">
-              <a:defRPr sz="1800" kern="1200">
-                <a:solidFill>
-                  <a:schemeClr val="lt1"/>
-                </a:solidFill>
-                <a:latin typeface="+mn-lt"/>
-                <a:ea typeface="+mn-ea"/>
-                <a:cs typeface="+mn-cs"/>
-              </a:defRPr>
-            </a:lvl5pPr>
-            <a:lvl6pPr marL="2286000" algn="l" defTabSz="457200" rtl="0" eaLnBrk="1" latinLnBrk="0" hangingPunct="1">
-              <a:defRPr sz="1800" kern="1200">
-                <a:solidFill>
-                  <a:schemeClr val="lt1"/>
-                </a:solidFill>
-                <a:latin typeface="+mn-lt"/>
-                <a:ea typeface="+mn-ea"/>
-                <a:cs typeface="+mn-cs"/>
-              </a:defRPr>
-            </a:lvl6pPr>
-            <a:lvl7pPr marL="2743200" algn="l" defTabSz="457200" rtl="0" eaLnBrk="1" latinLnBrk="0" hangingPunct="1">
-              <a:defRPr sz="1800" kern="1200">
-                <a:solidFill>
-                  <a:schemeClr val="lt1"/>
-                </a:solidFill>
-                <a:latin typeface="+mn-lt"/>
-                <a:ea typeface="+mn-ea"/>
-                <a:cs typeface="+mn-cs"/>
-              </a:defRPr>
-            </a:lvl7pPr>
-            <a:lvl8pPr marL="3200400" algn="l" defTabSz="457200" rtl="0" eaLnBrk="1" latinLnBrk="0" hangingPunct="1">
-              <a:defRPr sz="1800" kern="1200">
-                <a:solidFill>
-                  <a:schemeClr val="lt1"/>
-                </a:solidFill>
-                <a:latin typeface="+mn-lt"/>
-                <a:ea typeface="+mn-ea"/>
-                <a:cs typeface="+mn-cs"/>
-              </a:defRPr>
-            </a:lvl8pPr>
-            <a:lvl9pPr marL="3657600" algn="l" defTabSz="457200" rtl="0" eaLnBrk="1" latinLnBrk="0" hangingPunct="1">
-              <a:defRPr sz="1800" kern="1200">
-                <a:solidFill>
-                  <a:schemeClr val="lt1"/>
-                </a:solidFill>
-                <a:latin typeface="+mn-lt"/>
-                <a:ea typeface="+mn-ea"/>
-                <a:cs typeface="+mn-cs"/>
-              </a:defRPr>
-            </a:lvl9pPr>
-          </a:lstStyle>
-          <a:p>
-            <a:pPr algn="ctr"/>
-            <a:r>
-              <a:rPr lang="zh-TW" altLang="en-US" dirty="0"/>
-              <a:t>擊球模組</a:t>
-            </a:r>
-          </a:p>
-        </p:txBody>
-      </p:sp>
-      <p:sp>
-        <p:nvSpPr>
           <p:cNvPr id="13" name="矩形: 圓角 12">
             <a:extLst>
               <a:ext uri="{FF2B5EF4-FFF2-40B4-BE49-F238E27FC236}">
@@ -11193,92 +10901,6 @@
           <a:xfrm>
             <a:off x="9651396" y="3503089"/>
             <a:ext cx="21991" cy="1767473"/>
-          </a:xfrm>
-          <a:prstGeom prst="straightConnector1">
-            <a:avLst/>
-          </a:prstGeom>
-          <a:ln>
-            <a:tailEnd type="triangle"/>
-          </a:ln>
-        </p:spPr>
-        <p:style>
-          <a:lnRef idx="2">
-            <a:schemeClr val="dk1"/>
-          </a:lnRef>
-          <a:fillRef idx="0">
-            <a:schemeClr val="dk1"/>
-          </a:fillRef>
-          <a:effectRef idx="1">
-            <a:schemeClr val="dk1"/>
-          </a:effectRef>
-          <a:fontRef idx="minor">
-            <a:schemeClr val="tx1"/>
-          </a:fontRef>
-        </p:style>
-      </p:cxnSp>
-      <p:cxnSp>
-        <p:nvCxnSpPr>
-          <p:cNvPr id="29" name="直線單箭頭接點 28">
-            <a:extLst>
-              <a:ext uri="{FF2B5EF4-FFF2-40B4-BE49-F238E27FC236}">
-                <a16:creationId xmlns:a16="http://schemas.microsoft.com/office/drawing/2014/main" id="{0B233120-C26D-402D-AF7A-A8BC58B39B71}"/>
-              </a:ext>
-            </a:extLst>
-          </p:cNvPr>
-          <p:cNvCxnSpPr>
-            <a:cxnSpLocks/>
-            <a:stCxn id="8" idx="2"/>
-            <a:endCxn id="11" idx="0"/>
-          </p:cNvCxnSpPr>
-          <p:nvPr/>
-        </p:nvCxnSpPr>
-        <p:spPr>
-          <a:xfrm flipH="1">
-            <a:off x="3528008" y="4858115"/>
-            <a:ext cx="388" cy="348916"/>
-          </a:xfrm>
-          <a:prstGeom prst="straightConnector1">
-            <a:avLst/>
-          </a:prstGeom>
-          <a:ln>
-            <a:tailEnd type="triangle"/>
-          </a:ln>
-        </p:spPr>
-        <p:style>
-          <a:lnRef idx="2">
-            <a:schemeClr val="dk1"/>
-          </a:lnRef>
-          <a:fillRef idx="0">
-            <a:schemeClr val="dk1"/>
-          </a:fillRef>
-          <a:effectRef idx="1">
-            <a:schemeClr val="dk1"/>
-          </a:effectRef>
-          <a:fontRef idx="minor">
-            <a:schemeClr val="tx1"/>
-          </a:fontRef>
-        </p:style>
-      </p:cxnSp>
-      <p:cxnSp>
-        <p:nvCxnSpPr>
-          <p:cNvPr id="30" name="直線單箭頭接點 29">
-            <a:extLst>
-              <a:ext uri="{FF2B5EF4-FFF2-40B4-BE49-F238E27FC236}">
-                <a16:creationId xmlns:a16="http://schemas.microsoft.com/office/drawing/2014/main" id="{CEC5CD62-9A1C-4E58-B0BF-A37F6BE9C352}"/>
-              </a:ext>
-            </a:extLst>
-          </p:cNvPr>
-          <p:cNvCxnSpPr>
-            <a:cxnSpLocks/>
-            <a:stCxn id="7" idx="2"/>
-            <a:endCxn id="9" idx="0"/>
-          </p:cNvCxnSpPr>
-          <p:nvPr/>
-        </p:nvCxnSpPr>
-        <p:spPr>
-          <a:xfrm flipH="1">
-            <a:off x="1356309" y="4858115"/>
-            <a:ext cx="135" cy="348916"/>
           </a:xfrm>
           <a:prstGeom prst="straightConnector1">
             <a:avLst/>
@@ -12744,14 +12366,6 @@
 </file>
 
 <file path=customXml/item1.xml><?xml version="1.0" encoding="utf-8"?>
-<p:properties xmlns:p="http://schemas.microsoft.com/office/2006/metadata/properties" xmlns:xsi="http://www.w3.org/2001/XMLSchema-instance" xmlns:pc="http://schemas.microsoft.com/office/infopath/2007/PartnerControls">
-  <documentManagement>
-    <MediaServiceKeyPoints xmlns="71af3243-3dd4-4a8d-8c0d-dd76da1f02a5" xsi:nil="true"/>
-  </documentManagement>
-</p:properties>
-</file>
-
-<file path=customXml/item2.xml><?xml version="1.0" encoding="utf-8"?>
 <ct:contentTypeSchema xmlns:ct="http://schemas.microsoft.com/office/2006/metadata/contentType" xmlns:ma="http://schemas.microsoft.com/office/2006/metadata/properties/metaAttributes" ct:_="" ma:_="" ma:contentTypeName="Document" ma:contentTypeID="0x01010079F111ED35F8CC479449609E8A0923A6" ma:contentTypeVersion="11" ma:contentTypeDescription="Create a new document." ma:contentTypeScope="" ma:versionID="9677210f24a1be23c92c90fd886aa0aa">
   <xsd:schema xmlns:xsd="http://www.w3.org/2001/XMLSchema" xmlns:xs="http://www.w3.org/2001/XMLSchema" xmlns:p="http://schemas.microsoft.com/office/2006/metadata/properties" xmlns:ns2="71af3243-3dd4-4a8d-8c0d-dd76da1f02a5" xmlns:ns3="16c05727-aa75-4e4a-9b5f-8a80a1165891" targetNamespace="http://schemas.microsoft.com/office/2006/metadata/properties" ma:root="true" ma:fieldsID="60e05723c5c1908df1a1a4ebf11d344e" ns2:_="" ns3:_="">
     <xsd:import namespace="71af3243-3dd4-4a8d-8c0d-dd76da1f02a5"/>
@@ -12962,6 +12576,14 @@
 </ct:contentTypeSchema>
 </file>
 
+<file path=customXml/item2.xml><?xml version="1.0" encoding="utf-8"?>
+<p:properties xmlns:p="http://schemas.microsoft.com/office/2006/metadata/properties" xmlns:xsi="http://www.w3.org/2001/XMLSchema-instance" xmlns:pc="http://schemas.microsoft.com/office/infopath/2007/PartnerControls">
+  <documentManagement>
+    <MediaServiceKeyPoints xmlns="71af3243-3dd4-4a8d-8c0d-dd76da1f02a5" xsi:nil="true"/>
+  </documentManagement>
+</p:properties>
+</file>
+
 <file path=customXml/item3.xml><?xml version="1.0" encoding="utf-8"?>
 <?mso-contentType ?>
 <FormTemplates xmlns="http://schemas.microsoft.com/sharepoint/v3/contenttype/forms">
@@ -12972,16 +12594,6 @@
 </file>
 
 <file path=customXml/itemProps1.xml><?xml version="1.0" encoding="utf-8"?>
-<ds:datastoreItem xmlns:ds="http://schemas.openxmlformats.org/officeDocument/2006/customXml" ds:itemID="{5E99C30C-D4EF-40A1-90A6-0C8077024112}">
-  <ds:schemaRefs>
-    <ds:schemaRef ds:uri="http://schemas.microsoft.com/office/2006/metadata/properties"/>
-    <ds:schemaRef ds:uri="http://schemas.microsoft.com/office/infopath/2007/PartnerControls"/>
-    <ds:schemaRef ds:uri="71af3243-3dd4-4a8d-8c0d-dd76da1f02a5"/>
-  </ds:schemaRefs>
-</ds:datastoreItem>
-</file>
-
-<file path=customXml/itemProps2.xml><?xml version="1.0" encoding="utf-8"?>
 <ds:datastoreItem xmlns:ds="http://schemas.openxmlformats.org/officeDocument/2006/customXml" ds:itemID="{ABA78EF8-E824-4C87-A4FF-3288A5E914CF}">
   <ds:schemaRefs>
     <ds:schemaRef ds:uri="http://schemas.microsoft.com/office/2006/metadata/contentType"/>
@@ -13000,6 +12612,16 @@
 </ds:datastoreItem>
 </file>
 
+<file path=customXml/itemProps2.xml><?xml version="1.0" encoding="utf-8"?>
+<ds:datastoreItem xmlns:ds="http://schemas.openxmlformats.org/officeDocument/2006/customXml" ds:itemID="{5E99C30C-D4EF-40A1-90A6-0C8077024112}">
+  <ds:schemaRefs>
+    <ds:schemaRef ds:uri="http://schemas.microsoft.com/office/2006/metadata/properties"/>
+    <ds:schemaRef ds:uri="http://schemas.microsoft.com/office/infopath/2007/PartnerControls"/>
+    <ds:schemaRef ds:uri="71af3243-3dd4-4a8d-8c0d-dd76da1f02a5"/>
+  </ds:schemaRefs>
+</ds:datastoreItem>
+</file>
+
 <file path=customXml/itemProps3.xml><?xml version="1.0" encoding="utf-8"?>
 <ds:datastoreItem xmlns:ds="http://schemas.openxmlformats.org/officeDocument/2006/customXml" ds:itemID="{31E252AE-1687-4F4A-AAAD-EE8304DE9099}">
   <ds:schemaRefs>

--- a/HW5/機器學習實作乒乓球-專案管理.pptx
+++ b/HW5/機器學習實作乒乓球-專案管理.pptx
@@ -9538,8 +9538,8 @@
         </p:nvSpPr>
         <p:spPr>
           <a:xfrm>
-            <a:off x="875182" y="4160283"/>
-            <a:ext cx="962523" cy="697832"/>
+            <a:off x="730449" y="4160283"/>
+            <a:ext cx="1227221" cy="697832"/>
           </a:xfrm>
           <a:prstGeom prst="roundRect">
             <a:avLst/>
@@ -9667,17 +9667,17 @@
             <a:pPr algn="ctr"/>
             <a:r>
               <a:rPr lang="zh-TW" altLang="en-US" dirty="0"/>
-              <a:t>接球</a:t>
-            </a:r>
-          </a:p>
-        </p:txBody>
-      </p:sp>
-      <p:sp>
-        <p:nvSpPr>
-          <p:cNvPr id="8" name="矩形: 圓角 7">
+              <a:t>樣本採集</a:t>
+            </a:r>
+          </a:p>
+        </p:txBody>
+      </p:sp>
+      <p:sp>
+        <p:nvSpPr>
+          <p:cNvPr id="13" name="矩形: 圓角 12">
             <a:extLst>
               <a:ext uri="{FF2B5EF4-FFF2-40B4-BE49-F238E27FC236}">
-                <a16:creationId xmlns:a16="http://schemas.microsoft.com/office/drawing/2014/main" id="{75142F87-439A-49B8-946E-0E07ED9FB501}"/>
+                <a16:creationId xmlns:a16="http://schemas.microsoft.com/office/drawing/2014/main" id="{C7091AA4-89A2-4FD4-9C94-F00EB57614EF}"/>
               </a:ext>
             </a:extLst>
           </p:cNvPr>
@@ -9686,16 +9686,14 @@
         </p:nvSpPr>
         <p:spPr>
           <a:xfrm>
-            <a:off x="3047134" y="4160283"/>
-            <a:ext cx="962523" cy="697832"/>
+            <a:off x="8670759" y="2357199"/>
+            <a:ext cx="1949115" cy="697832"/>
           </a:xfrm>
           <a:prstGeom prst="roundRect">
             <a:avLst/>
           </a:prstGeom>
           <a:solidFill>
-            <a:schemeClr val="accent1">
-              <a:lumMod val="75000"/>
-            </a:schemeClr>
+            <a:schemeClr val="accent3"/>
           </a:solidFill>
         </p:spPr>
         <p:style>
@@ -9815,17 +9813,25 @@
             <a:pPr algn="ctr"/>
             <a:r>
               <a:rPr lang="zh-TW" altLang="en-US" dirty="0"/>
-              <a:t>擊球</a:t>
-            </a:r>
-          </a:p>
-        </p:txBody>
-      </p:sp>
-      <p:sp>
-        <p:nvSpPr>
-          <p:cNvPr id="13" name="矩形: 圓角 12">
+              <a:t>判斷</a:t>
+            </a:r>
+            <a:r>
+              <a:rPr lang="en-US" altLang="zh-TW" dirty="0"/>
+              <a:t>/</a:t>
+            </a:r>
+            <a:r>
+              <a:rPr lang="zh-TW" altLang="en-US" dirty="0"/>
+              <a:t>預測</a:t>
+            </a:r>
+          </a:p>
+        </p:txBody>
+      </p:sp>
+      <p:sp>
+        <p:nvSpPr>
+          <p:cNvPr id="14" name="矩形: 圓角 13">
             <a:extLst>
               <a:ext uri="{FF2B5EF4-FFF2-40B4-BE49-F238E27FC236}">
-                <a16:creationId xmlns:a16="http://schemas.microsoft.com/office/drawing/2014/main" id="{C7091AA4-89A2-4FD4-9C94-F00EB57614EF}"/>
+                <a16:creationId xmlns:a16="http://schemas.microsoft.com/office/drawing/2014/main" id="{9F77C482-1EC8-40CB-B283-2CE7A47D2598}"/>
               </a:ext>
             </a:extLst>
           </p:cNvPr>
@@ -9834,14 +9840,16 @@
         </p:nvSpPr>
         <p:spPr>
           <a:xfrm>
-            <a:off x="8670759" y="2357199"/>
-            <a:ext cx="1949115" cy="697832"/>
+            <a:off x="4855278" y="4191825"/>
+            <a:ext cx="962523" cy="697832"/>
           </a:xfrm>
           <a:prstGeom prst="roundRect">
             <a:avLst/>
           </a:prstGeom>
           <a:solidFill>
-            <a:schemeClr val="accent3"/>
+            <a:schemeClr val="accent1">
+              <a:lumMod val="75000"/>
+            </a:schemeClr>
           </a:solidFill>
         </p:spPr>
         <p:style>
@@ -9961,25 +9969,17 @@
             <a:pPr algn="ctr"/>
             <a:r>
               <a:rPr lang="zh-TW" altLang="en-US" dirty="0"/>
-              <a:t>判斷</a:t>
-            </a:r>
-            <a:r>
-              <a:rPr lang="en-US" altLang="zh-TW" dirty="0"/>
-              <a:t>/</a:t>
-            </a:r>
-            <a:r>
-              <a:rPr lang="zh-TW" altLang="en-US" dirty="0"/>
-              <a:t>預測</a:t>
-            </a:r>
-          </a:p>
-        </p:txBody>
-      </p:sp>
-      <p:sp>
-        <p:nvSpPr>
-          <p:cNvPr id="14" name="矩形: 圓角 13">
+              <a:t>對打</a:t>
+            </a:r>
+          </a:p>
+        </p:txBody>
+      </p:sp>
+      <p:sp>
+        <p:nvSpPr>
+          <p:cNvPr id="15" name="矩形: 圓角 14">
             <a:extLst>
               <a:ext uri="{FF2B5EF4-FFF2-40B4-BE49-F238E27FC236}">
-                <a16:creationId xmlns:a16="http://schemas.microsoft.com/office/drawing/2014/main" id="{9F77C482-1EC8-40CB-B283-2CE7A47D2598}"/>
+                <a16:creationId xmlns:a16="http://schemas.microsoft.com/office/drawing/2014/main" id="{CD5BD448-C439-473A-829F-47E4C2975727}"/>
               </a:ext>
             </a:extLst>
           </p:cNvPr>
@@ -9988,8 +9988,8 @@
         </p:nvSpPr>
         <p:spPr>
           <a:xfrm>
-            <a:off x="4794585" y="4160283"/>
-            <a:ext cx="962523" cy="697832"/>
+            <a:off x="6371860" y="4197887"/>
+            <a:ext cx="962524" cy="689811"/>
           </a:xfrm>
           <a:prstGeom prst="roundRect">
             <a:avLst/>
@@ -10117,17 +10117,17 @@
             <a:pPr algn="ctr"/>
             <a:r>
               <a:rPr lang="zh-TW" altLang="en-US" dirty="0"/>
-              <a:t>對打模組</a:t>
-            </a:r>
-          </a:p>
-        </p:txBody>
-      </p:sp>
-      <p:sp>
-        <p:nvSpPr>
-          <p:cNvPr id="15" name="矩形: 圓角 14">
+              <a:t>速度測試</a:t>
+            </a:r>
+          </a:p>
+        </p:txBody>
+      </p:sp>
+      <p:sp>
+        <p:nvSpPr>
+          <p:cNvPr id="16" name="矩形: 圓角 15">
             <a:extLst>
               <a:ext uri="{FF2B5EF4-FFF2-40B4-BE49-F238E27FC236}">
-                <a16:creationId xmlns:a16="http://schemas.microsoft.com/office/drawing/2014/main" id="{CD5BD448-C439-473A-829F-47E4C2975727}"/>
+                <a16:creationId xmlns:a16="http://schemas.microsoft.com/office/drawing/2014/main" id="{35102A37-7540-457F-99EB-FB8240C92AEC}"/>
               </a:ext>
             </a:extLst>
           </p:cNvPr>
@@ -10136,8 +10136,8 @@
         </p:nvSpPr>
         <p:spPr>
           <a:xfrm>
-            <a:off x="6371860" y="4197887"/>
-            <a:ext cx="962524" cy="689811"/>
+            <a:off x="7511687" y="4232798"/>
+            <a:ext cx="1704472" cy="697832"/>
           </a:xfrm>
           <a:prstGeom prst="roundRect">
             <a:avLst/>
@@ -10265,17 +10265,17 @@
             <a:pPr algn="ctr"/>
             <a:r>
               <a:rPr lang="zh-TW" altLang="en-US" dirty="0"/>
-              <a:t>速度測試模組</a:t>
-            </a:r>
-          </a:p>
-        </p:txBody>
-      </p:sp>
-      <p:sp>
-        <p:nvSpPr>
-          <p:cNvPr id="16" name="矩形: 圓角 15">
+              <a:t>軌跡判斷</a:t>
+            </a:r>
+          </a:p>
+        </p:txBody>
+      </p:sp>
+      <p:sp>
+        <p:nvSpPr>
+          <p:cNvPr id="17" name="矩形: 圓角 16">
             <a:extLst>
               <a:ext uri="{FF2B5EF4-FFF2-40B4-BE49-F238E27FC236}">
-                <a16:creationId xmlns:a16="http://schemas.microsoft.com/office/drawing/2014/main" id="{35102A37-7540-457F-99EB-FB8240C92AEC}"/>
+                <a16:creationId xmlns:a16="http://schemas.microsoft.com/office/drawing/2014/main" id="{A40CD843-E159-4DF4-838E-DFBB09C775DD}"/>
               </a:ext>
             </a:extLst>
           </p:cNvPr>
@@ -10284,7 +10284,7 @@
         </p:nvSpPr>
         <p:spPr>
           <a:xfrm>
-            <a:off x="7511687" y="4232798"/>
+            <a:off x="10464582" y="4232798"/>
             <a:ext cx="1704472" cy="697832"/>
           </a:xfrm>
           <a:prstGeom prst="roundRect">
@@ -10413,17 +10413,17 @@
             <a:pPr algn="ctr"/>
             <a:r>
               <a:rPr lang="zh-TW" altLang="en-US" dirty="0"/>
-              <a:t>軌跡判斷模組</a:t>
-            </a:r>
-          </a:p>
-        </p:txBody>
-      </p:sp>
-      <p:sp>
-        <p:nvSpPr>
-          <p:cNvPr id="17" name="矩形: 圓角 16">
+              <a:t>落點預測</a:t>
+            </a:r>
+          </a:p>
+        </p:txBody>
+      </p:sp>
+      <p:sp>
+        <p:nvSpPr>
+          <p:cNvPr id="18" name="矩形: 圓角 17">
             <a:extLst>
               <a:ext uri="{FF2B5EF4-FFF2-40B4-BE49-F238E27FC236}">
-                <a16:creationId xmlns:a16="http://schemas.microsoft.com/office/drawing/2014/main" id="{A40CD843-E159-4DF4-838E-DFBB09C775DD}"/>
+                <a16:creationId xmlns:a16="http://schemas.microsoft.com/office/drawing/2014/main" id="{DF516377-A996-471C-978F-592077DF066B}"/>
               </a:ext>
             </a:extLst>
           </p:cNvPr>
@@ -10432,7 +10432,7 @@
         </p:nvSpPr>
         <p:spPr>
           <a:xfrm>
-            <a:off x="10464582" y="4232798"/>
+            <a:off x="8821151" y="5270562"/>
             <a:ext cx="1704472" cy="697832"/>
           </a:xfrm>
           <a:prstGeom prst="roundRect">
@@ -10561,155 +10561,7 @@
             <a:pPr algn="ctr"/>
             <a:r>
               <a:rPr lang="zh-TW" altLang="en-US" dirty="0"/>
-              <a:t>落點預測模組</a:t>
-            </a:r>
-          </a:p>
-        </p:txBody>
-      </p:sp>
-      <p:sp>
-        <p:nvSpPr>
-          <p:cNvPr id="18" name="矩形: 圓角 17">
-            <a:extLst>
-              <a:ext uri="{FF2B5EF4-FFF2-40B4-BE49-F238E27FC236}">
-                <a16:creationId xmlns:a16="http://schemas.microsoft.com/office/drawing/2014/main" id="{DF516377-A996-471C-978F-592077DF066B}"/>
-              </a:ext>
-            </a:extLst>
-          </p:cNvPr>
-          <p:cNvSpPr/>
-          <p:nvPr/>
-        </p:nvSpPr>
-        <p:spPr>
-          <a:xfrm>
-            <a:off x="8821151" y="5270562"/>
-            <a:ext cx="1704472" cy="697832"/>
-          </a:xfrm>
-          <a:prstGeom prst="roundRect">
-            <a:avLst/>
-          </a:prstGeom>
-          <a:solidFill>
-            <a:schemeClr val="accent1">
-              <a:lumMod val="75000"/>
-            </a:schemeClr>
-          </a:solidFill>
-        </p:spPr>
-        <p:style>
-          <a:lnRef idx="2">
-            <a:schemeClr val="accent1">
-              <a:shade val="50000"/>
-            </a:schemeClr>
-          </a:lnRef>
-          <a:fillRef idx="1">
-            <a:schemeClr val="accent1"/>
-          </a:fillRef>
-          <a:effectRef idx="0">
-            <a:schemeClr val="accent1"/>
-          </a:effectRef>
-          <a:fontRef idx="minor">
-            <a:schemeClr val="lt1"/>
-          </a:fontRef>
-        </p:style>
-        <p:txBody>
-          <a:bodyPr rtlCol="0" anchor="ctr"/>
-          <a:lstStyle>
-            <a:defPPr>
-              <a:defRPr lang="en-US"/>
-            </a:defPPr>
-            <a:lvl1pPr marL="0" algn="l" defTabSz="457200" rtl="0" eaLnBrk="1" latinLnBrk="0" hangingPunct="1">
-              <a:defRPr sz="1800" kern="1200">
-                <a:solidFill>
-                  <a:schemeClr val="lt1"/>
-                </a:solidFill>
-                <a:latin typeface="+mn-lt"/>
-                <a:ea typeface="+mn-ea"/>
-                <a:cs typeface="+mn-cs"/>
-              </a:defRPr>
-            </a:lvl1pPr>
-            <a:lvl2pPr marL="457200" algn="l" defTabSz="457200" rtl="0" eaLnBrk="1" latinLnBrk="0" hangingPunct="1">
-              <a:defRPr sz="1800" kern="1200">
-                <a:solidFill>
-                  <a:schemeClr val="lt1"/>
-                </a:solidFill>
-                <a:latin typeface="+mn-lt"/>
-                <a:ea typeface="+mn-ea"/>
-                <a:cs typeface="+mn-cs"/>
-              </a:defRPr>
-            </a:lvl2pPr>
-            <a:lvl3pPr marL="914400" algn="l" defTabSz="457200" rtl="0" eaLnBrk="1" latinLnBrk="0" hangingPunct="1">
-              <a:defRPr sz="1800" kern="1200">
-                <a:solidFill>
-                  <a:schemeClr val="lt1"/>
-                </a:solidFill>
-                <a:latin typeface="+mn-lt"/>
-                <a:ea typeface="+mn-ea"/>
-                <a:cs typeface="+mn-cs"/>
-              </a:defRPr>
-            </a:lvl3pPr>
-            <a:lvl4pPr marL="1371600" algn="l" defTabSz="457200" rtl="0" eaLnBrk="1" latinLnBrk="0" hangingPunct="1">
-              <a:defRPr sz="1800" kern="1200">
-                <a:solidFill>
-                  <a:schemeClr val="lt1"/>
-                </a:solidFill>
-                <a:latin typeface="+mn-lt"/>
-                <a:ea typeface="+mn-ea"/>
-                <a:cs typeface="+mn-cs"/>
-              </a:defRPr>
-            </a:lvl4pPr>
-            <a:lvl5pPr marL="1828800" algn="l" defTabSz="457200" rtl="0" eaLnBrk="1" latinLnBrk="0" hangingPunct="1">
-              <a:defRPr sz="1800" kern="1200">
-                <a:solidFill>
-                  <a:schemeClr val="lt1"/>
-                </a:solidFill>
-                <a:latin typeface="+mn-lt"/>
-                <a:ea typeface="+mn-ea"/>
-                <a:cs typeface="+mn-cs"/>
-              </a:defRPr>
-            </a:lvl5pPr>
-            <a:lvl6pPr marL="2286000" algn="l" defTabSz="457200" rtl="0" eaLnBrk="1" latinLnBrk="0" hangingPunct="1">
-              <a:defRPr sz="1800" kern="1200">
-                <a:solidFill>
-                  <a:schemeClr val="lt1"/>
-                </a:solidFill>
-                <a:latin typeface="+mn-lt"/>
-                <a:ea typeface="+mn-ea"/>
-                <a:cs typeface="+mn-cs"/>
-              </a:defRPr>
-            </a:lvl6pPr>
-            <a:lvl7pPr marL="2743200" algn="l" defTabSz="457200" rtl="0" eaLnBrk="1" latinLnBrk="0" hangingPunct="1">
-              <a:defRPr sz="1800" kern="1200">
-                <a:solidFill>
-                  <a:schemeClr val="lt1"/>
-                </a:solidFill>
-                <a:latin typeface="+mn-lt"/>
-                <a:ea typeface="+mn-ea"/>
-                <a:cs typeface="+mn-cs"/>
-              </a:defRPr>
-            </a:lvl7pPr>
-            <a:lvl8pPr marL="3200400" algn="l" defTabSz="457200" rtl="0" eaLnBrk="1" latinLnBrk="0" hangingPunct="1">
-              <a:defRPr sz="1800" kern="1200">
-                <a:solidFill>
-                  <a:schemeClr val="lt1"/>
-                </a:solidFill>
-                <a:latin typeface="+mn-lt"/>
-                <a:ea typeface="+mn-ea"/>
-                <a:cs typeface="+mn-cs"/>
-              </a:defRPr>
-            </a:lvl8pPr>
-            <a:lvl9pPr marL="3657600" algn="l" defTabSz="457200" rtl="0" eaLnBrk="1" latinLnBrk="0" hangingPunct="1">
-              <a:defRPr sz="1800" kern="1200">
-                <a:solidFill>
-                  <a:schemeClr val="lt1"/>
-                </a:solidFill>
-                <a:latin typeface="+mn-lt"/>
-                <a:ea typeface="+mn-ea"/>
-                <a:cs typeface="+mn-cs"/>
-              </a:defRPr>
-            </a:lvl9pPr>
-          </a:lstStyle>
-          <a:p>
-            <a:pPr algn="ctr"/>
-            <a:r>
-              <a:rPr lang="zh-TW" altLang="en-US" dirty="0"/>
-              <a:t>速度判斷模組</a:t>
+              <a:t>速度判斷</a:t>
             </a:r>
           </a:p>
         </p:txBody>
@@ -11089,10 +10941,10 @@
         </p:nvGrpSpPr>
         <p:grpSpPr>
           <a:xfrm>
-            <a:off x="1356308" y="3043377"/>
-            <a:ext cx="2172088" cy="1116906"/>
-            <a:chOff x="1356308" y="3043377"/>
-            <a:chExt cx="2172088" cy="1116906"/>
+            <a:off x="1344060" y="3043377"/>
+            <a:ext cx="2184336" cy="1116906"/>
+            <a:chOff x="1344060" y="3043377"/>
+            <a:chExt cx="2184336" cy="1116906"/>
           </a:xfrm>
         </p:grpSpPr>
         <p:cxnSp>
@@ -11111,9 +10963,9 @@
             <p:nvPr/>
           </p:nvCxnSpPr>
           <p:spPr>
-            <a:xfrm>
-              <a:off x="1356444" y="3741962"/>
-              <a:ext cx="0" cy="418321"/>
+            <a:xfrm flipH="1">
+              <a:off x="1344060" y="3738683"/>
+              <a:ext cx="5092" cy="421600"/>
             </a:xfrm>
             <a:prstGeom prst="straightConnector1">
               <a:avLst/>
@@ -11148,7 +11000,6 @@
             </p:cNvPr>
             <p:cNvCxnSpPr>
               <a:cxnSpLocks/>
-              <a:endCxn id="8" idx="0"/>
             </p:cNvCxnSpPr>
             <p:nvPr/>
           </p:nvCxnSpPr>
@@ -11512,6 +11363,1066 @@
           <a:xfrm>
             <a:off x="9645317" y="3055031"/>
             <a:ext cx="0" cy="459625"/>
+          </a:xfrm>
+          <a:prstGeom prst="line">
+            <a:avLst/>
+          </a:prstGeom>
+        </p:spPr>
+        <p:style>
+          <a:lnRef idx="2">
+            <a:schemeClr val="dk1"/>
+          </a:lnRef>
+          <a:fillRef idx="0">
+            <a:schemeClr val="dk1"/>
+          </a:fillRef>
+          <a:effectRef idx="1">
+            <a:schemeClr val="dk1"/>
+          </a:effectRef>
+          <a:fontRef idx="minor">
+            <a:schemeClr val="tx1"/>
+          </a:fontRef>
+        </p:style>
+      </p:cxnSp>
+      <p:sp>
+        <p:nvSpPr>
+          <p:cNvPr id="54" name="矩形: 圓角 53">
+            <a:extLst>
+              <a:ext uri="{FF2B5EF4-FFF2-40B4-BE49-F238E27FC236}">
+                <a16:creationId xmlns:a16="http://schemas.microsoft.com/office/drawing/2014/main" id="{C797634D-7719-4C3D-A4E6-CD922BA27137}"/>
+              </a:ext>
+            </a:extLst>
+          </p:cNvPr>
+          <p:cNvSpPr/>
+          <p:nvPr/>
+        </p:nvSpPr>
+        <p:spPr>
+          <a:xfrm>
+            <a:off x="4049290" y="5811470"/>
+            <a:ext cx="962523" cy="697832"/>
+          </a:xfrm>
+          <a:prstGeom prst="roundRect">
+            <a:avLst/>
+          </a:prstGeom>
+          <a:solidFill>
+            <a:schemeClr val="accent1">
+              <a:lumMod val="75000"/>
+            </a:schemeClr>
+          </a:solidFill>
+        </p:spPr>
+        <p:style>
+          <a:lnRef idx="2">
+            <a:schemeClr val="accent1">
+              <a:shade val="50000"/>
+            </a:schemeClr>
+          </a:lnRef>
+          <a:fillRef idx="1">
+            <a:schemeClr val="accent1"/>
+          </a:fillRef>
+          <a:effectRef idx="0">
+            <a:schemeClr val="accent1"/>
+          </a:effectRef>
+          <a:fontRef idx="minor">
+            <a:schemeClr val="lt1"/>
+          </a:fontRef>
+        </p:style>
+        <p:txBody>
+          <a:bodyPr rtlCol="0" anchor="ctr"/>
+          <a:lstStyle>
+            <a:defPPr>
+              <a:defRPr lang="en-US"/>
+            </a:defPPr>
+            <a:lvl1pPr marL="0" algn="l" defTabSz="457200" rtl="0" eaLnBrk="1" latinLnBrk="0" hangingPunct="1">
+              <a:defRPr sz="1800" kern="1200">
+                <a:solidFill>
+                  <a:schemeClr val="lt1"/>
+                </a:solidFill>
+                <a:latin typeface="+mn-lt"/>
+                <a:ea typeface="+mn-ea"/>
+                <a:cs typeface="+mn-cs"/>
+              </a:defRPr>
+            </a:lvl1pPr>
+            <a:lvl2pPr marL="457200" algn="l" defTabSz="457200" rtl="0" eaLnBrk="1" latinLnBrk="0" hangingPunct="1">
+              <a:defRPr sz="1800" kern="1200">
+                <a:solidFill>
+                  <a:schemeClr val="lt1"/>
+                </a:solidFill>
+                <a:latin typeface="+mn-lt"/>
+                <a:ea typeface="+mn-ea"/>
+                <a:cs typeface="+mn-cs"/>
+              </a:defRPr>
+            </a:lvl2pPr>
+            <a:lvl3pPr marL="914400" algn="l" defTabSz="457200" rtl="0" eaLnBrk="1" latinLnBrk="0" hangingPunct="1">
+              <a:defRPr sz="1800" kern="1200">
+                <a:solidFill>
+                  <a:schemeClr val="lt1"/>
+                </a:solidFill>
+                <a:latin typeface="+mn-lt"/>
+                <a:ea typeface="+mn-ea"/>
+                <a:cs typeface="+mn-cs"/>
+              </a:defRPr>
+            </a:lvl3pPr>
+            <a:lvl4pPr marL="1371600" algn="l" defTabSz="457200" rtl="0" eaLnBrk="1" latinLnBrk="0" hangingPunct="1">
+              <a:defRPr sz="1800" kern="1200">
+                <a:solidFill>
+                  <a:schemeClr val="lt1"/>
+                </a:solidFill>
+                <a:latin typeface="+mn-lt"/>
+                <a:ea typeface="+mn-ea"/>
+                <a:cs typeface="+mn-cs"/>
+              </a:defRPr>
+            </a:lvl4pPr>
+            <a:lvl5pPr marL="1828800" algn="l" defTabSz="457200" rtl="0" eaLnBrk="1" latinLnBrk="0" hangingPunct="1">
+              <a:defRPr sz="1800" kern="1200">
+                <a:solidFill>
+                  <a:schemeClr val="lt1"/>
+                </a:solidFill>
+                <a:latin typeface="+mn-lt"/>
+                <a:ea typeface="+mn-ea"/>
+                <a:cs typeface="+mn-cs"/>
+              </a:defRPr>
+            </a:lvl5pPr>
+            <a:lvl6pPr marL="2286000" algn="l" defTabSz="457200" rtl="0" eaLnBrk="1" latinLnBrk="0" hangingPunct="1">
+              <a:defRPr sz="1800" kern="1200">
+                <a:solidFill>
+                  <a:schemeClr val="lt1"/>
+                </a:solidFill>
+                <a:latin typeface="+mn-lt"/>
+                <a:ea typeface="+mn-ea"/>
+                <a:cs typeface="+mn-cs"/>
+              </a:defRPr>
+            </a:lvl6pPr>
+            <a:lvl7pPr marL="2743200" algn="l" defTabSz="457200" rtl="0" eaLnBrk="1" latinLnBrk="0" hangingPunct="1">
+              <a:defRPr sz="1800" kern="1200">
+                <a:solidFill>
+                  <a:schemeClr val="lt1"/>
+                </a:solidFill>
+                <a:latin typeface="+mn-lt"/>
+                <a:ea typeface="+mn-ea"/>
+                <a:cs typeface="+mn-cs"/>
+              </a:defRPr>
+            </a:lvl7pPr>
+            <a:lvl8pPr marL="3200400" algn="l" defTabSz="457200" rtl="0" eaLnBrk="1" latinLnBrk="0" hangingPunct="1">
+              <a:defRPr sz="1800" kern="1200">
+                <a:solidFill>
+                  <a:schemeClr val="lt1"/>
+                </a:solidFill>
+                <a:latin typeface="+mn-lt"/>
+                <a:ea typeface="+mn-ea"/>
+                <a:cs typeface="+mn-cs"/>
+              </a:defRPr>
+            </a:lvl8pPr>
+            <a:lvl9pPr marL="3657600" algn="l" defTabSz="457200" rtl="0" eaLnBrk="1" latinLnBrk="0" hangingPunct="1">
+              <a:defRPr sz="1800" kern="1200">
+                <a:solidFill>
+                  <a:schemeClr val="lt1"/>
+                </a:solidFill>
+                <a:latin typeface="+mn-lt"/>
+                <a:ea typeface="+mn-ea"/>
+                <a:cs typeface="+mn-cs"/>
+              </a:defRPr>
+            </a:lvl9pPr>
+          </a:lstStyle>
+          <a:p>
+            <a:pPr algn="ctr"/>
+            <a:r>
+              <a:rPr lang="zh-TW" altLang="en-US" dirty="0"/>
+              <a:t>中心點擊球</a:t>
+            </a:r>
+          </a:p>
+        </p:txBody>
+      </p:sp>
+      <p:sp>
+        <p:nvSpPr>
+          <p:cNvPr id="55" name="矩形: 圓角 54">
+            <a:extLst>
+              <a:ext uri="{FF2B5EF4-FFF2-40B4-BE49-F238E27FC236}">
+                <a16:creationId xmlns:a16="http://schemas.microsoft.com/office/drawing/2014/main" id="{638FAEC4-2AFC-4271-B453-6F639E9065E0}"/>
+              </a:ext>
+            </a:extLst>
+          </p:cNvPr>
+          <p:cNvSpPr/>
+          <p:nvPr/>
+        </p:nvSpPr>
+        <p:spPr>
+          <a:xfrm>
+            <a:off x="5612861" y="5824195"/>
+            <a:ext cx="962523" cy="697832"/>
+          </a:xfrm>
+          <a:prstGeom prst="roundRect">
+            <a:avLst/>
+          </a:prstGeom>
+          <a:solidFill>
+            <a:schemeClr val="accent1">
+              <a:lumMod val="75000"/>
+            </a:schemeClr>
+          </a:solidFill>
+        </p:spPr>
+        <p:style>
+          <a:lnRef idx="2">
+            <a:schemeClr val="accent1">
+              <a:shade val="50000"/>
+            </a:schemeClr>
+          </a:lnRef>
+          <a:fillRef idx="1">
+            <a:schemeClr val="accent1"/>
+          </a:fillRef>
+          <a:effectRef idx="0">
+            <a:schemeClr val="accent1"/>
+          </a:effectRef>
+          <a:fontRef idx="minor">
+            <a:schemeClr val="lt1"/>
+          </a:fontRef>
+        </p:style>
+        <p:txBody>
+          <a:bodyPr rtlCol="0" anchor="ctr"/>
+          <a:lstStyle>
+            <a:defPPr>
+              <a:defRPr lang="en-US"/>
+            </a:defPPr>
+            <a:lvl1pPr marL="0" algn="l" defTabSz="457200" rtl="0" eaLnBrk="1" latinLnBrk="0" hangingPunct="1">
+              <a:defRPr sz="1800" kern="1200">
+                <a:solidFill>
+                  <a:schemeClr val="lt1"/>
+                </a:solidFill>
+                <a:latin typeface="+mn-lt"/>
+                <a:ea typeface="+mn-ea"/>
+                <a:cs typeface="+mn-cs"/>
+              </a:defRPr>
+            </a:lvl1pPr>
+            <a:lvl2pPr marL="457200" algn="l" defTabSz="457200" rtl="0" eaLnBrk="1" latinLnBrk="0" hangingPunct="1">
+              <a:defRPr sz="1800" kern="1200">
+                <a:solidFill>
+                  <a:schemeClr val="lt1"/>
+                </a:solidFill>
+                <a:latin typeface="+mn-lt"/>
+                <a:ea typeface="+mn-ea"/>
+                <a:cs typeface="+mn-cs"/>
+              </a:defRPr>
+            </a:lvl2pPr>
+            <a:lvl3pPr marL="914400" algn="l" defTabSz="457200" rtl="0" eaLnBrk="1" latinLnBrk="0" hangingPunct="1">
+              <a:defRPr sz="1800" kern="1200">
+                <a:solidFill>
+                  <a:schemeClr val="lt1"/>
+                </a:solidFill>
+                <a:latin typeface="+mn-lt"/>
+                <a:ea typeface="+mn-ea"/>
+                <a:cs typeface="+mn-cs"/>
+              </a:defRPr>
+            </a:lvl3pPr>
+            <a:lvl4pPr marL="1371600" algn="l" defTabSz="457200" rtl="0" eaLnBrk="1" latinLnBrk="0" hangingPunct="1">
+              <a:defRPr sz="1800" kern="1200">
+                <a:solidFill>
+                  <a:schemeClr val="lt1"/>
+                </a:solidFill>
+                <a:latin typeface="+mn-lt"/>
+                <a:ea typeface="+mn-ea"/>
+                <a:cs typeface="+mn-cs"/>
+              </a:defRPr>
+            </a:lvl4pPr>
+            <a:lvl5pPr marL="1828800" algn="l" defTabSz="457200" rtl="0" eaLnBrk="1" latinLnBrk="0" hangingPunct="1">
+              <a:defRPr sz="1800" kern="1200">
+                <a:solidFill>
+                  <a:schemeClr val="lt1"/>
+                </a:solidFill>
+                <a:latin typeface="+mn-lt"/>
+                <a:ea typeface="+mn-ea"/>
+                <a:cs typeface="+mn-cs"/>
+              </a:defRPr>
+            </a:lvl5pPr>
+            <a:lvl6pPr marL="2286000" algn="l" defTabSz="457200" rtl="0" eaLnBrk="1" latinLnBrk="0" hangingPunct="1">
+              <a:defRPr sz="1800" kern="1200">
+                <a:solidFill>
+                  <a:schemeClr val="lt1"/>
+                </a:solidFill>
+                <a:latin typeface="+mn-lt"/>
+                <a:ea typeface="+mn-ea"/>
+                <a:cs typeface="+mn-cs"/>
+              </a:defRPr>
+            </a:lvl6pPr>
+            <a:lvl7pPr marL="2743200" algn="l" defTabSz="457200" rtl="0" eaLnBrk="1" latinLnBrk="0" hangingPunct="1">
+              <a:defRPr sz="1800" kern="1200">
+                <a:solidFill>
+                  <a:schemeClr val="lt1"/>
+                </a:solidFill>
+                <a:latin typeface="+mn-lt"/>
+                <a:ea typeface="+mn-ea"/>
+                <a:cs typeface="+mn-cs"/>
+              </a:defRPr>
+            </a:lvl7pPr>
+            <a:lvl8pPr marL="3200400" algn="l" defTabSz="457200" rtl="0" eaLnBrk="1" latinLnBrk="0" hangingPunct="1">
+              <a:defRPr sz="1800" kern="1200">
+                <a:solidFill>
+                  <a:schemeClr val="lt1"/>
+                </a:solidFill>
+                <a:latin typeface="+mn-lt"/>
+                <a:ea typeface="+mn-ea"/>
+                <a:cs typeface="+mn-cs"/>
+              </a:defRPr>
+            </a:lvl8pPr>
+            <a:lvl9pPr marL="3657600" algn="l" defTabSz="457200" rtl="0" eaLnBrk="1" latinLnBrk="0" hangingPunct="1">
+              <a:defRPr sz="1800" kern="1200">
+                <a:solidFill>
+                  <a:schemeClr val="lt1"/>
+                </a:solidFill>
+                <a:latin typeface="+mn-lt"/>
+                <a:ea typeface="+mn-ea"/>
+                <a:cs typeface="+mn-cs"/>
+              </a:defRPr>
+            </a:lvl9pPr>
+          </a:lstStyle>
+          <a:p>
+            <a:pPr algn="ctr"/>
+            <a:r>
+              <a:rPr lang="zh-TW" altLang="en-US" dirty="0"/>
+              <a:t>切球</a:t>
+            </a:r>
+          </a:p>
+        </p:txBody>
+      </p:sp>
+      <p:sp>
+        <p:nvSpPr>
+          <p:cNvPr id="57" name="矩形: 圓角 56">
+            <a:extLst>
+              <a:ext uri="{FF2B5EF4-FFF2-40B4-BE49-F238E27FC236}">
+                <a16:creationId xmlns:a16="http://schemas.microsoft.com/office/drawing/2014/main" id="{6D436078-1E79-4FEE-97E1-01A3C0A63147}"/>
+              </a:ext>
+            </a:extLst>
+          </p:cNvPr>
+          <p:cNvSpPr/>
+          <p:nvPr/>
+        </p:nvSpPr>
+        <p:spPr>
+          <a:xfrm>
+            <a:off x="2899559" y="4169238"/>
+            <a:ext cx="1227221" cy="697832"/>
+          </a:xfrm>
+          <a:prstGeom prst="roundRect">
+            <a:avLst/>
+          </a:prstGeom>
+          <a:solidFill>
+            <a:schemeClr val="accent1">
+              <a:lumMod val="75000"/>
+            </a:schemeClr>
+          </a:solidFill>
+        </p:spPr>
+        <p:style>
+          <a:lnRef idx="2">
+            <a:schemeClr val="accent1">
+              <a:shade val="50000"/>
+            </a:schemeClr>
+          </a:lnRef>
+          <a:fillRef idx="1">
+            <a:schemeClr val="accent1"/>
+          </a:fillRef>
+          <a:effectRef idx="0">
+            <a:schemeClr val="accent1"/>
+          </a:effectRef>
+          <a:fontRef idx="minor">
+            <a:schemeClr val="lt1"/>
+          </a:fontRef>
+        </p:style>
+        <p:txBody>
+          <a:bodyPr rtlCol="0" anchor="ctr"/>
+          <a:lstStyle>
+            <a:defPPr>
+              <a:defRPr lang="en-US"/>
+            </a:defPPr>
+            <a:lvl1pPr marL="0" algn="l" defTabSz="457200" rtl="0" eaLnBrk="1" latinLnBrk="0" hangingPunct="1">
+              <a:defRPr sz="1800" kern="1200">
+                <a:solidFill>
+                  <a:schemeClr val="lt1"/>
+                </a:solidFill>
+                <a:latin typeface="+mn-lt"/>
+                <a:ea typeface="+mn-ea"/>
+                <a:cs typeface="+mn-cs"/>
+              </a:defRPr>
+            </a:lvl1pPr>
+            <a:lvl2pPr marL="457200" algn="l" defTabSz="457200" rtl="0" eaLnBrk="1" latinLnBrk="0" hangingPunct="1">
+              <a:defRPr sz="1800" kern="1200">
+                <a:solidFill>
+                  <a:schemeClr val="lt1"/>
+                </a:solidFill>
+                <a:latin typeface="+mn-lt"/>
+                <a:ea typeface="+mn-ea"/>
+                <a:cs typeface="+mn-cs"/>
+              </a:defRPr>
+            </a:lvl2pPr>
+            <a:lvl3pPr marL="914400" algn="l" defTabSz="457200" rtl="0" eaLnBrk="1" latinLnBrk="0" hangingPunct="1">
+              <a:defRPr sz="1800" kern="1200">
+                <a:solidFill>
+                  <a:schemeClr val="lt1"/>
+                </a:solidFill>
+                <a:latin typeface="+mn-lt"/>
+                <a:ea typeface="+mn-ea"/>
+                <a:cs typeface="+mn-cs"/>
+              </a:defRPr>
+            </a:lvl3pPr>
+            <a:lvl4pPr marL="1371600" algn="l" defTabSz="457200" rtl="0" eaLnBrk="1" latinLnBrk="0" hangingPunct="1">
+              <a:defRPr sz="1800" kern="1200">
+                <a:solidFill>
+                  <a:schemeClr val="lt1"/>
+                </a:solidFill>
+                <a:latin typeface="+mn-lt"/>
+                <a:ea typeface="+mn-ea"/>
+                <a:cs typeface="+mn-cs"/>
+              </a:defRPr>
+            </a:lvl4pPr>
+            <a:lvl5pPr marL="1828800" algn="l" defTabSz="457200" rtl="0" eaLnBrk="1" latinLnBrk="0" hangingPunct="1">
+              <a:defRPr sz="1800" kern="1200">
+                <a:solidFill>
+                  <a:schemeClr val="lt1"/>
+                </a:solidFill>
+                <a:latin typeface="+mn-lt"/>
+                <a:ea typeface="+mn-ea"/>
+                <a:cs typeface="+mn-cs"/>
+              </a:defRPr>
+            </a:lvl5pPr>
+            <a:lvl6pPr marL="2286000" algn="l" defTabSz="457200" rtl="0" eaLnBrk="1" latinLnBrk="0" hangingPunct="1">
+              <a:defRPr sz="1800" kern="1200">
+                <a:solidFill>
+                  <a:schemeClr val="lt1"/>
+                </a:solidFill>
+                <a:latin typeface="+mn-lt"/>
+                <a:ea typeface="+mn-ea"/>
+                <a:cs typeface="+mn-cs"/>
+              </a:defRPr>
+            </a:lvl6pPr>
+            <a:lvl7pPr marL="2743200" algn="l" defTabSz="457200" rtl="0" eaLnBrk="1" latinLnBrk="0" hangingPunct="1">
+              <a:defRPr sz="1800" kern="1200">
+                <a:solidFill>
+                  <a:schemeClr val="lt1"/>
+                </a:solidFill>
+                <a:latin typeface="+mn-lt"/>
+                <a:ea typeface="+mn-ea"/>
+                <a:cs typeface="+mn-cs"/>
+              </a:defRPr>
+            </a:lvl7pPr>
+            <a:lvl8pPr marL="3200400" algn="l" defTabSz="457200" rtl="0" eaLnBrk="1" latinLnBrk="0" hangingPunct="1">
+              <a:defRPr sz="1800" kern="1200">
+                <a:solidFill>
+                  <a:schemeClr val="lt1"/>
+                </a:solidFill>
+                <a:latin typeface="+mn-lt"/>
+                <a:ea typeface="+mn-ea"/>
+                <a:cs typeface="+mn-cs"/>
+              </a:defRPr>
+            </a:lvl8pPr>
+            <a:lvl9pPr marL="3657600" algn="l" defTabSz="457200" rtl="0" eaLnBrk="1" latinLnBrk="0" hangingPunct="1">
+              <a:defRPr sz="1800" kern="1200">
+                <a:solidFill>
+                  <a:schemeClr val="lt1"/>
+                </a:solidFill>
+                <a:latin typeface="+mn-lt"/>
+                <a:ea typeface="+mn-ea"/>
+                <a:cs typeface="+mn-cs"/>
+              </a:defRPr>
+            </a:lvl9pPr>
+          </a:lstStyle>
+          <a:p>
+            <a:pPr algn="ctr"/>
+            <a:r>
+              <a:rPr lang="zh-TW" altLang="en-US" dirty="0"/>
+              <a:t>分類樣本</a:t>
+            </a:r>
+          </a:p>
+        </p:txBody>
+      </p:sp>
+      <p:cxnSp>
+        <p:nvCxnSpPr>
+          <p:cNvPr id="58" name="直線單箭頭接點 57">
+            <a:extLst>
+              <a:ext uri="{FF2B5EF4-FFF2-40B4-BE49-F238E27FC236}">
+                <a16:creationId xmlns:a16="http://schemas.microsoft.com/office/drawing/2014/main" id="{6488FF0C-24A3-4CA4-AAA7-571050A0FF2E}"/>
+              </a:ext>
+            </a:extLst>
+          </p:cNvPr>
+          <p:cNvCxnSpPr>
+            <a:cxnSpLocks/>
+            <a:endCxn id="54" idx="0"/>
+          </p:cNvCxnSpPr>
+          <p:nvPr/>
+        </p:nvCxnSpPr>
+        <p:spPr>
+          <a:xfrm>
+            <a:off x="4530552" y="5375666"/>
+            <a:ext cx="0" cy="435804"/>
+          </a:xfrm>
+          <a:prstGeom prst="straightConnector1">
+            <a:avLst/>
+          </a:prstGeom>
+          <a:ln>
+            <a:tailEnd type="triangle"/>
+          </a:ln>
+        </p:spPr>
+        <p:style>
+          <a:lnRef idx="2">
+            <a:schemeClr val="dk1"/>
+          </a:lnRef>
+          <a:fillRef idx="0">
+            <a:schemeClr val="dk1"/>
+          </a:fillRef>
+          <a:effectRef idx="1">
+            <a:schemeClr val="dk1"/>
+          </a:effectRef>
+          <a:fontRef idx="minor">
+            <a:schemeClr val="tx1"/>
+          </a:fontRef>
+        </p:style>
+      </p:cxnSp>
+      <p:cxnSp>
+        <p:nvCxnSpPr>
+          <p:cNvPr id="59" name="直線單箭頭接點 58">
+            <a:extLst>
+              <a:ext uri="{FF2B5EF4-FFF2-40B4-BE49-F238E27FC236}">
+                <a16:creationId xmlns:a16="http://schemas.microsoft.com/office/drawing/2014/main" id="{196D2EA9-2208-4939-A560-C68792FB5DFB}"/>
+              </a:ext>
+            </a:extLst>
+          </p:cNvPr>
+          <p:cNvCxnSpPr>
+            <a:cxnSpLocks/>
+          </p:cNvCxnSpPr>
+          <p:nvPr/>
+        </p:nvCxnSpPr>
+        <p:spPr>
+          <a:xfrm>
+            <a:off x="6094123" y="5374747"/>
+            <a:ext cx="1875" cy="455479"/>
+          </a:xfrm>
+          <a:prstGeom prst="straightConnector1">
+            <a:avLst/>
+          </a:prstGeom>
+          <a:ln>
+            <a:tailEnd type="triangle"/>
+          </a:ln>
+        </p:spPr>
+        <p:style>
+          <a:lnRef idx="2">
+            <a:schemeClr val="dk1"/>
+          </a:lnRef>
+          <a:fillRef idx="0">
+            <a:schemeClr val="dk1"/>
+          </a:fillRef>
+          <a:effectRef idx="1">
+            <a:schemeClr val="dk1"/>
+          </a:effectRef>
+          <a:fontRef idx="minor">
+            <a:schemeClr val="tx1"/>
+          </a:fontRef>
+        </p:style>
+      </p:cxnSp>
+      <p:cxnSp>
+        <p:nvCxnSpPr>
+          <p:cNvPr id="61" name="直線接點 60">
+            <a:extLst>
+              <a:ext uri="{FF2B5EF4-FFF2-40B4-BE49-F238E27FC236}">
+                <a16:creationId xmlns:a16="http://schemas.microsoft.com/office/drawing/2014/main" id="{ABFF85E8-EC62-4C2D-A174-39CDCD48253E}"/>
+              </a:ext>
+            </a:extLst>
+          </p:cNvPr>
+          <p:cNvCxnSpPr>
+            <a:cxnSpLocks/>
+          </p:cNvCxnSpPr>
+          <p:nvPr/>
+        </p:nvCxnSpPr>
+        <p:spPr>
+          <a:xfrm>
+            <a:off x="4530552" y="5378025"/>
+            <a:ext cx="1565446" cy="0"/>
+          </a:xfrm>
+          <a:prstGeom prst="line">
+            <a:avLst/>
+          </a:prstGeom>
+        </p:spPr>
+        <p:style>
+          <a:lnRef idx="2">
+            <a:schemeClr val="dk1"/>
+          </a:lnRef>
+          <a:fillRef idx="0">
+            <a:schemeClr val="dk1"/>
+          </a:fillRef>
+          <a:effectRef idx="1">
+            <a:schemeClr val="dk1"/>
+          </a:effectRef>
+          <a:fontRef idx="minor">
+            <a:schemeClr val="tx1"/>
+          </a:fontRef>
+        </p:style>
+      </p:cxnSp>
+      <p:cxnSp>
+        <p:nvCxnSpPr>
+          <p:cNvPr id="62" name="直線接點 61">
+            <a:extLst>
+              <a:ext uri="{FF2B5EF4-FFF2-40B4-BE49-F238E27FC236}">
+                <a16:creationId xmlns:a16="http://schemas.microsoft.com/office/drawing/2014/main" id="{F6B7B571-DD2C-47E3-B2F0-B247955E4FEB}"/>
+              </a:ext>
+            </a:extLst>
+          </p:cNvPr>
+          <p:cNvCxnSpPr>
+            <a:cxnSpLocks/>
+          </p:cNvCxnSpPr>
+          <p:nvPr/>
+        </p:nvCxnSpPr>
+        <p:spPr>
+          <a:xfrm>
+            <a:off x="5315809" y="4900325"/>
+            <a:ext cx="0" cy="480979"/>
+          </a:xfrm>
+          <a:prstGeom prst="line">
+            <a:avLst/>
+          </a:prstGeom>
+        </p:spPr>
+        <p:style>
+          <a:lnRef idx="2">
+            <a:schemeClr val="dk1"/>
+          </a:lnRef>
+          <a:fillRef idx="0">
+            <a:schemeClr val="dk1"/>
+          </a:fillRef>
+          <a:effectRef idx="1">
+            <a:schemeClr val="dk1"/>
+          </a:effectRef>
+          <a:fontRef idx="minor">
+            <a:schemeClr val="tx1"/>
+          </a:fontRef>
+        </p:style>
+      </p:cxnSp>
+      <p:sp>
+        <p:nvSpPr>
+          <p:cNvPr id="66" name="矩形: 圓角 65">
+            <a:extLst>
+              <a:ext uri="{FF2B5EF4-FFF2-40B4-BE49-F238E27FC236}">
+                <a16:creationId xmlns:a16="http://schemas.microsoft.com/office/drawing/2014/main" id="{90BA7B7D-6A55-4DFC-A67A-2A14D16900C2}"/>
+              </a:ext>
+            </a:extLst>
+          </p:cNvPr>
+          <p:cNvSpPr/>
+          <p:nvPr/>
+        </p:nvSpPr>
+        <p:spPr>
+          <a:xfrm>
+            <a:off x="69999" y="5803259"/>
+            <a:ext cx="962523" cy="697832"/>
+          </a:xfrm>
+          <a:prstGeom prst="roundRect">
+            <a:avLst/>
+          </a:prstGeom>
+          <a:solidFill>
+            <a:schemeClr val="accent1">
+              <a:lumMod val="75000"/>
+            </a:schemeClr>
+          </a:solidFill>
+        </p:spPr>
+        <p:style>
+          <a:lnRef idx="2">
+            <a:schemeClr val="accent1">
+              <a:shade val="50000"/>
+            </a:schemeClr>
+          </a:lnRef>
+          <a:fillRef idx="1">
+            <a:schemeClr val="accent1"/>
+          </a:fillRef>
+          <a:effectRef idx="0">
+            <a:schemeClr val="accent1"/>
+          </a:effectRef>
+          <a:fontRef idx="minor">
+            <a:schemeClr val="lt1"/>
+          </a:fontRef>
+        </p:style>
+        <p:txBody>
+          <a:bodyPr rtlCol="0" anchor="ctr"/>
+          <a:lstStyle>
+            <a:defPPr>
+              <a:defRPr lang="en-US"/>
+            </a:defPPr>
+            <a:lvl1pPr marL="0" algn="l" defTabSz="457200" rtl="0" eaLnBrk="1" latinLnBrk="0" hangingPunct="1">
+              <a:defRPr sz="1800" kern="1200">
+                <a:solidFill>
+                  <a:schemeClr val="lt1"/>
+                </a:solidFill>
+                <a:latin typeface="+mn-lt"/>
+                <a:ea typeface="+mn-ea"/>
+                <a:cs typeface="+mn-cs"/>
+              </a:defRPr>
+            </a:lvl1pPr>
+            <a:lvl2pPr marL="457200" algn="l" defTabSz="457200" rtl="0" eaLnBrk="1" latinLnBrk="0" hangingPunct="1">
+              <a:defRPr sz="1800" kern="1200">
+                <a:solidFill>
+                  <a:schemeClr val="lt1"/>
+                </a:solidFill>
+                <a:latin typeface="+mn-lt"/>
+                <a:ea typeface="+mn-ea"/>
+                <a:cs typeface="+mn-cs"/>
+              </a:defRPr>
+            </a:lvl2pPr>
+            <a:lvl3pPr marL="914400" algn="l" defTabSz="457200" rtl="0" eaLnBrk="1" latinLnBrk="0" hangingPunct="1">
+              <a:defRPr sz="1800" kern="1200">
+                <a:solidFill>
+                  <a:schemeClr val="lt1"/>
+                </a:solidFill>
+                <a:latin typeface="+mn-lt"/>
+                <a:ea typeface="+mn-ea"/>
+                <a:cs typeface="+mn-cs"/>
+              </a:defRPr>
+            </a:lvl3pPr>
+            <a:lvl4pPr marL="1371600" algn="l" defTabSz="457200" rtl="0" eaLnBrk="1" latinLnBrk="0" hangingPunct="1">
+              <a:defRPr sz="1800" kern="1200">
+                <a:solidFill>
+                  <a:schemeClr val="lt1"/>
+                </a:solidFill>
+                <a:latin typeface="+mn-lt"/>
+                <a:ea typeface="+mn-ea"/>
+                <a:cs typeface="+mn-cs"/>
+              </a:defRPr>
+            </a:lvl4pPr>
+            <a:lvl5pPr marL="1828800" algn="l" defTabSz="457200" rtl="0" eaLnBrk="1" latinLnBrk="0" hangingPunct="1">
+              <a:defRPr sz="1800" kern="1200">
+                <a:solidFill>
+                  <a:schemeClr val="lt1"/>
+                </a:solidFill>
+                <a:latin typeface="+mn-lt"/>
+                <a:ea typeface="+mn-ea"/>
+                <a:cs typeface="+mn-cs"/>
+              </a:defRPr>
+            </a:lvl5pPr>
+            <a:lvl6pPr marL="2286000" algn="l" defTabSz="457200" rtl="0" eaLnBrk="1" latinLnBrk="0" hangingPunct="1">
+              <a:defRPr sz="1800" kern="1200">
+                <a:solidFill>
+                  <a:schemeClr val="lt1"/>
+                </a:solidFill>
+                <a:latin typeface="+mn-lt"/>
+                <a:ea typeface="+mn-ea"/>
+                <a:cs typeface="+mn-cs"/>
+              </a:defRPr>
+            </a:lvl6pPr>
+            <a:lvl7pPr marL="2743200" algn="l" defTabSz="457200" rtl="0" eaLnBrk="1" latinLnBrk="0" hangingPunct="1">
+              <a:defRPr sz="1800" kern="1200">
+                <a:solidFill>
+                  <a:schemeClr val="lt1"/>
+                </a:solidFill>
+                <a:latin typeface="+mn-lt"/>
+                <a:ea typeface="+mn-ea"/>
+                <a:cs typeface="+mn-cs"/>
+              </a:defRPr>
+            </a:lvl7pPr>
+            <a:lvl8pPr marL="3200400" algn="l" defTabSz="457200" rtl="0" eaLnBrk="1" latinLnBrk="0" hangingPunct="1">
+              <a:defRPr sz="1800" kern="1200">
+                <a:solidFill>
+                  <a:schemeClr val="lt1"/>
+                </a:solidFill>
+                <a:latin typeface="+mn-lt"/>
+                <a:ea typeface="+mn-ea"/>
+                <a:cs typeface="+mn-cs"/>
+              </a:defRPr>
+            </a:lvl8pPr>
+            <a:lvl9pPr marL="3657600" algn="l" defTabSz="457200" rtl="0" eaLnBrk="1" latinLnBrk="0" hangingPunct="1">
+              <a:defRPr sz="1800" kern="1200">
+                <a:solidFill>
+                  <a:schemeClr val="lt1"/>
+                </a:solidFill>
+                <a:latin typeface="+mn-lt"/>
+                <a:ea typeface="+mn-ea"/>
+                <a:cs typeface="+mn-cs"/>
+              </a:defRPr>
+            </a:lvl9pPr>
+          </a:lstStyle>
+          <a:p>
+            <a:pPr algn="ctr"/>
+            <a:r>
+              <a:rPr lang="en-US" altLang="zh-TW" dirty="0"/>
+              <a:t>SVM</a:t>
+            </a:r>
+            <a:endParaRPr lang="zh-TW" altLang="en-US" dirty="0"/>
+          </a:p>
+        </p:txBody>
+      </p:sp>
+      <p:sp>
+        <p:nvSpPr>
+          <p:cNvPr id="68" name="矩形: 圓角 67">
+            <a:extLst>
+              <a:ext uri="{FF2B5EF4-FFF2-40B4-BE49-F238E27FC236}">
+                <a16:creationId xmlns:a16="http://schemas.microsoft.com/office/drawing/2014/main" id="{E67C6DD2-3CB2-477E-A188-A801018E7A21}"/>
+              </a:ext>
+            </a:extLst>
+          </p:cNvPr>
+          <p:cNvSpPr/>
+          <p:nvPr/>
+        </p:nvSpPr>
+        <p:spPr>
+          <a:xfrm>
+            <a:off x="1650172" y="5783622"/>
+            <a:ext cx="1106586" cy="697832"/>
+          </a:xfrm>
+          <a:prstGeom prst="roundRect">
+            <a:avLst/>
+          </a:prstGeom>
+          <a:solidFill>
+            <a:schemeClr val="accent1">
+              <a:lumMod val="75000"/>
+            </a:schemeClr>
+          </a:solidFill>
+        </p:spPr>
+        <p:style>
+          <a:lnRef idx="2">
+            <a:schemeClr val="accent1">
+              <a:shade val="50000"/>
+            </a:schemeClr>
+          </a:lnRef>
+          <a:fillRef idx="1">
+            <a:schemeClr val="accent1"/>
+          </a:fillRef>
+          <a:effectRef idx="0">
+            <a:schemeClr val="accent1"/>
+          </a:effectRef>
+          <a:fontRef idx="minor">
+            <a:schemeClr val="lt1"/>
+          </a:fontRef>
+        </p:style>
+        <p:txBody>
+          <a:bodyPr rtlCol="0" anchor="ctr"/>
+          <a:lstStyle>
+            <a:defPPr>
+              <a:defRPr lang="en-US"/>
+            </a:defPPr>
+            <a:lvl1pPr marL="0" algn="l" defTabSz="457200" rtl="0" eaLnBrk="1" latinLnBrk="0" hangingPunct="1">
+              <a:defRPr sz="1800" kern="1200">
+                <a:solidFill>
+                  <a:schemeClr val="lt1"/>
+                </a:solidFill>
+                <a:latin typeface="+mn-lt"/>
+                <a:ea typeface="+mn-ea"/>
+                <a:cs typeface="+mn-cs"/>
+              </a:defRPr>
+            </a:lvl1pPr>
+            <a:lvl2pPr marL="457200" algn="l" defTabSz="457200" rtl="0" eaLnBrk="1" latinLnBrk="0" hangingPunct="1">
+              <a:defRPr sz="1800" kern="1200">
+                <a:solidFill>
+                  <a:schemeClr val="lt1"/>
+                </a:solidFill>
+                <a:latin typeface="+mn-lt"/>
+                <a:ea typeface="+mn-ea"/>
+                <a:cs typeface="+mn-cs"/>
+              </a:defRPr>
+            </a:lvl2pPr>
+            <a:lvl3pPr marL="914400" algn="l" defTabSz="457200" rtl="0" eaLnBrk="1" latinLnBrk="0" hangingPunct="1">
+              <a:defRPr sz="1800" kern="1200">
+                <a:solidFill>
+                  <a:schemeClr val="lt1"/>
+                </a:solidFill>
+                <a:latin typeface="+mn-lt"/>
+                <a:ea typeface="+mn-ea"/>
+                <a:cs typeface="+mn-cs"/>
+              </a:defRPr>
+            </a:lvl3pPr>
+            <a:lvl4pPr marL="1371600" algn="l" defTabSz="457200" rtl="0" eaLnBrk="1" latinLnBrk="0" hangingPunct="1">
+              <a:defRPr sz="1800" kern="1200">
+                <a:solidFill>
+                  <a:schemeClr val="lt1"/>
+                </a:solidFill>
+                <a:latin typeface="+mn-lt"/>
+                <a:ea typeface="+mn-ea"/>
+                <a:cs typeface="+mn-cs"/>
+              </a:defRPr>
+            </a:lvl4pPr>
+            <a:lvl5pPr marL="1828800" algn="l" defTabSz="457200" rtl="0" eaLnBrk="1" latinLnBrk="0" hangingPunct="1">
+              <a:defRPr sz="1800" kern="1200">
+                <a:solidFill>
+                  <a:schemeClr val="lt1"/>
+                </a:solidFill>
+                <a:latin typeface="+mn-lt"/>
+                <a:ea typeface="+mn-ea"/>
+                <a:cs typeface="+mn-cs"/>
+              </a:defRPr>
+            </a:lvl5pPr>
+            <a:lvl6pPr marL="2286000" algn="l" defTabSz="457200" rtl="0" eaLnBrk="1" latinLnBrk="0" hangingPunct="1">
+              <a:defRPr sz="1800" kern="1200">
+                <a:solidFill>
+                  <a:schemeClr val="lt1"/>
+                </a:solidFill>
+                <a:latin typeface="+mn-lt"/>
+                <a:ea typeface="+mn-ea"/>
+                <a:cs typeface="+mn-cs"/>
+              </a:defRPr>
+            </a:lvl6pPr>
+            <a:lvl7pPr marL="2743200" algn="l" defTabSz="457200" rtl="0" eaLnBrk="1" latinLnBrk="0" hangingPunct="1">
+              <a:defRPr sz="1800" kern="1200">
+                <a:solidFill>
+                  <a:schemeClr val="lt1"/>
+                </a:solidFill>
+                <a:latin typeface="+mn-lt"/>
+                <a:ea typeface="+mn-ea"/>
+                <a:cs typeface="+mn-cs"/>
+              </a:defRPr>
+            </a:lvl7pPr>
+            <a:lvl8pPr marL="3200400" algn="l" defTabSz="457200" rtl="0" eaLnBrk="1" latinLnBrk="0" hangingPunct="1">
+              <a:defRPr sz="1800" kern="1200">
+                <a:solidFill>
+                  <a:schemeClr val="lt1"/>
+                </a:solidFill>
+                <a:latin typeface="+mn-lt"/>
+                <a:ea typeface="+mn-ea"/>
+                <a:cs typeface="+mn-cs"/>
+              </a:defRPr>
+            </a:lvl8pPr>
+            <a:lvl9pPr marL="3657600" algn="l" defTabSz="457200" rtl="0" eaLnBrk="1" latinLnBrk="0" hangingPunct="1">
+              <a:defRPr sz="1800" kern="1200">
+                <a:solidFill>
+                  <a:schemeClr val="lt1"/>
+                </a:solidFill>
+                <a:latin typeface="+mn-lt"/>
+                <a:ea typeface="+mn-ea"/>
+                <a:cs typeface="+mn-cs"/>
+              </a:defRPr>
+            </a:lvl9pPr>
+          </a:lstStyle>
+          <a:p>
+            <a:pPr algn="ctr"/>
+            <a:r>
+              <a:rPr lang="en-US" altLang="zh-TW" dirty="0" err="1"/>
+              <a:t>RuleBase</a:t>
+            </a:r>
+            <a:endParaRPr lang="zh-TW" altLang="en-US" dirty="0"/>
+          </a:p>
+        </p:txBody>
+      </p:sp>
+      <p:cxnSp>
+        <p:nvCxnSpPr>
+          <p:cNvPr id="69" name="直線單箭頭接點 68">
+            <a:extLst>
+              <a:ext uri="{FF2B5EF4-FFF2-40B4-BE49-F238E27FC236}">
+                <a16:creationId xmlns:a16="http://schemas.microsoft.com/office/drawing/2014/main" id="{0C85D74E-A032-4814-BEE4-5A2EAD533EF8}"/>
+              </a:ext>
+            </a:extLst>
+          </p:cNvPr>
+          <p:cNvCxnSpPr>
+            <a:cxnSpLocks/>
+            <a:endCxn id="66" idx="0"/>
+          </p:cNvCxnSpPr>
+          <p:nvPr/>
+        </p:nvCxnSpPr>
+        <p:spPr>
+          <a:xfrm>
+            <a:off x="551261" y="5334174"/>
+            <a:ext cx="0" cy="469085"/>
+          </a:xfrm>
+          <a:prstGeom prst="straightConnector1">
+            <a:avLst/>
+          </a:prstGeom>
+          <a:ln>
+            <a:tailEnd type="triangle"/>
+          </a:ln>
+        </p:spPr>
+        <p:style>
+          <a:lnRef idx="2">
+            <a:schemeClr val="dk1"/>
+          </a:lnRef>
+          <a:fillRef idx="0">
+            <a:schemeClr val="dk1"/>
+          </a:fillRef>
+          <a:effectRef idx="1">
+            <a:schemeClr val="dk1"/>
+          </a:effectRef>
+          <a:fontRef idx="minor">
+            <a:schemeClr val="tx1"/>
+          </a:fontRef>
+        </p:style>
+      </p:cxnSp>
+      <p:cxnSp>
+        <p:nvCxnSpPr>
+          <p:cNvPr id="74" name="直線單箭頭接點 73">
+            <a:extLst>
+              <a:ext uri="{FF2B5EF4-FFF2-40B4-BE49-F238E27FC236}">
+                <a16:creationId xmlns:a16="http://schemas.microsoft.com/office/drawing/2014/main" id="{0E674BF4-63AD-455D-BFB4-22A7754E509C}"/>
+              </a:ext>
+            </a:extLst>
+          </p:cNvPr>
+          <p:cNvCxnSpPr>
+            <a:cxnSpLocks/>
+          </p:cNvCxnSpPr>
+          <p:nvPr/>
+        </p:nvCxnSpPr>
+        <p:spPr>
+          <a:xfrm>
+            <a:off x="2203465" y="5334174"/>
+            <a:ext cx="1875" cy="455479"/>
+          </a:xfrm>
+          <a:prstGeom prst="straightConnector1">
+            <a:avLst/>
+          </a:prstGeom>
+          <a:ln>
+            <a:tailEnd type="triangle"/>
+          </a:ln>
+        </p:spPr>
+        <p:style>
+          <a:lnRef idx="2">
+            <a:schemeClr val="dk1"/>
+          </a:lnRef>
+          <a:fillRef idx="0">
+            <a:schemeClr val="dk1"/>
+          </a:fillRef>
+          <a:effectRef idx="1">
+            <a:schemeClr val="dk1"/>
+          </a:effectRef>
+          <a:fontRef idx="minor">
+            <a:schemeClr val="tx1"/>
+          </a:fontRef>
+        </p:style>
+      </p:cxnSp>
+      <p:cxnSp>
+        <p:nvCxnSpPr>
+          <p:cNvPr id="75" name="直線接點 74">
+            <a:extLst>
+              <a:ext uri="{FF2B5EF4-FFF2-40B4-BE49-F238E27FC236}">
+                <a16:creationId xmlns:a16="http://schemas.microsoft.com/office/drawing/2014/main" id="{2774CE17-D330-4D2A-AAC0-0C6215FED4A5}"/>
+              </a:ext>
+            </a:extLst>
+          </p:cNvPr>
+          <p:cNvCxnSpPr>
+            <a:cxnSpLocks/>
+          </p:cNvCxnSpPr>
+          <p:nvPr/>
+        </p:nvCxnSpPr>
+        <p:spPr>
+          <a:xfrm>
+            <a:off x="537410" y="5337452"/>
+            <a:ext cx="1667930" cy="0"/>
+          </a:xfrm>
+          <a:prstGeom prst="line">
+            <a:avLst/>
+          </a:prstGeom>
+        </p:spPr>
+        <p:style>
+          <a:lnRef idx="2">
+            <a:schemeClr val="dk1"/>
+          </a:lnRef>
+          <a:fillRef idx="0">
+            <a:schemeClr val="dk1"/>
+          </a:fillRef>
+          <a:effectRef idx="1">
+            <a:schemeClr val="dk1"/>
+          </a:effectRef>
+          <a:fontRef idx="minor">
+            <a:schemeClr val="tx1"/>
+          </a:fontRef>
+        </p:style>
+      </p:cxnSp>
+      <p:cxnSp>
+        <p:nvCxnSpPr>
+          <p:cNvPr id="76" name="直線接點 75">
+            <a:extLst>
+              <a:ext uri="{FF2B5EF4-FFF2-40B4-BE49-F238E27FC236}">
+                <a16:creationId xmlns:a16="http://schemas.microsoft.com/office/drawing/2014/main" id="{8F41BC09-599A-4156-B995-348FC5014BE9}"/>
+              </a:ext>
+            </a:extLst>
+          </p:cNvPr>
+          <p:cNvCxnSpPr>
+            <a:cxnSpLocks/>
+          </p:cNvCxnSpPr>
+          <p:nvPr/>
+        </p:nvCxnSpPr>
+        <p:spPr>
+          <a:xfrm>
+            <a:off x="1425151" y="4859752"/>
+            <a:ext cx="0" cy="480979"/>
           </a:xfrm>
           <a:prstGeom prst="line">
             <a:avLst/>

--- a/HW5/機器學習實作乒乓球-專案管理.pptx
+++ b/HW5/機器學習實作乒乓球-專案管理.pptx
@@ -5,10 +5,10 @@
     <p:sldMasterId id="2147483648" r:id="rId4"/>
   </p:sldMasterIdLst>
   <p:notesMasterIdLst>
-    <p:notesMasterId r:id="rId11"/>
+    <p:notesMasterId r:id="rId12"/>
   </p:notesMasterIdLst>
   <p:handoutMasterIdLst>
-    <p:handoutMasterId r:id="rId12"/>
+    <p:handoutMasterId r:id="rId13"/>
   </p:handoutMasterIdLst>
   <p:sldIdLst>
     <p:sldId id="265" r:id="rId5"/>
@@ -17,6 +17,7 @@
     <p:sldId id="269" r:id="rId8"/>
     <p:sldId id="272" r:id="rId9"/>
     <p:sldId id="273" r:id="rId10"/>
+    <p:sldId id="274" r:id="rId11"/>
   </p:sldIdLst>
   <p:sldSz cx="12192000" cy="6858000"/>
   <p:notesSz cx="6858000" cy="9144000"/>
@@ -9840,8 +9841,8 @@
         </p:nvSpPr>
         <p:spPr>
           <a:xfrm>
-            <a:off x="4855278" y="4191825"/>
-            <a:ext cx="962523" cy="697832"/>
+            <a:off x="4673696" y="4176324"/>
+            <a:ext cx="1227220" cy="697832"/>
           </a:xfrm>
           <a:prstGeom prst="roundRect">
             <a:avLst/>
@@ -9969,7 +9970,7 @@
             <a:pPr algn="ctr"/>
             <a:r>
               <a:rPr lang="zh-TW" altLang="en-US" dirty="0"/>
-              <a:t>對打</a:t>
+              <a:t>擊球</a:t>
             </a:r>
           </a:p>
         </p:txBody>
@@ -10117,7 +10118,7 @@
             <a:pPr algn="ctr"/>
             <a:r>
               <a:rPr lang="zh-TW" altLang="en-US" dirty="0"/>
-              <a:t>速度測試</a:t>
+              <a:t>速度</a:t>
             </a:r>
           </a:p>
         </p:txBody>
@@ -12447,6 +12448,1533 @@
     <p:extLst>
       <p:ext uri="{BB962C8B-B14F-4D97-AF65-F5344CB8AC3E}">
         <p14:creationId xmlns:p14="http://schemas.microsoft.com/office/powerpoint/2010/main" val="2231846775"/>
+      </p:ext>
+    </p:extLst>
+  </p:cSld>
+  <p:clrMapOvr>
+    <a:masterClrMapping/>
+  </p:clrMapOvr>
+</p:sld>
+</file>
+
+<file path=ppt/slides/slide7.xml><?xml version="1.0" encoding="utf-8"?>
+<p:sld xmlns:a="http://schemas.openxmlformats.org/drawingml/2006/main" xmlns:r="http://schemas.openxmlformats.org/officeDocument/2006/relationships" xmlns:p="http://schemas.openxmlformats.org/presentationml/2006/main">
+  <p:cSld>
+    <p:spTree>
+      <p:nvGrpSpPr>
+        <p:cNvPr id="1" name=""/>
+        <p:cNvGrpSpPr/>
+        <p:nvPr/>
+      </p:nvGrpSpPr>
+      <p:grpSpPr>
+        <a:xfrm>
+          <a:off x="0" y="0"/>
+          <a:ext cx="0" cy="0"/>
+          <a:chOff x="0" y="0"/>
+          <a:chExt cx="0" cy="0"/>
+        </a:xfrm>
+      </p:grpSpPr>
+      <p:cxnSp>
+        <p:nvCxnSpPr>
+          <p:cNvPr id="4" name="直線單箭頭接點 3">
+            <a:extLst>
+              <a:ext uri="{FF2B5EF4-FFF2-40B4-BE49-F238E27FC236}">
+                <a16:creationId xmlns:a16="http://schemas.microsoft.com/office/drawing/2014/main" id="{DF96CC77-AC98-43D8-A345-FCF6F78A6854}"/>
+              </a:ext>
+            </a:extLst>
+          </p:cNvPr>
+          <p:cNvCxnSpPr>
+            <a:cxnSpLocks/>
+            <a:endCxn id="14" idx="2"/>
+          </p:cNvCxnSpPr>
+          <p:nvPr/>
+        </p:nvCxnSpPr>
+        <p:spPr>
+          <a:xfrm flipV="1">
+            <a:off x="2236889" y="2850761"/>
+            <a:ext cx="0" cy="1205129"/>
+          </a:xfrm>
+          <a:prstGeom prst="straightConnector1">
+            <a:avLst/>
+          </a:prstGeom>
+          <a:ln>
+            <a:tailEnd type="triangle"/>
+          </a:ln>
+        </p:spPr>
+        <p:style>
+          <a:lnRef idx="1">
+            <a:schemeClr val="accent1"/>
+          </a:lnRef>
+          <a:fillRef idx="0">
+            <a:schemeClr val="accent1"/>
+          </a:fillRef>
+          <a:effectRef idx="0">
+            <a:schemeClr val="accent1"/>
+          </a:effectRef>
+          <a:fontRef idx="minor">
+            <a:schemeClr val="tx1"/>
+          </a:fontRef>
+        </p:style>
+      </p:cxnSp>
+      <p:grpSp>
+        <p:nvGrpSpPr>
+          <p:cNvPr id="6" name="群組 5">
+            <a:extLst>
+              <a:ext uri="{FF2B5EF4-FFF2-40B4-BE49-F238E27FC236}">
+                <a16:creationId xmlns:a16="http://schemas.microsoft.com/office/drawing/2014/main" id="{15DB3308-C3BC-44AA-A72A-CF69AA87C048}"/>
+              </a:ext>
+            </a:extLst>
+          </p:cNvPr>
+          <p:cNvGrpSpPr/>
+          <p:nvPr/>
+        </p:nvGrpSpPr>
+        <p:grpSpPr>
+          <a:xfrm>
+            <a:off x="1585733" y="1483783"/>
+            <a:ext cx="9597781" cy="5124540"/>
+            <a:chOff x="1585733" y="1483783"/>
+            <a:chExt cx="9597781" cy="5124540"/>
+          </a:xfrm>
+        </p:grpSpPr>
+        <p:grpSp>
+          <p:nvGrpSpPr>
+            <p:cNvPr id="8" name="群組 7">
+              <a:extLst>
+                <a:ext uri="{FF2B5EF4-FFF2-40B4-BE49-F238E27FC236}">
+                  <a16:creationId xmlns:a16="http://schemas.microsoft.com/office/drawing/2014/main" id="{B5200DC5-C12D-4A30-8C9B-B4E26E844CF1}"/>
+                </a:ext>
+              </a:extLst>
+            </p:cNvPr>
+            <p:cNvGrpSpPr/>
+            <p:nvPr/>
+          </p:nvGrpSpPr>
+          <p:grpSpPr>
+            <a:xfrm>
+              <a:off x="1585733" y="1483783"/>
+              <a:ext cx="9597781" cy="5124540"/>
+              <a:chOff x="1758462" y="1408369"/>
+              <a:chExt cx="9597781" cy="5124540"/>
+            </a:xfrm>
+          </p:grpSpPr>
+          <p:grpSp>
+            <p:nvGrpSpPr>
+              <p:cNvPr id="10" name="群組 9">
+                <a:extLst>
+                  <a:ext uri="{FF2B5EF4-FFF2-40B4-BE49-F238E27FC236}">
+                    <a16:creationId xmlns:a16="http://schemas.microsoft.com/office/drawing/2014/main" id="{BDE2F6D4-4660-4D2A-84E1-166A84AE8E4F}"/>
+                  </a:ext>
+                </a:extLst>
+              </p:cNvPr>
+              <p:cNvGrpSpPr/>
+              <p:nvPr/>
+            </p:nvGrpSpPr>
+            <p:grpSpPr>
+              <a:xfrm>
+                <a:off x="1758462" y="1408369"/>
+                <a:ext cx="9597781" cy="5124540"/>
+                <a:chOff x="1758462" y="1408369"/>
+                <a:chExt cx="9597781" cy="5124540"/>
+              </a:xfrm>
+            </p:grpSpPr>
+            <p:grpSp>
+              <p:nvGrpSpPr>
+                <p:cNvPr id="13" name="群組 12">
+                  <a:extLst>
+                    <a:ext uri="{FF2B5EF4-FFF2-40B4-BE49-F238E27FC236}">
+                      <a16:creationId xmlns:a16="http://schemas.microsoft.com/office/drawing/2014/main" id="{F64ACE0E-7E03-491F-A628-31C1062FA3FC}"/>
+                    </a:ext>
+                  </a:extLst>
+                </p:cNvPr>
+                <p:cNvGrpSpPr/>
+                <p:nvPr/>
+              </p:nvGrpSpPr>
+              <p:grpSpPr>
+                <a:xfrm>
+                  <a:off x="3050049" y="1408369"/>
+                  <a:ext cx="8306194" cy="5124540"/>
+                  <a:chOff x="1659117" y="1404502"/>
+                  <a:chExt cx="8306194" cy="5124540"/>
+                </a:xfrm>
+              </p:grpSpPr>
+              <p:sp>
+                <p:nvSpPr>
+                  <p:cNvPr id="15" name="矩形 14">
+                    <a:extLst>
+                      <a:ext uri="{FF2B5EF4-FFF2-40B4-BE49-F238E27FC236}">
+                        <a16:creationId xmlns:a16="http://schemas.microsoft.com/office/drawing/2014/main" id="{DD8A9CB1-B829-4E7E-8B07-CFA7845D0AED}"/>
+                      </a:ext>
+                    </a:extLst>
+                  </p:cNvPr>
+                  <p:cNvSpPr/>
+                  <p:nvPr/>
+                </p:nvSpPr>
+                <p:spPr>
+                  <a:xfrm>
+                    <a:off x="4895492" y="4044412"/>
+                    <a:ext cx="1741599" cy="646331"/>
+                  </a:xfrm>
+                  <a:prstGeom prst="rect">
+                    <a:avLst/>
+                  </a:prstGeom>
+                </p:spPr>
+                <p:txBody>
+                  <a:bodyPr wrap="square">
+                    <a:spAutoFit/>
+                  </a:bodyPr>
+                  <a:lstStyle/>
+                  <a:p>
+                    <a:pPr algn="ctr"/>
+                    <a:r>
+                      <a:rPr lang="zh-TW" altLang="en-US" dirty="0">
+                        <a:latin typeface="微軟正黑體" panose="020B0604030504040204" pitchFamily="34" charset="-120"/>
+                        <a:ea typeface="微軟正黑體" panose="020B0604030504040204" pitchFamily="34" charset="-120"/>
+                      </a:rPr>
+                      <a:t>根據選擇的攻擊模式擊球</a:t>
+                    </a:r>
+                  </a:p>
+                </p:txBody>
+              </p:sp>
+              <p:grpSp>
+                <p:nvGrpSpPr>
+                  <p:cNvPr id="16" name="群組 15">
+                    <a:extLst>
+                      <a:ext uri="{FF2B5EF4-FFF2-40B4-BE49-F238E27FC236}">
+                        <a16:creationId xmlns:a16="http://schemas.microsoft.com/office/drawing/2014/main" id="{24A70DC8-7008-4B4F-B8A2-88EE67889CD4}"/>
+                      </a:ext>
+                    </a:extLst>
+                  </p:cNvPr>
+                  <p:cNvGrpSpPr/>
+                  <p:nvPr/>
+                </p:nvGrpSpPr>
+                <p:grpSpPr>
+                  <a:xfrm>
+                    <a:off x="1659117" y="1404502"/>
+                    <a:ext cx="8306194" cy="5124540"/>
+                    <a:chOff x="1659117" y="1404502"/>
+                    <a:chExt cx="8306194" cy="5124540"/>
+                  </a:xfrm>
+                </p:grpSpPr>
+                <p:grpSp>
+                  <p:nvGrpSpPr>
+                    <p:cNvPr id="17" name="群組 16">
+                      <a:extLst>
+                        <a:ext uri="{FF2B5EF4-FFF2-40B4-BE49-F238E27FC236}">
+                          <a16:creationId xmlns:a16="http://schemas.microsoft.com/office/drawing/2014/main" id="{AA36F41F-E024-487C-8200-110DD2AD5F3C}"/>
+                        </a:ext>
+                      </a:extLst>
+                    </p:cNvPr>
+                    <p:cNvGrpSpPr/>
+                    <p:nvPr/>
+                  </p:nvGrpSpPr>
+                  <p:grpSpPr>
+                    <a:xfrm>
+                      <a:off x="1659117" y="1404502"/>
+                      <a:ext cx="8306194" cy="5124540"/>
+                      <a:chOff x="377072" y="1319661"/>
+                      <a:chExt cx="8306194" cy="5124540"/>
+                    </a:xfrm>
+                  </p:grpSpPr>
+                  <p:sp>
+                    <p:nvSpPr>
+                      <p:cNvPr id="22" name="矩形 21">
+                        <a:extLst>
+                          <a:ext uri="{FF2B5EF4-FFF2-40B4-BE49-F238E27FC236}">
+                            <a16:creationId xmlns:a16="http://schemas.microsoft.com/office/drawing/2014/main" id="{6E7B1D71-3864-475D-8150-2312AD716D87}"/>
+                          </a:ext>
+                        </a:extLst>
+                      </p:cNvPr>
+                      <p:cNvSpPr/>
+                      <p:nvPr/>
+                    </p:nvSpPr>
+                    <p:spPr>
+                      <a:xfrm>
+                        <a:off x="7192866" y="2196884"/>
+                        <a:ext cx="1490400" cy="4247317"/>
+                      </a:xfrm>
+                      <a:prstGeom prst="rect">
+                        <a:avLst/>
+                      </a:prstGeom>
+                    </p:spPr>
+                    <p:txBody>
+                      <a:bodyPr wrap="square">
+                        <a:spAutoFit/>
+                      </a:bodyPr>
+                      <a:lstStyle/>
+                      <a:p>
+                        <a:pPr algn="ctr"/>
+                        <a:r>
+                          <a:rPr lang="zh-TW" altLang="en-US" dirty="0">
+                            <a:latin typeface="微軟正黑體" panose="020B0604030504040204" pitchFamily="34" charset="-120"/>
+                            <a:ea typeface="微軟正黑體" panose="020B0604030504040204" pitchFamily="34" charset="-120"/>
+                          </a:rPr>
+                          <a:t>選</a:t>
+                        </a:r>
+                        <a:endParaRPr lang="en-US" altLang="zh-TW" dirty="0">
+                          <a:latin typeface="微軟正黑體" panose="020B0604030504040204" pitchFamily="34" charset="-120"/>
+                          <a:ea typeface="微軟正黑體" panose="020B0604030504040204" pitchFamily="34" charset="-120"/>
+                        </a:endParaRPr>
+                      </a:p>
+                      <a:p>
+                        <a:pPr algn="ctr"/>
+                        <a:r>
+                          <a:rPr lang="zh-TW" altLang="en-US" dirty="0">
+                            <a:latin typeface="微軟正黑體" panose="020B0604030504040204" pitchFamily="34" charset="-120"/>
+                            <a:ea typeface="微軟正黑體" panose="020B0604030504040204" pitchFamily="34" charset="-120"/>
+                          </a:rPr>
+                          <a:t>擇</a:t>
+                        </a:r>
+                        <a:endParaRPr lang="en-US" altLang="zh-TW" dirty="0">
+                          <a:latin typeface="微軟正黑體" panose="020B0604030504040204" pitchFamily="34" charset="-120"/>
+                          <a:ea typeface="微軟正黑體" panose="020B0604030504040204" pitchFamily="34" charset="-120"/>
+                        </a:endParaRPr>
+                      </a:p>
+                      <a:p>
+                        <a:pPr algn="ctr"/>
+                        <a:r>
+                          <a:rPr lang="zh-TW" altLang="en-US" dirty="0">
+                            <a:latin typeface="微軟正黑體" panose="020B0604030504040204" pitchFamily="34" charset="-120"/>
+                            <a:ea typeface="微軟正黑體" panose="020B0604030504040204" pitchFamily="34" charset="-120"/>
+                          </a:rPr>
+                          <a:t>的</a:t>
+                        </a:r>
+                        <a:endParaRPr lang="en-US" altLang="zh-TW" dirty="0">
+                          <a:latin typeface="微軟正黑體" panose="020B0604030504040204" pitchFamily="34" charset="-120"/>
+                          <a:ea typeface="微軟正黑體" panose="020B0604030504040204" pitchFamily="34" charset="-120"/>
+                        </a:endParaRPr>
+                      </a:p>
+                      <a:p>
+                        <a:pPr algn="ctr"/>
+                        <a:r>
+                          <a:rPr lang="zh-TW" altLang="en-US" dirty="0">
+                            <a:latin typeface="微軟正黑體" panose="020B0604030504040204" pitchFamily="34" charset="-120"/>
+                            <a:ea typeface="微軟正黑體" panose="020B0604030504040204" pitchFamily="34" charset="-120"/>
+                          </a:rPr>
+                          <a:t>攻</a:t>
+                        </a:r>
+                        <a:endParaRPr lang="en-US" altLang="zh-TW" dirty="0">
+                          <a:latin typeface="微軟正黑體" panose="020B0604030504040204" pitchFamily="34" charset="-120"/>
+                          <a:ea typeface="微軟正黑體" panose="020B0604030504040204" pitchFamily="34" charset="-120"/>
+                        </a:endParaRPr>
+                      </a:p>
+                      <a:p>
+                        <a:pPr algn="ctr"/>
+                        <a:r>
+                          <a:rPr lang="zh-TW" altLang="en-US" dirty="0">
+                            <a:latin typeface="微軟正黑體" panose="020B0604030504040204" pitchFamily="34" charset="-120"/>
+                            <a:ea typeface="微軟正黑體" panose="020B0604030504040204" pitchFamily="34" charset="-120"/>
+                          </a:rPr>
+                          <a:t>擊</a:t>
+                        </a:r>
+                        <a:endParaRPr lang="en-US" altLang="zh-TW" dirty="0">
+                          <a:latin typeface="微軟正黑體" panose="020B0604030504040204" pitchFamily="34" charset="-120"/>
+                          <a:ea typeface="微軟正黑體" panose="020B0604030504040204" pitchFamily="34" charset="-120"/>
+                        </a:endParaRPr>
+                      </a:p>
+                      <a:p>
+                        <a:pPr algn="ctr"/>
+                        <a:r>
+                          <a:rPr lang="zh-TW" altLang="en-US" dirty="0">
+                            <a:latin typeface="微軟正黑體" panose="020B0604030504040204" pitchFamily="34" charset="-120"/>
+                            <a:ea typeface="微軟正黑體" panose="020B0604030504040204" pitchFamily="34" charset="-120"/>
+                          </a:rPr>
+                          <a:t>方</a:t>
+                        </a:r>
+                        <a:endParaRPr lang="en-US" altLang="zh-TW" dirty="0">
+                          <a:latin typeface="微軟正黑體" panose="020B0604030504040204" pitchFamily="34" charset="-120"/>
+                          <a:ea typeface="微軟正黑體" panose="020B0604030504040204" pitchFamily="34" charset="-120"/>
+                        </a:endParaRPr>
+                      </a:p>
+                      <a:p>
+                        <a:pPr algn="ctr"/>
+                        <a:r>
+                          <a:rPr lang="zh-TW" altLang="en-US" dirty="0">
+                            <a:latin typeface="微軟正黑體" panose="020B0604030504040204" pitchFamily="34" charset="-120"/>
+                            <a:ea typeface="微軟正黑體" panose="020B0604030504040204" pitchFamily="34" charset="-120"/>
+                          </a:rPr>
+                          <a:t>式</a:t>
+                        </a:r>
+                        <a:endParaRPr lang="en-US" altLang="zh-TW" dirty="0">
+                          <a:latin typeface="微軟正黑體" panose="020B0604030504040204" pitchFamily="34" charset="-120"/>
+                          <a:ea typeface="微軟正黑體" panose="020B0604030504040204" pitchFamily="34" charset="-120"/>
+                        </a:endParaRPr>
+                      </a:p>
+                      <a:p>
+                        <a:pPr algn="ctr"/>
+                        <a:endParaRPr lang="en-US" altLang="zh-TW" dirty="0">
+                          <a:latin typeface="微軟正黑體" panose="020B0604030504040204" pitchFamily="34" charset="-120"/>
+                          <a:ea typeface="微軟正黑體" panose="020B0604030504040204" pitchFamily="34" charset="-120"/>
+                        </a:endParaRPr>
+                      </a:p>
+                      <a:p>
+                        <a:pPr algn="ctr"/>
+                        <a:endParaRPr lang="en-US" altLang="zh-TW" dirty="0">
+                          <a:latin typeface="微軟正黑體" panose="020B0604030504040204" pitchFamily="34" charset="-120"/>
+                          <a:ea typeface="微軟正黑體" panose="020B0604030504040204" pitchFamily="34" charset="-120"/>
+                        </a:endParaRPr>
+                      </a:p>
+                      <a:p>
+                        <a:pPr algn="ctr"/>
+                        <a:endParaRPr lang="en-US" altLang="zh-TW" dirty="0">
+                          <a:latin typeface="微軟正黑體" panose="020B0604030504040204" pitchFamily="34" charset="-120"/>
+                          <a:ea typeface="微軟正黑體" panose="020B0604030504040204" pitchFamily="34" charset="-120"/>
+                        </a:endParaRPr>
+                      </a:p>
+                      <a:p>
+                        <a:pPr algn="ctr"/>
+                        <a:endParaRPr lang="en-US" altLang="zh-TW" dirty="0">
+                          <a:latin typeface="微軟正黑體" panose="020B0604030504040204" pitchFamily="34" charset="-120"/>
+                          <a:ea typeface="微軟正黑體" panose="020B0604030504040204" pitchFamily="34" charset="-120"/>
+                        </a:endParaRPr>
+                      </a:p>
+                      <a:p>
+                        <a:pPr algn="ctr"/>
+                        <a:endParaRPr lang="en-US" altLang="zh-TW" dirty="0">
+                          <a:latin typeface="微軟正黑體" panose="020B0604030504040204" pitchFamily="34" charset="-120"/>
+                          <a:ea typeface="微軟正黑體" panose="020B0604030504040204" pitchFamily="34" charset="-120"/>
+                        </a:endParaRPr>
+                      </a:p>
+                      <a:p>
+                        <a:pPr algn="ctr"/>
+                        <a:endParaRPr lang="en-US" altLang="zh-TW" dirty="0">
+                          <a:latin typeface="微軟正黑體" panose="020B0604030504040204" pitchFamily="34" charset="-120"/>
+                          <a:ea typeface="微軟正黑體" panose="020B0604030504040204" pitchFamily="34" charset="-120"/>
+                        </a:endParaRPr>
+                      </a:p>
+                      <a:p>
+                        <a:pPr algn="ctr"/>
+                        <a:endParaRPr lang="en-US" altLang="zh-TW" dirty="0">
+                          <a:latin typeface="微軟正黑體" panose="020B0604030504040204" pitchFamily="34" charset="-120"/>
+                          <a:ea typeface="微軟正黑體" panose="020B0604030504040204" pitchFamily="34" charset="-120"/>
+                        </a:endParaRPr>
+                      </a:p>
+                      <a:p>
+                        <a:pPr algn="ctr"/>
+                        <a:endParaRPr lang="zh-TW" altLang="en-US" dirty="0">
+                          <a:latin typeface="微軟正黑體" panose="020B0604030504040204" pitchFamily="34" charset="-120"/>
+                          <a:ea typeface="微軟正黑體" panose="020B0604030504040204" pitchFamily="34" charset="-120"/>
+                        </a:endParaRPr>
+                      </a:p>
+                    </p:txBody>
+                  </p:sp>
+                  <p:grpSp>
+                    <p:nvGrpSpPr>
+                      <p:cNvPr id="23" name="群組 22">
+                        <a:extLst>
+                          <a:ext uri="{FF2B5EF4-FFF2-40B4-BE49-F238E27FC236}">
+                            <a16:creationId xmlns:a16="http://schemas.microsoft.com/office/drawing/2014/main" id="{45D52E92-9447-4351-875E-0A1A4E107250}"/>
+                          </a:ext>
+                        </a:extLst>
+                      </p:cNvPr>
+                      <p:cNvGrpSpPr/>
+                      <p:nvPr/>
+                    </p:nvGrpSpPr>
+                    <p:grpSpPr>
+                      <a:xfrm>
+                        <a:off x="377072" y="1319661"/>
+                        <a:ext cx="7296347" cy="3939085"/>
+                        <a:chOff x="377072" y="1319661"/>
+                        <a:chExt cx="7296347" cy="3939085"/>
+                      </a:xfrm>
+                    </p:grpSpPr>
+                    <p:sp>
+                      <p:nvSpPr>
+                        <p:cNvPr id="24" name="矩形 23">
+                          <a:extLst>
+                            <a:ext uri="{FF2B5EF4-FFF2-40B4-BE49-F238E27FC236}">
+                              <a16:creationId xmlns:a16="http://schemas.microsoft.com/office/drawing/2014/main" id="{062007CF-B099-48AE-A0D3-1DB857AD3DF3}"/>
+                            </a:ext>
+                          </a:extLst>
+                        </p:cNvPr>
+                        <p:cNvSpPr/>
+                        <p:nvPr/>
+                      </p:nvSpPr>
+                      <p:spPr>
+                        <a:xfrm>
+                          <a:off x="701874" y="1556969"/>
+                          <a:ext cx="1154304" cy="369332"/>
+                        </a:xfrm>
+                        <a:prstGeom prst="rect">
+                          <a:avLst/>
+                        </a:prstGeom>
+                      </p:spPr>
+                      <p:txBody>
+                        <a:bodyPr wrap="square">
+                          <a:spAutoFit/>
+                        </a:bodyPr>
+                        <a:lstStyle/>
+                        <a:p>
+                          <a:pPr algn="ctr"/>
+                          <a:r>
+                            <a:rPr lang="zh-TW" altLang="en-US" dirty="0">
+                              <a:latin typeface="微軟正黑體" panose="020B0604030504040204" pitchFamily="34" charset="-120"/>
+                              <a:ea typeface="微軟正黑體" panose="020B0604030504040204" pitchFamily="34" charset="-120"/>
+                            </a:rPr>
+                            <a:t>球的方向</a:t>
+                          </a:r>
+                        </a:p>
+                      </p:txBody>
+                    </p:sp>
+                    <p:sp>
+                      <p:nvSpPr>
+                        <p:cNvPr id="25" name="矩形 24">
+                          <a:extLst>
+                            <a:ext uri="{FF2B5EF4-FFF2-40B4-BE49-F238E27FC236}">
+                              <a16:creationId xmlns:a16="http://schemas.microsoft.com/office/drawing/2014/main" id="{C4C33211-C210-4B86-8B50-B3A2566673B2}"/>
+                            </a:ext>
+                          </a:extLst>
+                        </p:cNvPr>
+                        <p:cNvSpPr/>
+                        <p:nvPr/>
+                      </p:nvSpPr>
+                      <p:spPr>
+                        <a:xfrm>
+                          <a:off x="494196" y="2003150"/>
+                          <a:ext cx="1569660" cy="369332"/>
+                        </a:xfrm>
+                        <a:prstGeom prst="rect">
+                          <a:avLst/>
+                        </a:prstGeom>
+                      </p:spPr>
+                      <p:txBody>
+                        <a:bodyPr wrap="none">
+                          <a:spAutoFit/>
+                        </a:bodyPr>
+                        <a:lstStyle/>
+                        <a:p>
+                          <a:r>
+                            <a:rPr lang="zh-TW" altLang="en-US" dirty="0">
+                              <a:latin typeface="微軟正黑體" panose="020B0604030504040204" pitchFamily="34" charset="-120"/>
+                              <a:ea typeface="微軟正黑體" panose="020B0604030504040204" pitchFamily="34" charset="-120"/>
+                            </a:rPr>
+                            <a:t>球的當前位置</a:t>
+                          </a:r>
+                        </a:p>
+                      </p:txBody>
+                    </p:sp>
+                    <p:sp>
+                      <p:nvSpPr>
+                        <p:cNvPr id="26" name="矩形 25">
+                          <a:extLst>
+                            <a:ext uri="{FF2B5EF4-FFF2-40B4-BE49-F238E27FC236}">
+                              <a16:creationId xmlns:a16="http://schemas.microsoft.com/office/drawing/2014/main" id="{52752F10-AF2A-4BB6-A036-1C34DC56E7CC}"/>
+                            </a:ext>
+                          </a:extLst>
+                        </p:cNvPr>
+                        <p:cNvSpPr/>
+                        <p:nvPr/>
+                      </p:nvSpPr>
+                      <p:spPr>
+                        <a:xfrm>
+                          <a:off x="4080557" y="1639079"/>
+                          <a:ext cx="1154304" cy="369332"/>
+                        </a:xfrm>
+                        <a:prstGeom prst="rect">
+                          <a:avLst/>
+                        </a:prstGeom>
+                      </p:spPr>
+                      <p:txBody>
+                        <a:bodyPr wrap="square">
+                          <a:spAutoFit/>
+                        </a:bodyPr>
+                        <a:lstStyle/>
+                        <a:p>
+                          <a:pPr algn="ctr"/>
+                          <a:r>
+                            <a:rPr lang="zh-TW" altLang="en-US" dirty="0">
+                              <a:latin typeface="微軟正黑體" panose="020B0604030504040204" pitchFamily="34" charset="-120"/>
+                              <a:ea typeface="微軟正黑體" panose="020B0604030504040204" pitchFamily="34" charset="-120"/>
+                            </a:rPr>
+                            <a:t>球的落點</a:t>
+                          </a:r>
+                        </a:p>
+                      </p:txBody>
+                    </p:sp>
+                    <p:grpSp>
+                      <p:nvGrpSpPr>
+                        <p:cNvPr id="27" name="群組 26">
+                          <a:extLst>
+                            <a:ext uri="{FF2B5EF4-FFF2-40B4-BE49-F238E27FC236}">
+                              <a16:creationId xmlns:a16="http://schemas.microsoft.com/office/drawing/2014/main" id="{0CF2A6F6-8FD4-403B-B331-FED315DE0381}"/>
+                            </a:ext>
+                          </a:extLst>
+                        </p:cNvPr>
+                        <p:cNvGrpSpPr/>
+                        <p:nvPr/>
+                      </p:nvGrpSpPr>
+                      <p:grpSpPr>
+                        <a:xfrm>
+                          <a:off x="2198636" y="1319661"/>
+                          <a:ext cx="4918146" cy="3939085"/>
+                          <a:chOff x="2198636" y="1319661"/>
+                          <a:chExt cx="4918146" cy="3939085"/>
+                        </a:xfrm>
+                      </p:grpSpPr>
+                      <p:sp>
+                        <p:nvSpPr>
+                          <p:cNvPr id="34" name="矩形 33">
+                            <a:extLst>
+                              <a:ext uri="{FF2B5EF4-FFF2-40B4-BE49-F238E27FC236}">
+                                <a16:creationId xmlns:a16="http://schemas.microsoft.com/office/drawing/2014/main" id="{0FFBFAE0-C229-48F9-ABF2-9E4226DC2F15}"/>
+                              </a:ext>
+                            </a:extLst>
+                          </p:cNvPr>
+                          <p:cNvSpPr/>
+                          <p:nvPr/>
+                        </p:nvSpPr>
+                        <p:spPr>
+                          <a:xfrm>
+                            <a:off x="2198636" y="1319661"/>
+                            <a:ext cx="1302312" cy="1366978"/>
+                          </a:xfrm>
+                          <a:prstGeom prst="rect">
+                            <a:avLst/>
+                          </a:prstGeom>
+                          <a:solidFill>
+                            <a:schemeClr val="accent4">
+                              <a:lumMod val="75000"/>
+                            </a:schemeClr>
+                          </a:solidFill>
+                          <a:ln>
+                            <a:noFill/>
+                          </a:ln>
+                        </p:spPr>
+                        <p:style>
+                          <a:lnRef idx="2">
+                            <a:schemeClr val="accent1">
+                              <a:shade val="50000"/>
+                            </a:schemeClr>
+                          </a:lnRef>
+                          <a:fillRef idx="1">
+                            <a:schemeClr val="accent1"/>
+                          </a:fillRef>
+                          <a:effectRef idx="0">
+                            <a:schemeClr val="accent1"/>
+                          </a:effectRef>
+                          <a:fontRef idx="minor">
+                            <a:schemeClr val="lt1"/>
+                          </a:fontRef>
+                        </p:style>
+                        <p:txBody>
+                          <a:bodyPr rtlCol="0" anchor="ctr"/>
+                          <a:lstStyle/>
+                          <a:p>
+                            <a:pPr algn="ctr"/>
+                            <a:r>
+                              <a:rPr lang="zh-TW" altLang="en-US" dirty="0">
+                                <a:latin typeface="微軟正黑體" panose="020B0604030504040204" pitchFamily="34" charset="-120"/>
+                                <a:ea typeface="微軟正黑體" panose="020B0604030504040204" pitchFamily="34" charset="-120"/>
+                              </a:rPr>
+                              <a:t>落點判斷</a:t>
+                            </a:r>
+                          </a:p>
+                        </p:txBody>
+                      </p:sp>
+                      <p:sp>
+                        <p:nvSpPr>
+                          <p:cNvPr id="35" name="矩形 34">
+                            <a:extLst>
+                              <a:ext uri="{FF2B5EF4-FFF2-40B4-BE49-F238E27FC236}">
+                                <a16:creationId xmlns:a16="http://schemas.microsoft.com/office/drawing/2014/main" id="{84FE7868-318C-4F65-A07D-C0A5FA2B3769}"/>
+                              </a:ext>
+                            </a:extLst>
+                          </p:cNvPr>
+                          <p:cNvSpPr/>
+                          <p:nvPr/>
+                        </p:nvSpPr>
+                        <p:spPr>
+                          <a:xfrm>
+                            <a:off x="5814470" y="1319661"/>
+                            <a:ext cx="1302312" cy="1366978"/>
+                          </a:xfrm>
+                          <a:prstGeom prst="rect">
+                            <a:avLst/>
+                          </a:prstGeom>
+                          <a:solidFill>
+                            <a:schemeClr val="accent4">
+                              <a:lumMod val="75000"/>
+                            </a:schemeClr>
+                          </a:solidFill>
+                          <a:ln>
+                            <a:noFill/>
+                          </a:ln>
+                        </p:spPr>
+                        <p:style>
+                          <a:lnRef idx="2">
+                            <a:schemeClr val="accent1">
+                              <a:shade val="50000"/>
+                            </a:schemeClr>
+                          </a:lnRef>
+                          <a:fillRef idx="1">
+                            <a:schemeClr val="accent1"/>
+                          </a:fillRef>
+                          <a:effectRef idx="0">
+                            <a:schemeClr val="accent1"/>
+                          </a:effectRef>
+                          <a:fontRef idx="minor">
+                            <a:schemeClr val="lt1"/>
+                          </a:fontRef>
+                        </p:style>
+                        <p:txBody>
+                          <a:bodyPr rtlCol="0" anchor="ctr"/>
+                          <a:lstStyle/>
+                          <a:p>
+                            <a:pPr algn="ctr"/>
+                            <a:r>
+                              <a:rPr lang="zh-TW" altLang="en-US" dirty="0">
+                                <a:latin typeface="微軟正黑體" panose="020B0604030504040204" pitchFamily="34" charset="-120"/>
+                                <a:ea typeface="微軟正黑體" panose="020B0604030504040204" pitchFamily="34" charset="-120"/>
+                              </a:rPr>
+                              <a:t>擊球模組</a:t>
+                            </a:r>
+                          </a:p>
+                        </p:txBody>
+                      </p:sp>
+                      <p:sp>
+                        <p:nvSpPr>
+                          <p:cNvPr id="36" name="矩形 35">
+                            <a:extLst>
+                              <a:ext uri="{FF2B5EF4-FFF2-40B4-BE49-F238E27FC236}">
+                                <a16:creationId xmlns:a16="http://schemas.microsoft.com/office/drawing/2014/main" id="{C40EF992-F877-486B-B231-7D6C33C14A77}"/>
+                              </a:ext>
+                            </a:extLst>
+                          </p:cNvPr>
+                          <p:cNvSpPr/>
+                          <p:nvPr/>
+                        </p:nvSpPr>
+                        <p:spPr>
+                          <a:xfrm>
+                            <a:off x="5814470" y="3891768"/>
+                            <a:ext cx="1302312" cy="565608"/>
+                          </a:xfrm>
+                          <a:prstGeom prst="rect">
+                            <a:avLst/>
+                          </a:prstGeom>
+                          <a:solidFill>
+                            <a:schemeClr val="accent4">
+                              <a:lumMod val="75000"/>
+                            </a:schemeClr>
+                          </a:solidFill>
+                          <a:ln>
+                            <a:noFill/>
+                          </a:ln>
+                        </p:spPr>
+                        <p:style>
+                          <a:lnRef idx="2">
+                            <a:schemeClr val="accent1">
+                              <a:shade val="50000"/>
+                            </a:schemeClr>
+                          </a:lnRef>
+                          <a:fillRef idx="1">
+                            <a:schemeClr val="accent1"/>
+                          </a:fillRef>
+                          <a:effectRef idx="0">
+                            <a:schemeClr val="accent1"/>
+                          </a:effectRef>
+                          <a:fontRef idx="minor">
+                            <a:schemeClr val="lt1"/>
+                          </a:fontRef>
+                        </p:style>
+                        <p:txBody>
+                          <a:bodyPr rtlCol="0" anchor="ctr"/>
+                          <a:lstStyle/>
+                          <a:p>
+                            <a:pPr algn="ctr"/>
+                            <a:r>
+                              <a:rPr lang="zh-TW" altLang="en-US" dirty="0">
+                                <a:latin typeface="微軟正黑體" panose="020B0604030504040204" pitchFamily="34" charset="-120"/>
+                                <a:ea typeface="微軟正黑體" panose="020B0604030504040204" pitchFamily="34" charset="-120"/>
+                              </a:rPr>
+                              <a:t>中心點擊球</a:t>
+                            </a:r>
+                          </a:p>
+                        </p:txBody>
+                      </p:sp>
+                      <p:sp>
+                        <p:nvSpPr>
+                          <p:cNvPr id="37" name="矩形 36">
+                            <a:extLst>
+                              <a:ext uri="{FF2B5EF4-FFF2-40B4-BE49-F238E27FC236}">
+                                <a16:creationId xmlns:a16="http://schemas.microsoft.com/office/drawing/2014/main" id="{59AF779A-A129-4683-AFBA-B686CE031DF3}"/>
+                              </a:ext>
+                            </a:extLst>
+                          </p:cNvPr>
+                          <p:cNvSpPr/>
+                          <p:nvPr/>
+                        </p:nvSpPr>
+                        <p:spPr>
+                          <a:xfrm>
+                            <a:off x="5814470" y="4693138"/>
+                            <a:ext cx="1302312" cy="565608"/>
+                          </a:xfrm>
+                          <a:prstGeom prst="rect">
+                            <a:avLst/>
+                          </a:prstGeom>
+                          <a:solidFill>
+                            <a:schemeClr val="accent4">
+                              <a:lumMod val="75000"/>
+                            </a:schemeClr>
+                          </a:solidFill>
+                          <a:ln>
+                            <a:noFill/>
+                          </a:ln>
+                        </p:spPr>
+                        <p:style>
+                          <a:lnRef idx="2">
+                            <a:schemeClr val="accent1">
+                              <a:shade val="50000"/>
+                            </a:schemeClr>
+                          </a:lnRef>
+                          <a:fillRef idx="1">
+                            <a:schemeClr val="accent1"/>
+                          </a:fillRef>
+                          <a:effectRef idx="0">
+                            <a:schemeClr val="accent1"/>
+                          </a:effectRef>
+                          <a:fontRef idx="minor">
+                            <a:schemeClr val="lt1"/>
+                          </a:fontRef>
+                        </p:style>
+                        <p:txBody>
+                          <a:bodyPr rtlCol="0" anchor="ctr"/>
+                          <a:lstStyle/>
+                          <a:p>
+                            <a:pPr algn="ctr"/>
+                            <a:r>
+                              <a:rPr lang="zh-TW" altLang="en-US" dirty="0">
+                                <a:latin typeface="微軟正黑體" panose="020B0604030504040204" pitchFamily="34" charset="-120"/>
+                                <a:ea typeface="微軟正黑體" panose="020B0604030504040204" pitchFamily="34" charset="-120"/>
+                              </a:rPr>
+                              <a:t>切球</a:t>
+                            </a:r>
+                          </a:p>
+                        </p:txBody>
+                      </p:sp>
+                    </p:grpSp>
+                    <p:cxnSp>
+                      <p:nvCxnSpPr>
+                        <p:cNvPr id="28" name="直線單箭頭接點 27">
+                          <a:extLst>
+                            <a:ext uri="{FF2B5EF4-FFF2-40B4-BE49-F238E27FC236}">
+                              <a16:creationId xmlns:a16="http://schemas.microsoft.com/office/drawing/2014/main" id="{2A802CB0-6676-4D42-AE80-F3C40948C33B}"/>
+                            </a:ext>
+                          </a:extLst>
+                        </p:cNvPr>
+                        <p:cNvCxnSpPr>
+                          <a:endCxn id="34" idx="1"/>
+                        </p:cNvCxnSpPr>
+                        <p:nvPr/>
+                      </p:nvCxnSpPr>
+                      <p:spPr>
+                        <a:xfrm>
+                          <a:off x="377072" y="2003150"/>
+                          <a:ext cx="1821564" cy="0"/>
+                        </a:xfrm>
+                        <a:prstGeom prst="straightConnector1">
+                          <a:avLst/>
+                        </a:prstGeom>
+                        <a:ln>
+                          <a:tailEnd type="triangle"/>
+                        </a:ln>
+                      </p:spPr>
+                      <p:style>
+                        <a:lnRef idx="1">
+                          <a:schemeClr val="accent1"/>
+                        </a:lnRef>
+                        <a:fillRef idx="0">
+                          <a:schemeClr val="accent1"/>
+                        </a:fillRef>
+                        <a:effectRef idx="0">
+                          <a:schemeClr val="accent1"/>
+                        </a:effectRef>
+                        <a:fontRef idx="minor">
+                          <a:schemeClr val="tx1"/>
+                        </a:fontRef>
+                      </p:style>
+                    </p:cxnSp>
+                    <p:cxnSp>
+                      <p:nvCxnSpPr>
+                        <p:cNvPr id="29" name="直線單箭頭接點 28">
+                          <a:extLst>
+                            <a:ext uri="{FF2B5EF4-FFF2-40B4-BE49-F238E27FC236}">
+                              <a16:creationId xmlns:a16="http://schemas.microsoft.com/office/drawing/2014/main" id="{5BFB8123-47DE-4F4F-8A1C-07C04BFC5914}"/>
+                            </a:ext>
+                          </a:extLst>
+                        </p:cNvPr>
+                        <p:cNvCxnSpPr>
+                          <a:stCxn id="34" idx="3"/>
+                          <a:endCxn id="35" idx="1"/>
+                        </p:cNvCxnSpPr>
+                        <p:nvPr/>
+                      </p:nvCxnSpPr>
+                      <p:spPr>
+                        <a:xfrm>
+                          <a:off x="3500948" y="2003150"/>
+                          <a:ext cx="2313522" cy="0"/>
+                        </a:xfrm>
+                        <a:prstGeom prst="straightConnector1">
+                          <a:avLst/>
+                        </a:prstGeom>
+                        <a:ln>
+                          <a:tailEnd type="triangle"/>
+                        </a:ln>
+                      </p:spPr>
+                      <p:style>
+                        <a:lnRef idx="1">
+                          <a:schemeClr val="accent1"/>
+                        </a:lnRef>
+                        <a:fillRef idx="0">
+                          <a:schemeClr val="accent1"/>
+                        </a:fillRef>
+                        <a:effectRef idx="0">
+                          <a:schemeClr val="accent1"/>
+                        </a:effectRef>
+                        <a:fontRef idx="minor">
+                          <a:schemeClr val="tx1"/>
+                        </a:fontRef>
+                      </p:style>
+                    </p:cxnSp>
+                    <p:grpSp>
+                      <p:nvGrpSpPr>
+                        <p:cNvPr id="30" name="群組 29">
+                          <a:extLst>
+                            <a:ext uri="{FF2B5EF4-FFF2-40B4-BE49-F238E27FC236}">
+                              <a16:creationId xmlns:a16="http://schemas.microsoft.com/office/drawing/2014/main" id="{348D1CEB-5D4F-421C-A9E6-63B937DE4694}"/>
+                            </a:ext>
+                          </a:extLst>
+                        </p:cNvPr>
+                        <p:cNvGrpSpPr/>
+                        <p:nvPr/>
+                      </p:nvGrpSpPr>
+                      <p:grpSpPr>
+                        <a:xfrm>
+                          <a:off x="7116782" y="2003150"/>
+                          <a:ext cx="556637" cy="2972792"/>
+                          <a:chOff x="7116782" y="2003150"/>
+                          <a:chExt cx="556637" cy="2972792"/>
+                        </a:xfrm>
+                      </p:grpSpPr>
+                      <p:cxnSp>
+                        <p:nvCxnSpPr>
+                          <p:cNvPr id="31" name="直線單箭頭接點 30">
+                            <a:extLst>
+                              <a:ext uri="{FF2B5EF4-FFF2-40B4-BE49-F238E27FC236}">
+                                <a16:creationId xmlns:a16="http://schemas.microsoft.com/office/drawing/2014/main" id="{0CE97509-B79B-4769-90E7-C30AB1D040BE}"/>
+                              </a:ext>
+                            </a:extLst>
+                          </p:cNvPr>
+                          <p:cNvCxnSpPr>
+                            <a:endCxn id="36" idx="3"/>
+                          </p:cNvCxnSpPr>
+                          <p:nvPr/>
+                        </p:nvCxnSpPr>
+                        <p:spPr>
+                          <a:xfrm flipH="1">
+                            <a:off x="7116782" y="4174572"/>
+                            <a:ext cx="556637" cy="0"/>
+                          </a:xfrm>
+                          <a:prstGeom prst="straightConnector1">
+                            <a:avLst/>
+                          </a:prstGeom>
+                          <a:ln>
+                            <a:tailEnd type="triangle"/>
+                          </a:ln>
+                        </p:spPr>
+                        <p:style>
+                          <a:lnRef idx="1">
+                            <a:schemeClr val="accent1"/>
+                          </a:lnRef>
+                          <a:fillRef idx="0">
+                            <a:schemeClr val="accent1"/>
+                          </a:fillRef>
+                          <a:effectRef idx="0">
+                            <a:schemeClr val="accent1"/>
+                          </a:effectRef>
+                          <a:fontRef idx="minor">
+                            <a:schemeClr val="tx1"/>
+                          </a:fontRef>
+                        </p:style>
+                      </p:cxnSp>
+                      <p:cxnSp>
+                        <p:nvCxnSpPr>
+                          <p:cNvPr id="32" name="直線單箭頭接點 31">
+                            <a:extLst>
+                              <a:ext uri="{FF2B5EF4-FFF2-40B4-BE49-F238E27FC236}">
+                                <a16:creationId xmlns:a16="http://schemas.microsoft.com/office/drawing/2014/main" id="{437CDABB-1BAA-48CE-9D71-0F15D46BAA2D}"/>
+                              </a:ext>
+                            </a:extLst>
+                          </p:cNvPr>
+                          <p:cNvCxnSpPr>
+                            <a:endCxn id="37" idx="3"/>
+                          </p:cNvCxnSpPr>
+                          <p:nvPr/>
+                        </p:nvCxnSpPr>
+                        <p:spPr>
+                          <a:xfrm flipH="1">
+                            <a:off x="7116782" y="4975942"/>
+                            <a:ext cx="556637" cy="0"/>
+                          </a:xfrm>
+                          <a:prstGeom prst="straightConnector1">
+                            <a:avLst/>
+                          </a:prstGeom>
+                          <a:ln>
+                            <a:tailEnd type="triangle"/>
+                          </a:ln>
+                        </p:spPr>
+                        <p:style>
+                          <a:lnRef idx="1">
+                            <a:schemeClr val="accent1"/>
+                          </a:lnRef>
+                          <a:fillRef idx="0">
+                            <a:schemeClr val="accent1"/>
+                          </a:fillRef>
+                          <a:effectRef idx="0">
+                            <a:schemeClr val="accent1"/>
+                          </a:effectRef>
+                          <a:fontRef idx="minor">
+                            <a:schemeClr val="tx1"/>
+                          </a:fontRef>
+                        </p:style>
+                      </p:cxnSp>
+                      <p:cxnSp>
+                        <p:nvCxnSpPr>
+                          <p:cNvPr id="33" name="肘形接點 62">
+                            <a:extLst>
+                              <a:ext uri="{FF2B5EF4-FFF2-40B4-BE49-F238E27FC236}">
+                                <a16:creationId xmlns:a16="http://schemas.microsoft.com/office/drawing/2014/main" id="{E0662C9D-1E34-4936-9525-DB4AC796045E}"/>
+                              </a:ext>
+                            </a:extLst>
+                          </p:cNvPr>
+                          <p:cNvCxnSpPr>
+                            <a:stCxn id="35" idx="3"/>
+                          </p:cNvCxnSpPr>
+                          <p:nvPr/>
+                        </p:nvCxnSpPr>
+                        <p:spPr>
+                          <a:xfrm>
+                            <a:off x="7116782" y="2003150"/>
+                            <a:ext cx="556637" cy="2972792"/>
+                          </a:xfrm>
+                          <a:prstGeom prst="bentConnector2">
+                            <a:avLst/>
+                          </a:prstGeom>
+                        </p:spPr>
+                        <p:style>
+                          <a:lnRef idx="1">
+                            <a:schemeClr val="accent1"/>
+                          </a:lnRef>
+                          <a:fillRef idx="0">
+                            <a:schemeClr val="accent1"/>
+                          </a:fillRef>
+                          <a:effectRef idx="0">
+                            <a:schemeClr val="accent1"/>
+                          </a:effectRef>
+                          <a:fontRef idx="minor">
+                            <a:schemeClr val="tx1"/>
+                          </a:fontRef>
+                        </p:style>
+                      </p:cxnSp>
+                    </p:grpSp>
+                  </p:grpSp>
+                </p:grpSp>
+                <p:grpSp>
+                  <p:nvGrpSpPr>
+                    <p:cNvPr id="18" name="群組 17">
+                      <a:extLst>
+                        <a:ext uri="{FF2B5EF4-FFF2-40B4-BE49-F238E27FC236}">
+                          <a16:creationId xmlns:a16="http://schemas.microsoft.com/office/drawing/2014/main" id="{4B8503B1-A90A-4D1A-AA68-F20F2CB1EAB5}"/>
+                        </a:ext>
+                      </a:extLst>
+                    </p:cNvPr>
+                    <p:cNvGrpSpPr/>
+                    <p:nvPr/>
+                  </p:nvGrpSpPr>
+                  <p:grpSpPr>
+                    <a:xfrm>
+                      <a:off x="1669842" y="4259412"/>
+                      <a:ext cx="5426674" cy="801372"/>
+                      <a:chOff x="1669842" y="4259412"/>
+                      <a:chExt cx="5426674" cy="801372"/>
+                    </a:xfrm>
+                  </p:grpSpPr>
+                  <p:cxnSp>
+                    <p:nvCxnSpPr>
+                      <p:cNvPr id="19" name="直線單箭頭接點 18">
+                        <a:extLst>
+                          <a:ext uri="{FF2B5EF4-FFF2-40B4-BE49-F238E27FC236}">
+                            <a16:creationId xmlns:a16="http://schemas.microsoft.com/office/drawing/2014/main" id="{2846DADD-5EC3-45E6-B5B0-739B81B031EB}"/>
+                          </a:ext>
+                        </a:extLst>
+                      </p:cNvPr>
+                      <p:cNvCxnSpPr>
+                        <a:cxnSpLocks/>
+                      </p:cNvCxnSpPr>
+                      <p:nvPr/>
+                    </p:nvCxnSpPr>
+                    <p:spPr>
+                      <a:xfrm flipH="1">
+                        <a:off x="1669842" y="4660098"/>
+                        <a:ext cx="1928892" cy="0"/>
+                      </a:xfrm>
+                      <a:prstGeom prst="straightConnector1">
+                        <a:avLst/>
+                      </a:prstGeom>
+                      <a:ln>
+                        <a:tailEnd type="triangle"/>
+                      </a:ln>
+                    </p:spPr>
+                    <p:style>
+                      <a:lnRef idx="1">
+                        <a:schemeClr val="accent1"/>
+                      </a:lnRef>
+                      <a:fillRef idx="0">
+                        <a:schemeClr val="accent1"/>
+                      </a:fillRef>
+                      <a:effectRef idx="0">
+                        <a:schemeClr val="accent1"/>
+                      </a:effectRef>
+                      <a:fontRef idx="minor">
+                        <a:schemeClr val="tx1"/>
+                      </a:fontRef>
+                    </p:style>
+                  </p:cxnSp>
+                  <p:cxnSp>
+                    <p:nvCxnSpPr>
+                      <p:cNvPr id="20" name="肘形接點 76">
+                        <a:extLst>
+                          <a:ext uri="{FF2B5EF4-FFF2-40B4-BE49-F238E27FC236}">
+                            <a16:creationId xmlns:a16="http://schemas.microsoft.com/office/drawing/2014/main" id="{279DE345-6099-4BF2-9CBD-46B2363BDF7A}"/>
+                          </a:ext>
+                        </a:extLst>
+                      </p:cNvPr>
+                      <p:cNvCxnSpPr>
+                        <a:stCxn id="36" idx="1"/>
+                      </p:cNvCxnSpPr>
+                      <p:nvPr/>
+                    </p:nvCxnSpPr>
+                    <p:spPr>
+                      <a:xfrm rot="10800000" flipV="1">
+                        <a:off x="6711885" y="4259412"/>
+                        <a:ext cx="384630" cy="400685"/>
+                      </a:xfrm>
+                      <a:prstGeom prst="bentConnector2">
+                        <a:avLst/>
+                      </a:prstGeom>
+                    </p:spPr>
+                    <p:style>
+                      <a:lnRef idx="1">
+                        <a:schemeClr val="accent1"/>
+                      </a:lnRef>
+                      <a:fillRef idx="0">
+                        <a:schemeClr val="accent1"/>
+                      </a:fillRef>
+                      <a:effectRef idx="0">
+                        <a:schemeClr val="accent1"/>
+                      </a:effectRef>
+                      <a:fontRef idx="minor">
+                        <a:schemeClr val="tx1"/>
+                      </a:fontRef>
+                    </p:style>
+                  </p:cxnSp>
+                  <p:cxnSp>
+                    <p:nvCxnSpPr>
+                      <p:cNvPr id="21" name="肘形接點 77">
+                        <a:extLst>
+                          <a:ext uri="{FF2B5EF4-FFF2-40B4-BE49-F238E27FC236}">
+                            <a16:creationId xmlns:a16="http://schemas.microsoft.com/office/drawing/2014/main" id="{21C98619-0692-40E9-9CE4-83C84A3CF47C}"/>
+                          </a:ext>
+                        </a:extLst>
+                      </p:cNvPr>
+                      <p:cNvCxnSpPr>
+                        <a:stCxn id="37" idx="1"/>
+                      </p:cNvCxnSpPr>
+                      <p:nvPr/>
+                    </p:nvCxnSpPr>
+                    <p:spPr>
+                      <a:xfrm rot="10800000">
+                        <a:off x="6711885" y="4660099"/>
+                        <a:ext cx="384631" cy="400685"/>
+                      </a:xfrm>
+                      <a:prstGeom prst="bentConnector2">
+                        <a:avLst/>
+                      </a:prstGeom>
+                    </p:spPr>
+                    <p:style>
+                      <a:lnRef idx="1">
+                        <a:schemeClr val="accent1"/>
+                      </a:lnRef>
+                      <a:fillRef idx="0">
+                        <a:schemeClr val="accent1"/>
+                      </a:fillRef>
+                      <a:effectRef idx="0">
+                        <a:schemeClr val="accent1"/>
+                      </a:effectRef>
+                      <a:fontRef idx="minor">
+                        <a:schemeClr val="tx1"/>
+                      </a:fontRef>
+                    </p:style>
+                  </p:cxnSp>
+                </p:grpSp>
+              </p:grpSp>
+            </p:grpSp>
+            <p:sp>
+              <p:nvSpPr>
+                <p:cNvPr id="14" name="矩形 13">
+                  <a:extLst>
+                    <a:ext uri="{FF2B5EF4-FFF2-40B4-BE49-F238E27FC236}">
+                      <a16:creationId xmlns:a16="http://schemas.microsoft.com/office/drawing/2014/main" id="{FE072213-230A-4357-BBEE-C4FDEB0439D7}"/>
+                    </a:ext>
+                  </a:extLst>
+                </p:cNvPr>
+                <p:cNvSpPr/>
+                <p:nvPr/>
+              </p:nvSpPr>
+              <p:spPr>
+                <a:xfrm>
+                  <a:off x="1758462" y="1408369"/>
+                  <a:ext cx="1302312" cy="1366978"/>
+                </a:xfrm>
+                <a:prstGeom prst="rect">
+                  <a:avLst/>
+                </a:prstGeom>
+                <a:solidFill>
+                  <a:schemeClr val="accent4">
+                    <a:lumMod val="75000"/>
+                  </a:schemeClr>
+                </a:solidFill>
+                <a:ln>
+                  <a:noFill/>
+                </a:ln>
+              </p:spPr>
+              <p:style>
+                <a:lnRef idx="2">
+                  <a:schemeClr val="accent1">
+                    <a:shade val="50000"/>
+                  </a:schemeClr>
+                </a:lnRef>
+                <a:fillRef idx="1">
+                  <a:schemeClr val="accent1"/>
+                </a:fillRef>
+                <a:effectRef idx="0">
+                  <a:schemeClr val="accent1"/>
+                </a:effectRef>
+                <a:fontRef idx="minor">
+                  <a:schemeClr val="lt1"/>
+                </a:fontRef>
+              </p:style>
+              <p:txBody>
+                <a:bodyPr rtlCol="0" anchor="ctr"/>
+                <a:lstStyle/>
+                <a:p>
+                  <a:pPr algn="ctr"/>
+                  <a:r>
+                    <a:rPr lang="zh-TW" altLang="en-US" dirty="0">
+                      <a:latin typeface="微軟正黑體" panose="020B0604030504040204" pitchFamily="34" charset="-120"/>
+                      <a:ea typeface="微軟正黑體" panose="020B0604030504040204" pitchFamily="34" charset="-120"/>
+                    </a:rPr>
+                    <a:t>對方</a:t>
+                  </a:r>
+                  <a:endParaRPr lang="en-US" altLang="zh-TW" dirty="0">
+                    <a:latin typeface="微軟正黑體" panose="020B0604030504040204" pitchFamily="34" charset="-120"/>
+                    <a:ea typeface="微軟正黑體" panose="020B0604030504040204" pitchFamily="34" charset="-120"/>
+                  </a:endParaRPr>
+                </a:p>
+                <a:p>
+                  <a:pPr algn="ctr"/>
+                  <a:r>
+                    <a:rPr lang="zh-TW" altLang="en-US" dirty="0">
+                      <a:latin typeface="微軟正黑體" panose="020B0604030504040204" pitchFamily="34" charset="-120"/>
+                      <a:ea typeface="微軟正黑體" panose="020B0604030504040204" pitchFamily="34" charset="-120"/>
+                    </a:rPr>
+                    <a:t>擊球</a:t>
+                  </a:r>
+                  <a:r>
+                    <a:rPr lang="en-US" altLang="zh-TW" dirty="0">
+                      <a:latin typeface="微軟正黑體" panose="020B0604030504040204" pitchFamily="34" charset="-120"/>
+                      <a:ea typeface="微軟正黑體" panose="020B0604030504040204" pitchFamily="34" charset="-120"/>
+                    </a:rPr>
+                    <a:t>/</a:t>
+                  </a:r>
+                  <a:r>
+                    <a:rPr lang="zh-TW" altLang="en-US" dirty="0">
+                      <a:latin typeface="微軟正黑體" panose="020B0604030504040204" pitchFamily="34" charset="-120"/>
+                      <a:ea typeface="微軟正黑體" panose="020B0604030504040204" pitchFamily="34" charset="-120"/>
+                    </a:rPr>
+                    <a:t>發球</a:t>
+                  </a:r>
+                </a:p>
+              </p:txBody>
+            </p:sp>
+          </p:grpSp>
+          <p:sp>
+            <p:nvSpPr>
+              <p:cNvPr id="11" name="矩形 10">
+                <a:extLst>
+                  <a:ext uri="{FF2B5EF4-FFF2-40B4-BE49-F238E27FC236}">
+                    <a16:creationId xmlns:a16="http://schemas.microsoft.com/office/drawing/2014/main" id="{7F374942-CF54-46E8-A6A0-5CC5E3943D22}"/>
+                  </a:ext>
+                </a:extLst>
+              </p:cNvPr>
+              <p:cNvSpPr/>
+              <p:nvPr/>
+            </p:nvSpPr>
+            <p:spPr>
+              <a:xfrm>
+                <a:off x="4871612" y="3980476"/>
+                <a:ext cx="1302312" cy="1366978"/>
+              </a:xfrm>
+              <a:prstGeom prst="rect">
+                <a:avLst/>
+              </a:prstGeom>
+              <a:solidFill>
+                <a:schemeClr val="accent4">
+                  <a:lumMod val="75000"/>
+                </a:schemeClr>
+              </a:solidFill>
+              <a:ln>
+                <a:noFill/>
+              </a:ln>
+            </p:spPr>
+            <p:style>
+              <a:lnRef idx="2">
+                <a:schemeClr val="accent1">
+                  <a:shade val="50000"/>
+                </a:schemeClr>
+              </a:lnRef>
+              <a:fillRef idx="1">
+                <a:schemeClr val="accent1"/>
+              </a:fillRef>
+              <a:effectRef idx="0">
+                <a:schemeClr val="accent1"/>
+              </a:effectRef>
+              <a:fontRef idx="minor">
+                <a:schemeClr val="lt1"/>
+              </a:fontRef>
+            </p:style>
+            <p:txBody>
+              <a:bodyPr rtlCol="0" anchor="ctr"/>
+              <a:lstStyle/>
+              <a:p>
+                <a:pPr algn="ctr"/>
+                <a:r>
+                  <a:rPr lang="zh-TW" altLang="en-US" dirty="0">
+                    <a:latin typeface="微軟正黑體" panose="020B0604030504040204" pitchFamily="34" charset="-120"/>
+                    <a:ea typeface="微軟正黑體" panose="020B0604030504040204" pitchFamily="34" charset="-120"/>
+                  </a:rPr>
+                  <a:t>我方</a:t>
+                </a:r>
+                <a:endParaRPr lang="en-US" altLang="zh-TW" dirty="0">
+                  <a:latin typeface="微軟正黑體" panose="020B0604030504040204" pitchFamily="34" charset="-120"/>
+                  <a:ea typeface="微軟正黑體" panose="020B0604030504040204" pitchFamily="34" charset="-120"/>
+                </a:endParaRPr>
+              </a:p>
+              <a:p>
+                <a:pPr algn="ctr"/>
+                <a:r>
+                  <a:rPr lang="zh-TW" altLang="en-US" dirty="0">
+                    <a:latin typeface="微軟正黑體" panose="020B0604030504040204" pitchFamily="34" charset="-120"/>
+                    <a:ea typeface="微軟正黑體" panose="020B0604030504040204" pitchFamily="34" charset="-120"/>
+                  </a:rPr>
+                  <a:t>擊球</a:t>
+                </a:r>
+                <a:r>
+                  <a:rPr lang="en-US" altLang="zh-TW" dirty="0">
+                    <a:latin typeface="微軟正黑體" panose="020B0604030504040204" pitchFamily="34" charset="-120"/>
+                    <a:ea typeface="微軟正黑體" panose="020B0604030504040204" pitchFamily="34" charset="-120"/>
+                  </a:rPr>
+                  <a:t>/</a:t>
+                </a:r>
+                <a:r>
+                  <a:rPr lang="zh-TW" altLang="en-US" dirty="0">
+                    <a:latin typeface="微軟正黑體" panose="020B0604030504040204" pitchFamily="34" charset="-120"/>
+                    <a:ea typeface="微軟正黑體" panose="020B0604030504040204" pitchFamily="34" charset="-120"/>
+                  </a:rPr>
+                  <a:t>發球</a:t>
+                </a:r>
+              </a:p>
+            </p:txBody>
+          </p:sp>
+          <p:cxnSp>
+            <p:nvCxnSpPr>
+              <p:cNvPr id="12" name="直線單箭頭接點 11">
+                <a:extLst>
+                  <a:ext uri="{FF2B5EF4-FFF2-40B4-BE49-F238E27FC236}">
+                    <a16:creationId xmlns:a16="http://schemas.microsoft.com/office/drawing/2014/main" id="{8B4F844C-E265-4E0C-BBD0-1C6FC2809544}"/>
+                  </a:ext>
+                </a:extLst>
+              </p:cNvPr>
+              <p:cNvCxnSpPr/>
+              <p:nvPr/>
+            </p:nvCxnSpPr>
+            <p:spPr>
+              <a:xfrm flipH="1">
+                <a:off x="6173924" y="4663965"/>
+                <a:ext cx="1928892" cy="0"/>
+              </a:xfrm>
+              <a:prstGeom prst="straightConnector1">
+                <a:avLst/>
+              </a:prstGeom>
+              <a:ln>
+                <a:tailEnd type="triangle"/>
+              </a:ln>
+            </p:spPr>
+            <p:style>
+              <a:lnRef idx="1">
+                <a:schemeClr val="accent1"/>
+              </a:lnRef>
+              <a:fillRef idx="0">
+                <a:schemeClr val="accent1"/>
+              </a:fillRef>
+              <a:effectRef idx="0">
+                <a:schemeClr val="accent1"/>
+              </a:effectRef>
+              <a:fontRef idx="minor">
+                <a:schemeClr val="tx1"/>
+              </a:fontRef>
+            </p:style>
+          </p:cxnSp>
+        </p:grpSp>
+        <p:sp>
+          <p:nvSpPr>
+            <p:cNvPr id="9" name="矩形 8">
+              <a:extLst>
+                <a:ext uri="{FF2B5EF4-FFF2-40B4-BE49-F238E27FC236}">
+                  <a16:creationId xmlns:a16="http://schemas.microsoft.com/office/drawing/2014/main" id="{96495F34-FEEE-4504-9728-81E5526EF024}"/>
+                </a:ext>
+              </a:extLst>
+            </p:cNvPr>
+            <p:cNvSpPr/>
+            <p:nvPr/>
+          </p:nvSpPr>
+          <p:spPr>
+            <a:xfrm>
+              <a:off x="2841061" y="4146726"/>
+              <a:ext cx="1894081" cy="646331"/>
+            </a:xfrm>
+            <a:prstGeom prst="rect">
+              <a:avLst/>
+            </a:prstGeom>
+          </p:spPr>
+          <p:txBody>
+            <a:bodyPr wrap="square">
+              <a:spAutoFit/>
+            </a:bodyPr>
+            <a:lstStyle/>
+            <a:p>
+              <a:pPr algn="ctr"/>
+              <a:r>
+                <a:rPr lang="zh-TW" altLang="en-US" dirty="0">
+                  <a:latin typeface="微軟正黑體" panose="020B0604030504040204" pitchFamily="34" charset="-120"/>
+                  <a:ea typeface="微軟正黑體" panose="020B0604030504040204" pitchFamily="34" charset="-120"/>
+                </a:rPr>
+                <a:t>我方擊球到對方的落點、向量</a:t>
+              </a:r>
+            </a:p>
+          </p:txBody>
+        </p:sp>
+      </p:grpSp>
+      <p:sp>
+        <p:nvSpPr>
+          <p:cNvPr id="7" name="矩形 6">
+            <a:extLst>
+              <a:ext uri="{FF2B5EF4-FFF2-40B4-BE49-F238E27FC236}">
+                <a16:creationId xmlns:a16="http://schemas.microsoft.com/office/drawing/2014/main" id="{72F7163F-1AF8-4751-8678-0F15EA7F5D26}"/>
+              </a:ext>
+            </a:extLst>
+          </p:cNvPr>
+          <p:cNvSpPr/>
+          <p:nvPr/>
+        </p:nvSpPr>
+        <p:spPr>
+          <a:xfrm>
+            <a:off x="2171177" y="3176550"/>
+            <a:ext cx="1894081" cy="646331"/>
+          </a:xfrm>
+          <a:prstGeom prst="rect">
+            <a:avLst/>
+          </a:prstGeom>
+        </p:spPr>
+        <p:txBody>
+          <a:bodyPr wrap="square">
+            <a:spAutoFit/>
+          </a:bodyPr>
+          <a:lstStyle/>
+          <a:p>
+            <a:pPr algn="ctr"/>
+            <a:r>
+              <a:rPr lang="zh-TW" altLang="en-US" dirty="0">
+                <a:latin typeface="微軟正黑體" panose="020B0604030504040204" pitchFamily="34" charset="-120"/>
+                <a:ea typeface="微軟正黑體" panose="020B0604030504040204" pitchFamily="34" charset="-120"/>
+              </a:rPr>
+              <a:t>球可能的落點、向量</a:t>
+            </a:r>
+            <a:endParaRPr lang="zh-TW" altLang="en-US" dirty="0"/>
+          </a:p>
+        </p:txBody>
+      </p:sp>
+      <p:sp>
+        <p:nvSpPr>
+          <p:cNvPr id="39" name="矩形 38">
+            <a:extLst>
+              <a:ext uri="{FF2B5EF4-FFF2-40B4-BE49-F238E27FC236}">
+                <a16:creationId xmlns:a16="http://schemas.microsoft.com/office/drawing/2014/main" id="{A9626A3C-2775-4369-BEDF-806C67EB77AF}"/>
+              </a:ext>
+            </a:extLst>
+          </p:cNvPr>
+          <p:cNvSpPr/>
+          <p:nvPr/>
+        </p:nvSpPr>
+        <p:spPr>
+          <a:xfrm>
+            <a:off x="1585732" y="4007239"/>
+            <a:ext cx="1302312" cy="1366978"/>
+          </a:xfrm>
+          <a:prstGeom prst="rect">
+            <a:avLst/>
+          </a:prstGeom>
+          <a:solidFill>
+            <a:schemeClr val="accent4">
+              <a:lumMod val="75000"/>
+            </a:schemeClr>
+          </a:solidFill>
+          <a:ln>
+            <a:noFill/>
+          </a:ln>
+        </p:spPr>
+        <p:style>
+          <a:lnRef idx="2">
+            <a:schemeClr val="accent1">
+              <a:shade val="50000"/>
+            </a:schemeClr>
+          </a:lnRef>
+          <a:fillRef idx="1">
+            <a:schemeClr val="accent1"/>
+          </a:fillRef>
+          <a:effectRef idx="0">
+            <a:schemeClr val="accent1"/>
+          </a:effectRef>
+          <a:fontRef idx="minor">
+            <a:schemeClr val="lt1"/>
+          </a:fontRef>
+        </p:style>
+        <p:txBody>
+          <a:bodyPr rtlCol="0" anchor="ctr"/>
+          <a:lstStyle/>
+          <a:p>
+            <a:pPr algn="ctr"/>
+            <a:r>
+              <a:rPr lang="zh-TW" altLang="en-US" dirty="0">
+                <a:latin typeface="微軟正黑體" panose="020B0604030504040204" pitchFamily="34" charset="-120"/>
+                <a:ea typeface="微軟正黑體" panose="020B0604030504040204" pitchFamily="34" charset="-120"/>
+              </a:rPr>
+              <a:t>落點判斷</a:t>
+            </a:r>
+          </a:p>
+        </p:txBody>
+      </p:sp>
+    </p:spTree>
+    <p:extLst>
+      <p:ext uri="{BB962C8B-B14F-4D97-AF65-F5344CB8AC3E}">
+        <p14:creationId xmlns:p14="http://schemas.microsoft.com/office/powerpoint/2010/main" val="713200699"/>
       </p:ext>
     </p:extLst>
   </p:cSld>

--- a/HW5/機器學習實作乒乓球-專案管理.pptx
+++ b/HW5/機器學習實作乒乓球-專案管理.pptx
@@ -217,7 +217,7 @@
                 <a:latin typeface="Microsoft JhengHei UI" panose="020B0604030504040204" pitchFamily="34" charset="-120"/>
                 <a:ea typeface="Microsoft JhengHei UI" panose="020B0604030504040204" pitchFamily="34" charset="-120"/>
               </a:rPr>
-              <a:t>2020/12/2</a:t>
+              <a:t>2020/12/15</a:t>
             </a:fld>
             <a:endParaRPr lang="zh-TW" altLang="en-US" dirty="0">
               <a:latin typeface="Microsoft JhengHei UI" panose="020B0604030504040204" pitchFamily="34" charset="-120"/>
@@ -403,7 +403,7 @@
           <a:p>
             <a:fld id="{9404F367-93B9-49BC-880B-5159144A5351}" type="datetime1">
               <a:rPr lang="zh-TW" altLang="en-US" noProof="0" smtClean="0"/>
-              <a:t>2020/12/2</a:t>
+              <a:t>2020/12/15</a:t>
             </a:fld>
             <a:endParaRPr lang="zh-TW" altLang="en-US" noProof="0" dirty="0"/>
           </a:p>
@@ -774,6 +774,101 @@
 </p:notes>
 </file>
 
+<file path=ppt/notesSlides/notesSlide2.xml><?xml version="1.0" encoding="utf-8"?>
+<p:notes xmlns:a="http://schemas.openxmlformats.org/drawingml/2006/main" xmlns:r="http://schemas.openxmlformats.org/officeDocument/2006/relationships" xmlns:p="http://schemas.openxmlformats.org/presentationml/2006/main">
+  <p:cSld>
+    <p:spTree>
+      <p:nvGrpSpPr>
+        <p:cNvPr id="1" name=""/>
+        <p:cNvGrpSpPr/>
+        <p:nvPr/>
+      </p:nvGrpSpPr>
+      <p:grpSpPr>
+        <a:xfrm>
+          <a:off x="0" y="0"/>
+          <a:ext cx="0" cy="0"/>
+          <a:chOff x="0" y="0"/>
+          <a:chExt cx="0" cy="0"/>
+        </a:xfrm>
+      </p:grpSpPr>
+      <p:sp>
+        <p:nvSpPr>
+          <p:cNvPr id="2" name="投影片影像版面配置區 1"/>
+          <p:cNvSpPr>
+            <a:spLocks noGrp="1" noRot="1" noChangeAspect="1"/>
+          </p:cNvSpPr>
+          <p:nvPr>
+            <p:ph type="sldImg"/>
+          </p:nvPr>
+        </p:nvSpPr>
+        <p:spPr/>
+      </p:sp>
+      <p:sp>
+        <p:nvSpPr>
+          <p:cNvPr id="3" name="備忘稿版面配置區 2"/>
+          <p:cNvSpPr>
+            <a:spLocks noGrp="1"/>
+          </p:cNvSpPr>
+          <p:nvPr>
+            <p:ph type="body" idx="1"/>
+          </p:nvPr>
+        </p:nvSpPr>
+        <p:spPr/>
+        <p:txBody>
+          <a:bodyPr/>
+          <a:lstStyle/>
+          <a:p>
+            <a:r>
+              <a:rPr lang="zh-TW" altLang="en-US" dirty="0"/>
+              <a:t>分析到最小部分的方塊必須出現在架構圖 </a:t>
+            </a:r>
+            <a:endParaRPr lang="en-US" altLang="zh-TW" dirty="0"/>
+          </a:p>
+          <a:p>
+            <a:r>
+              <a:rPr lang="zh-TW" altLang="en-US"/>
+              <a:t>標上順序</a:t>
+            </a:r>
+          </a:p>
+        </p:txBody>
+      </p:sp>
+      <p:sp>
+        <p:nvSpPr>
+          <p:cNvPr id="4" name="投影片編號版面配置區 3"/>
+          <p:cNvSpPr>
+            <a:spLocks noGrp="1"/>
+          </p:cNvSpPr>
+          <p:nvPr>
+            <p:ph type="sldNum" sz="quarter" idx="5"/>
+          </p:nvPr>
+        </p:nvSpPr>
+        <p:spPr/>
+        <p:txBody>
+          <a:bodyPr/>
+          <a:lstStyle/>
+          <a:p>
+            <a:fld id="{8FCC149C-479E-4175-B238-B83A279FCF50}" type="slidenum">
+              <a:rPr lang="en-US" altLang="zh-TW" noProof="0" smtClean="0"/>
+              <a:pPr/>
+              <a:t>7</a:t>
+            </a:fld>
+            <a:endParaRPr lang="zh-TW" altLang="en-US" noProof="0" dirty="0"/>
+          </a:p>
+        </p:txBody>
+      </p:sp>
+    </p:spTree>
+    <p:extLst>
+      <p:ext uri="{BB962C8B-B14F-4D97-AF65-F5344CB8AC3E}">
+        <p14:creationId xmlns:p14="http://schemas.microsoft.com/office/powerpoint/2010/main" val="2712442798"/>
+      </p:ext>
+    </p:extLst>
+  </p:cSld>
+  <p:clrMapOvr>
+    <a:masterClrMapping/>
+  </p:clrMapOvr>
+</p:notes>
+</file>
+
 <file path=ppt/slideLayouts/slideLayout1.xml><?xml version="1.0" encoding="utf-8"?>
 <p:sldLayout xmlns:a="http://schemas.openxmlformats.org/drawingml/2006/main" xmlns:r="http://schemas.openxmlformats.org/officeDocument/2006/relationships" xmlns:p="http://schemas.openxmlformats.org/presentationml/2006/main" type="title" preserve="1">
   <p:cSld name="標題投影片">
@@ -948,7 +1043,7 @@
             <a:pPr rtl="0"/>
             <a:fld id="{E12C0BA9-8F23-4CC4-AE82-B0F47531C1D2}" type="datetime1">
               <a:rPr lang="zh-TW" altLang="en-US" noProof="0" smtClean="0"/>
-              <a:t>2020/12/2</a:t>
+              <a:t>2020/12/15</a:t>
             </a:fld>
             <a:endParaRPr lang="zh-TW" altLang="en-US" noProof="0" dirty="0"/>
           </a:p>
@@ -1260,7 +1355,7 @@
             <a:pPr rtl="0"/>
             <a:fld id="{1B727E20-C691-4194-BA67-50F4C10C0EC2}" type="datetime1">
               <a:rPr lang="zh-TW" altLang="en-US" noProof="0" smtClean="0"/>
-              <a:t>2020/12/2</a:t>
+              <a:t>2020/12/15</a:t>
             </a:fld>
             <a:endParaRPr lang="zh-TW" altLang="en-US" noProof="0" dirty="0"/>
           </a:p>
@@ -1481,7 +1576,7 @@
             <a:pPr rtl="0"/>
             <a:fld id="{6103ACFA-9EAB-4024-8398-7A9C45F03D95}" type="datetime1">
               <a:rPr lang="zh-TW" altLang="en-US" noProof="0" smtClean="0"/>
-              <a:t>2020/12/2</a:t>
+              <a:t>2020/12/15</a:t>
             </a:fld>
             <a:endParaRPr lang="zh-TW" altLang="en-US" noProof="0" dirty="0"/>
           </a:p>
@@ -1786,7 +1881,7 @@
           <a:p>
             <a:fld id="{83CA085F-1C8F-4249-B4B1-5B2A1F20CB23}" type="datetime1">
               <a:rPr lang="zh-TW" altLang="en-US" noProof="0" smtClean="0"/>
-              <a:t>2020/12/2</a:t>
+              <a:t>2020/12/15</a:t>
             </a:fld>
             <a:endParaRPr lang="zh-TW" altLang="en-US" noProof="0" dirty="0"/>
           </a:p>
@@ -2256,7 +2351,7 @@
             <a:pPr rtl="0"/>
             <a:fld id="{7A5C7F5A-6DFE-431A-AB24-FBF4917570BD}" type="datetime1">
               <a:rPr lang="zh-TW" altLang="en-US" noProof="0" smtClean="0"/>
-              <a:t>2020/12/2</a:t>
+              <a:t>2020/12/15</a:t>
             </a:fld>
             <a:endParaRPr lang="zh-TW" altLang="en-US" noProof="0" dirty="0"/>
           </a:p>
@@ -2831,7 +2926,7 @@
             <a:pPr rtl="0"/>
             <a:fld id="{53C6FD43-1739-4DAD-91B6-41A08EDEA5D8}" type="datetime1">
               <a:rPr lang="zh-TW" altLang="en-US" noProof="0" smtClean="0"/>
-              <a:t>2020/12/2</a:t>
+              <a:t>2020/12/15</a:t>
             </a:fld>
             <a:endParaRPr lang="zh-TW" altLang="en-US" noProof="0" dirty="0"/>
           </a:p>
@@ -3685,7 +3780,7 @@
             <a:pPr rtl="0"/>
             <a:fld id="{2C4EB9F9-C285-47DC-860B-BC96183E97E3}" type="datetime1">
               <a:rPr lang="zh-TW" altLang="en-US" noProof="0" smtClean="0"/>
-              <a:t>2020/12/2</a:t>
+              <a:t>2020/12/15</a:t>
             </a:fld>
             <a:endParaRPr lang="zh-TW" altLang="en-US" noProof="0" dirty="0"/>
           </a:p>
@@ -3889,7 +3984,7 @@
             <a:pPr rtl="0"/>
             <a:fld id="{CF2A209B-3BF9-4E58-9A30-3E71DB938777}" type="datetime1">
               <a:rPr lang="zh-TW" altLang="en-US" noProof="0" smtClean="0"/>
-              <a:t>2020/12/2</a:t>
+              <a:t>2020/12/15</a:t>
             </a:fld>
             <a:endParaRPr lang="zh-TW" altLang="en-US" noProof="0" dirty="0"/>
           </a:p>
@@ -4102,7 +4197,7 @@
             <a:pPr rtl="0"/>
             <a:fld id="{066E63C2-83D0-46B9-B929-DF2E4AF04A44}" type="datetime1">
               <a:rPr lang="zh-TW" altLang="en-US" noProof="0" smtClean="0"/>
-              <a:t>2020/12/2</a:t>
+              <a:t>2020/12/15</a:t>
             </a:fld>
             <a:endParaRPr lang="zh-TW" altLang="en-US" noProof="0" dirty="0"/>
           </a:p>
@@ -4306,7 +4401,7 @@
             <a:pPr rtl="0"/>
             <a:fld id="{B83C6DAE-E458-4FAA-BAAB-D22447F61CAD}" type="datetime1">
               <a:rPr lang="zh-TW" altLang="en-US" noProof="0" smtClean="0"/>
-              <a:t>2020/12/2</a:t>
+              <a:t>2020/12/15</a:t>
             </a:fld>
             <a:endParaRPr lang="zh-TW" altLang="en-US" noProof="0" dirty="0"/>
           </a:p>
@@ -4585,7 +4680,7 @@
             <a:pPr rtl="0"/>
             <a:fld id="{C348094D-2999-444A-A78A-7C564C88EAD4}" type="datetime1">
               <a:rPr lang="zh-TW" altLang="en-US" noProof="0" smtClean="0"/>
-              <a:t>2020/12/2</a:t>
+              <a:t>2020/12/15</a:t>
             </a:fld>
             <a:endParaRPr lang="zh-TW" altLang="en-US" noProof="0" dirty="0"/>
           </a:p>
@@ -4851,7 +4946,7 @@
             <a:pPr rtl="0"/>
             <a:fld id="{BE7A2E6B-7BCE-48D7-9543-BBCBDA6F478D}" type="datetime1">
               <a:rPr lang="zh-TW" altLang="en-US" noProof="0" smtClean="0"/>
-              <a:t>2020/12/2</a:t>
+              <a:t>2020/12/15</a:t>
             </a:fld>
             <a:endParaRPr lang="zh-TW" altLang="en-US" noProof="0" dirty="0"/>
           </a:p>
@@ -5265,7 +5360,7 @@
             <a:pPr rtl="0"/>
             <a:fld id="{BB2C03D1-57F6-4512-B0E7-E877B9DD54D7}" type="datetime1">
               <a:rPr lang="zh-TW" altLang="en-US" noProof="0" smtClean="0"/>
-              <a:t>2020/12/2</a:t>
+              <a:t>2020/12/15</a:t>
             </a:fld>
             <a:endParaRPr lang="zh-TW" altLang="en-US" noProof="0" dirty="0"/>
           </a:p>
@@ -5412,7 +5507,7 @@
             <a:pPr rtl="0"/>
             <a:fld id="{6F1BEF13-8B6E-402B-AD57-044C9022E01B}" type="datetime1">
               <a:rPr lang="zh-TW" altLang="en-US" noProof="0" smtClean="0"/>
-              <a:t>2020/12/2</a:t>
+              <a:t>2020/12/15</a:t>
             </a:fld>
             <a:endParaRPr lang="zh-TW" altLang="en-US" noProof="0" dirty="0"/>
           </a:p>
@@ -5535,7 +5630,7 @@
             <a:pPr rtl="0"/>
             <a:fld id="{786DD3D3-EA80-4C78-8F88-AB153A9EFE8F}" type="datetime1">
               <a:rPr lang="zh-TW" altLang="en-US" noProof="0" smtClean="0"/>
-              <a:t>2020/12/2</a:t>
+              <a:t>2020/12/15</a:t>
             </a:fld>
             <a:endParaRPr lang="zh-TW" altLang="en-US" noProof="0" dirty="0"/>
           </a:p>
@@ -5813,7 +5908,7 @@
             <a:pPr rtl="0"/>
             <a:fld id="{690EC74D-164A-4B44-AE4B-F4CF5F770953}" type="datetime1">
               <a:rPr lang="zh-TW" altLang="en-US" noProof="0" smtClean="0"/>
-              <a:t>2020/12/2</a:t>
+              <a:t>2020/12/15</a:t>
             </a:fld>
             <a:endParaRPr lang="zh-TW" altLang="en-US" noProof="0" dirty="0"/>
           </a:p>
@@ -6125,7 +6220,7 @@
             <a:pPr rtl="0"/>
             <a:fld id="{C3E4EAD1-F3D6-4B5B-BF18-BAB318D99FEC}" type="datetime1">
               <a:rPr lang="zh-TW" altLang="en-US" noProof="0" smtClean="0"/>
-              <a:t>2020/12/2</a:t>
+              <a:t>2020/12/15</a:t>
             </a:fld>
             <a:endParaRPr lang="zh-TW" altLang="en-US" noProof="0" dirty="0"/>
           </a:p>
@@ -6376,7 +6471,7 @@
           <a:p>
             <a:fld id="{DA4BB9F2-61FB-4780-88E3-BB8FD94F52A9}" type="datetime1">
               <a:rPr lang="zh-TW" altLang="en-US" noProof="0" smtClean="0"/>
-              <a:t>2020/12/2</a:t>
+              <a:t>2020/12/15</a:t>
             </a:fld>
             <a:endParaRPr lang="zh-TW" altLang="en-US" noProof="0" dirty="0"/>
           </a:p>
@@ -12485,14 +12580,15 @@
           </p:cNvPr>
           <p:cNvCxnSpPr>
             <a:cxnSpLocks/>
+            <a:stCxn id="39" idx="0"/>
             <a:endCxn id="14" idx="2"/>
           </p:cNvCxnSpPr>
           <p:nvPr/>
         </p:nvCxnSpPr>
         <p:spPr>
           <a:xfrm flipV="1">
-            <a:off x="2236889" y="2850761"/>
-            <a:ext cx="0" cy="1205129"/>
+            <a:off x="824545" y="2859403"/>
+            <a:ext cx="0" cy="1704802"/>
           </a:xfrm>
           <a:prstGeom prst="straightConnector1">
             <a:avLst/>
@@ -12530,10 +12626,10 @@
         </p:nvGrpSpPr>
         <p:grpSpPr>
           <a:xfrm>
-            <a:off x="1585733" y="1483783"/>
-            <a:ext cx="9597781" cy="5124540"/>
-            <a:chOff x="1585733" y="1483783"/>
-            <a:chExt cx="9597781" cy="5124540"/>
+            <a:off x="173389" y="1492425"/>
+            <a:ext cx="12329820" cy="5252731"/>
+            <a:chOff x="173389" y="1492425"/>
+            <a:chExt cx="12329820" cy="5252731"/>
           </a:xfrm>
         </p:grpSpPr>
         <p:grpSp>
@@ -12550,10 +12646,10 @@
           </p:nvGrpSpPr>
           <p:grpSpPr>
             <a:xfrm>
-              <a:off x="1585733" y="1483783"/>
-              <a:ext cx="9597781" cy="5124540"/>
-              <a:chOff x="1758462" y="1408369"/>
-              <a:chExt cx="9597781" cy="5124540"/>
+              <a:off x="173389" y="1492425"/>
+              <a:ext cx="12329820" cy="5252731"/>
+              <a:chOff x="346118" y="1417011"/>
+              <a:chExt cx="12329820" cy="5252731"/>
             </a:xfrm>
           </p:grpSpPr>
           <p:grpSp>
@@ -12570,10 +12666,10 @@
             </p:nvGrpSpPr>
             <p:grpSpPr>
               <a:xfrm>
-                <a:off x="1758462" y="1408369"/>
-                <a:ext cx="9597781" cy="5124540"/>
-                <a:chOff x="1758462" y="1408369"/>
-                <a:chExt cx="9597781" cy="5124540"/>
+                <a:off x="346118" y="1417011"/>
+                <a:ext cx="12329820" cy="5252731"/>
+                <a:chOff x="346118" y="1417011"/>
+                <a:chExt cx="12329820" cy="5252731"/>
               </a:xfrm>
             </p:grpSpPr>
             <p:grpSp>
@@ -12590,10 +12686,10 @@
               </p:nvGrpSpPr>
               <p:grpSpPr>
                 <a:xfrm>
-                  <a:off x="3050049" y="1408369"/>
-                  <a:ext cx="8306194" cy="5124540"/>
-                  <a:chOff x="1659117" y="1404502"/>
-                  <a:chExt cx="8306194" cy="5124540"/>
+                  <a:off x="1648430" y="1417011"/>
+                  <a:ext cx="11027508" cy="5252731"/>
+                  <a:chOff x="257498" y="1413144"/>
+                  <a:chExt cx="11027508" cy="5252731"/>
                 </a:xfrm>
               </p:grpSpPr>
               <p:sp>
@@ -12610,7 +12706,7 @@
                 </p:nvSpPr>
                 <p:spPr>
                   <a:xfrm>
-                    <a:off x="4895492" y="4044412"/>
+                    <a:off x="4792616" y="4449343"/>
                     <a:ext cx="1741599" cy="646331"/>
                   </a:xfrm>
                   <a:prstGeom prst="rect">
@@ -12648,10 +12744,10 @@
                 </p:nvGrpSpPr>
                 <p:grpSpPr>
                   <a:xfrm>
-                    <a:off x="1659117" y="1404502"/>
-                    <a:ext cx="8306194" cy="5124540"/>
-                    <a:chOff x="1659117" y="1404502"/>
-                    <a:chExt cx="8306194" cy="5124540"/>
+                    <a:off x="257498" y="1413144"/>
+                    <a:ext cx="11027508" cy="5252731"/>
+                    <a:chOff x="257498" y="1413144"/>
+                    <a:chExt cx="11027508" cy="5252731"/>
                   </a:xfrm>
                 </p:grpSpPr>
                 <p:grpSp>
@@ -12668,10 +12764,10 @@
                   </p:nvGrpSpPr>
                   <p:grpSpPr>
                     <a:xfrm>
-                      <a:off x="1659117" y="1404502"/>
-                      <a:ext cx="8306194" cy="5124540"/>
-                      <a:chOff x="377072" y="1319661"/>
-                      <a:chExt cx="8306194" cy="5124540"/>
+                      <a:off x="2578107" y="1413144"/>
+                      <a:ext cx="8706899" cy="5252731"/>
+                      <a:chOff x="1296062" y="1328303"/>
+                      <a:chExt cx="8706899" cy="5252731"/>
                     </a:xfrm>
                   </p:grpSpPr>
                   <p:sp>
@@ -12688,7 +12784,7 @@
                     </p:nvSpPr>
                     <p:spPr>
                       <a:xfrm>
-                        <a:off x="7192866" y="2196884"/>
+                        <a:off x="8512561" y="2333717"/>
                         <a:ext cx="1490400" cy="4247317"/>
                       </a:xfrm>
                       <a:prstGeom prst="rect">
@@ -12870,10 +12966,10 @@
                     </p:nvGrpSpPr>
                     <p:grpSpPr>
                       <a:xfrm>
-                        <a:off x="377072" y="1319661"/>
-                        <a:ext cx="7296347" cy="3939085"/>
-                        <a:chOff x="377072" y="1319661"/>
-                        <a:chExt cx="7296347" cy="3939085"/>
+                        <a:off x="1296062" y="1328303"/>
+                        <a:ext cx="8186027" cy="4438758"/>
+                        <a:chOff x="1296062" y="1328303"/>
+                        <a:chExt cx="8186027" cy="4438758"/>
                       </a:xfrm>
                     </p:grpSpPr>
                     <p:sp>
@@ -12890,7 +12986,7 @@
                       </p:nvSpPr>
                       <p:spPr>
                         <a:xfrm>
-                          <a:off x="701874" y="1556969"/>
+                          <a:off x="1296062" y="1532302"/>
                           <a:ext cx="1154304" cy="369332"/>
                         </a:xfrm>
                         <a:prstGeom prst="rect">
@@ -12928,7 +13024,7 @@
                       </p:nvSpPr>
                       <p:spPr>
                         <a:xfrm>
-                          <a:off x="494196" y="2003150"/>
+                          <a:off x="3740123" y="1560948"/>
                           <a:ext cx="1569660" cy="369332"/>
                         </a:xfrm>
                         <a:prstGeom prst="rect">
@@ -12936,7 +13032,7 @@
                         </a:prstGeom>
                       </p:spPr>
                       <p:txBody>
-                        <a:bodyPr wrap="none">
+                        <a:bodyPr wrap="square">
                           <a:spAutoFit/>
                         </a:bodyPr>
                         <a:lstStyle/>
@@ -12965,7 +13061,7 @@
                       </p:nvSpPr>
                       <p:spPr>
                         <a:xfrm>
-                          <a:off x="4080557" y="1639079"/>
+                          <a:off x="6539630" y="1516736"/>
                           <a:ext cx="1154304" cy="369332"/>
                         </a:xfrm>
                         <a:prstGeom prst="rect">
@@ -13003,10 +13099,10 @@
                       </p:nvGrpSpPr>
                       <p:grpSpPr>
                         <a:xfrm>
-                          <a:off x="2198636" y="1319661"/>
-                          <a:ext cx="4918146" cy="3939085"/>
-                          <a:chOff x="2198636" y="1319661"/>
-                          <a:chExt cx="4918146" cy="3939085"/>
+                          <a:off x="2431066" y="1328303"/>
+                          <a:ext cx="6463095" cy="4438758"/>
+                          <a:chOff x="2431066" y="1328303"/>
+                          <a:chExt cx="6463095" cy="4438758"/>
                         </a:xfrm>
                       </p:grpSpPr>
                       <p:sp>
@@ -13023,7 +13119,7 @@
                         </p:nvSpPr>
                         <p:spPr>
                           <a:xfrm>
-                            <a:off x="2198636" y="1319661"/>
+                            <a:off x="2431066" y="1328303"/>
                             <a:ext cx="1302312" cy="1366978"/>
                           </a:xfrm>
                           <a:prstGeom prst="rect">
@@ -13064,7 +13160,7 @@
                                 <a:latin typeface="微軟正黑體" panose="020B0604030504040204" pitchFamily="34" charset="-120"/>
                                 <a:ea typeface="微軟正黑體" panose="020B0604030504040204" pitchFamily="34" charset="-120"/>
                               </a:rPr>
-                              <a:t>落點判斷</a:t>
+                              <a:t>速度判斷</a:t>
                             </a:r>
                           </a:p>
                         </p:txBody>
@@ -13083,7 +13179,7 @@
                         </p:nvSpPr>
                         <p:spPr>
                           <a:xfrm>
-                            <a:off x="5814470" y="1319661"/>
+                            <a:off x="7591849" y="1328303"/>
                             <a:ext cx="1302312" cy="1366978"/>
                           </a:xfrm>
                           <a:prstGeom prst="rect">
@@ -13143,7 +13239,7 @@
                         </p:nvSpPr>
                         <p:spPr>
                           <a:xfrm>
-                            <a:off x="5814470" y="3891768"/>
+                            <a:off x="5745407" y="4400083"/>
                             <a:ext cx="1302312" cy="565608"/>
                           </a:xfrm>
                           <a:prstGeom prst="rect">
@@ -13203,7 +13299,7 @@
                         </p:nvSpPr>
                         <p:spPr>
                           <a:xfrm>
-                            <a:off x="5814470" y="4693138"/>
+                            <a:off x="5745407" y="5201453"/>
                             <a:ext cx="1302312" cy="565608"/>
                           </a:xfrm>
                           <a:prstGeom prst="rect">
@@ -13260,14 +13356,16 @@
                           </a:extLst>
                         </p:cNvPr>
                         <p:cNvCxnSpPr>
+                          <a:cxnSpLocks/>
+                          <a:stCxn id="41" idx="3"/>
                           <a:endCxn id="34" idx="1"/>
                         </p:cNvCxnSpPr>
                         <p:nvPr/>
                       </p:nvCxnSpPr>
                       <p:spPr>
                         <a:xfrm>
-                          <a:off x="377072" y="2003150"/>
-                          <a:ext cx="1821564" cy="0"/>
+                          <a:off x="1296062" y="2011792"/>
+                          <a:ext cx="1135004" cy="0"/>
                         </a:xfrm>
                         <a:prstGeom prst="straightConnector1">
                           <a:avLst/>
@@ -13301,15 +13399,16 @@
                           </a:extLst>
                         </p:cNvPr>
                         <p:cNvCxnSpPr>
-                          <a:stCxn id="34" idx="3"/>
+                          <a:cxnSpLocks/>
+                          <a:stCxn id="53" idx="3"/>
                           <a:endCxn id="35" idx="1"/>
                         </p:cNvCxnSpPr>
                         <p:nvPr/>
                       </p:nvCxnSpPr>
                       <p:spPr>
                         <a:xfrm>
-                          <a:off x="3500948" y="2003150"/>
-                          <a:ext cx="2313522" cy="0"/>
+                          <a:off x="6622321" y="2011792"/>
+                          <a:ext cx="969528" cy="0"/>
                         </a:xfrm>
                         <a:prstGeom prst="straightConnector1">
                           <a:avLst/>
@@ -13347,10 +13446,10 @@
                       </p:nvGrpSpPr>
                       <p:grpSpPr>
                         <a:xfrm>
-                          <a:off x="7116782" y="2003150"/>
-                          <a:ext cx="556637" cy="2972792"/>
-                          <a:chOff x="7116782" y="2003150"/>
-                          <a:chExt cx="556637" cy="2972792"/>
+                          <a:off x="7047719" y="2011792"/>
+                          <a:ext cx="2434370" cy="3472465"/>
+                          <a:chOff x="7047719" y="2011792"/>
+                          <a:chExt cx="2434370" cy="3472465"/>
                         </a:xfrm>
                       </p:grpSpPr>
                       <p:cxnSp>
@@ -13363,14 +13462,15 @@
                             </a:extLst>
                           </p:cNvPr>
                           <p:cNvCxnSpPr>
+                            <a:cxnSpLocks/>
                             <a:endCxn id="36" idx="3"/>
                           </p:cNvCxnSpPr>
                           <p:nvPr/>
                         </p:nvCxnSpPr>
                         <p:spPr>
                           <a:xfrm flipH="1">
-                            <a:off x="7116782" y="4174572"/>
-                            <a:ext cx="556637" cy="0"/>
+                            <a:off x="7047719" y="4682886"/>
+                            <a:ext cx="2434370" cy="1"/>
                           </a:xfrm>
                           <a:prstGeom prst="straightConnector1">
                             <a:avLst/>
@@ -13404,14 +13504,15 @@
                             </a:extLst>
                           </p:cNvPr>
                           <p:cNvCxnSpPr>
+                            <a:cxnSpLocks/>
                             <a:endCxn id="37" idx="3"/>
                           </p:cNvCxnSpPr>
                           <p:nvPr/>
                         </p:nvCxnSpPr>
                         <p:spPr>
                           <a:xfrm flipH="1">
-                            <a:off x="7116782" y="4975942"/>
-                            <a:ext cx="556637" cy="0"/>
+                            <a:off x="7047719" y="5484257"/>
+                            <a:ext cx="2434370" cy="0"/>
                           </a:xfrm>
                           <a:prstGeom prst="straightConnector1">
                             <a:avLst/>
@@ -13445,14 +13546,15 @@
                             </a:extLst>
                           </p:cNvPr>
                           <p:cNvCxnSpPr>
+                            <a:cxnSpLocks/>
                             <a:stCxn id="35" idx="3"/>
                           </p:cNvCxnSpPr>
                           <p:nvPr/>
                         </p:nvCxnSpPr>
                         <p:spPr>
                           <a:xfrm>
-                            <a:off x="7116782" y="2003150"/>
-                            <a:ext cx="556637" cy="2972792"/>
+                            <a:off x="8894161" y="2011792"/>
+                            <a:ext cx="587928" cy="3472465"/>
                           </a:xfrm>
                           <a:prstGeom prst="bentConnector2">
                             <a:avLst/>
@@ -13490,10 +13592,10 @@
                   </p:nvGrpSpPr>
                   <p:grpSpPr>
                     <a:xfrm>
-                      <a:off x="1669842" y="4259412"/>
-                      <a:ext cx="5426674" cy="801372"/>
-                      <a:chOff x="1669842" y="4259412"/>
-                      <a:chExt cx="5426674" cy="801372"/>
+                      <a:off x="257498" y="4767727"/>
+                      <a:ext cx="6769955" cy="801372"/>
+                      <a:chOff x="257498" y="4767727"/>
+                      <a:chExt cx="6769955" cy="801372"/>
                     </a:xfrm>
                   </p:grpSpPr>
                   <p:cxnSp>
@@ -13507,13 +13609,14 @@
                       </p:cNvPr>
                       <p:cNvCxnSpPr>
                         <a:cxnSpLocks/>
+                        <a:endCxn id="39" idx="3"/>
                       </p:cNvCxnSpPr>
                       <p:nvPr/>
                     </p:nvCxnSpPr>
                     <p:spPr>
                       <a:xfrm flipH="1">
-                        <a:off x="1669842" y="4660098"/>
-                        <a:ext cx="1928892" cy="0"/>
+                        <a:off x="257498" y="5168413"/>
+                        <a:ext cx="3272174" cy="0"/>
                       </a:xfrm>
                       <a:prstGeom prst="straightConnector1">
                         <a:avLst/>
@@ -13553,7 +13656,7 @@
                     </p:nvCxnSpPr>
                     <p:spPr>
                       <a:xfrm rot="10800000" flipV="1">
-                        <a:off x="6711885" y="4259412"/>
+                        <a:off x="6642822" y="4767727"/>
                         <a:ext cx="384630" cy="400685"/>
                       </a:xfrm>
                       <a:prstGeom prst="bentConnector2">
@@ -13591,7 +13694,7 @@
                     </p:nvCxnSpPr>
                     <p:spPr>
                       <a:xfrm rot="10800000">
-                        <a:off x="6711885" y="4660099"/>
+                        <a:off x="6642822" y="5168414"/>
                         <a:ext cx="384631" cy="400685"/>
                       </a:xfrm>
                       <a:prstGeom prst="bentConnector2">
@@ -13630,7 +13733,7 @@
               </p:nvSpPr>
               <p:spPr>
                 <a:xfrm>
-                  <a:off x="1758462" y="1408369"/>
+                  <a:off x="346118" y="1417011"/>
                   <a:ext cx="1302312" cy="1366978"/>
                 </a:xfrm>
                 <a:prstGeom prst="rect">
@@ -13719,7 +13822,7 @@
             </p:nvSpPr>
             <p:spPr>
               <a:xfrm>
-                <a:off x="4871612" y="3980476"/>
+                <a:off x="4802549" y="4488791"/>
                 <a:ext cx="1302312" cy="1366978"/>
               </a:xfrm>
               <a:prstGeom prst="rect">
@@ -13807,7 +13910,7 @@
             </p:nvCxnSpPr>
             <p:spPr>
               <a:xfrm flipH="1">
-                <a:off x="6173924" y="4663965"/>
+                <a:off x="6104861" y="5172280"/>
                 <a:ext cx="1928892" cy="0"/>
               </a:xfrm>
               <a:prstGeom prst="straightConnector1">
@@ -13847,8 +13950,8 @@
           </p:nvSpPr>
           <p:spPr>
             <a:xfrm>
-              <a:off x="2841061" y="4146726"/>
-              <a:ext cx="1894081" cy="646331"/>
+              <a:off x="1619681" y="4629033"/>
+              <a:ext cx="2828576" cy="646331"/>
             </a:xfrm>
             <a:prstGeom prst="rect">
               <a:avLst/>
@@ -13925,7 +14028,7 @@
         </p:nvSpPr>
         <p:spPr>
           <a:xfrm>
-            <a:off x="1585732" y="4007239"/>
+            <a:off x="173389" y="4564205"/>
             <a:ext cx="1302312" cy="1366978"/>
           </a:xfrm>
           <a:prstGeom prst="rect">
@@ -13968,6 +14071,535 @@
               </a:rPr>
               <a:t>落點判斷</a:t>
             </a:r>
+          </a:p>
+        </p:txBody>
+      </p:sp>
+      <p:sp>
+        <p:nvSpPr>
+          <p:cNvPr id="2" name="文字方塊 1">
+            <a:extLst>
+              <a:ext uri="{FF2B5EF4-FFF2-40B4-BE49-F238E27FC236}">
+                <a16:creationId xmlns:a16="http://schemas.microsoft.com/office/drawing/2014/main" id="{38BDA2DA-0DF9-45D4-ACB3-728B419FF121}"/>
+              </a:ext>
+            </a:extLst>
+          </p:cNvPr>
+          <p:cNvSpPr txBox="1"/>
+          <p:nvPr/>
+        </p:nvSpPr>
+        <p:spPr>
+          <a:xfrm>
+            <a:off x="36121" y="1065800"/>
+            <a:ext cx="345867" cy="369332"/>
+          </a:xfrm>
+          <a:prstGeom prst="rect">
+            <a:avLst/>
+          </a:prstGeom>
+          <a:noFill/>
+        </p:spPr>
+        <p:txBody>
+          <a:bodyPr wrap="square" rtlCol="0">
+            <a:spAutoFit/>
+          </a:bodyPr>
+          <a:lstStyle/>
+          <a:p>
+            <a:r>
+              <a:rPr lang="en-US" altLang="zh-TW" dirty="0"/>
+              <a:t>1</a:t>
+            </a:r>
+            <a:endParaRPr lang="zh-TW" altLang="en-US" dirty="0"/>
+          </a:p>
+        </p:txBody>
+      </p:sp>
+      <p:sp>
+        <p:nvSpPr>
+          <p:cNvPr id="38" name="文字方塊 37">
+            <a:extLst>
+              <a:ext uri="{FF2B5EF4-FFF2-40B4-BE49-F238E27FC236}">
+                <a16:creationId xmlns:a16="http://schemas.microsoft.com/office/drawing/2014/main" id="{74CF940B-AAEE-4C67-B45A-E6A4009B3231}"/>
+              </a:ext>
+            </a:extLst>
+          </p:cNvPr>
+          <p:cNvSpPr txBox="1"/>
+          <p:nvPr/>
+        </p:nvSpPr>
+        <p:spPr>
+          <a:xfrm>
+            <a:off x="2321064" y="1065800"/>
+            <a:ext cx="345867" cy="369332"/>
+          </a:xfrm>
+          <a:prstGeom prst="rect">
+            <a:avLst/>
+          </a:prstGeom>
+          <a:noFill/>
+        </p:spPr>
+        <p:txBody>
+          <a:bodyPr wrap="square" rtlCol="0">
+            <a:spAutoFit/>
+          </a:bodyPr>
+          <a:lstStyle/>
+          <a:p>
+            <a:r>
+              <a:rPr lang="en-US" altLang="zh-TW" dirty="0"/>
+              <a:t>2</a:t>
+            </a:r>
+            <a:endParaRPr lang="zh-TW" altLang="en-US" dirty="0"/>
+          </a:p>
+        </p:txBody>
+      </p:sp>
+      <p:sp>
+        <p:nvSpPr>
+          <p:cNvPr id="41" name="矩形 40">
+            <a:extLst>
+              <a:ext uri="{FF2B5EF4-FFF2-40B4-BE49-F238E27FC236}">
+                <a16:creationId xmlns:a16="http://schemas.microsoft.com/office/drawing/2014/main" id="{90B7176E-F43D-4E6F-93AC-E39038AF14AE}"/>
+              </a:ext>
+            </a:extLst>
+          </p:cNvPr>
+          <p:cNvSpPr/>
+          <p:nvPr/>
+        </p:nvSpPr>
+        <p:spPr>
+          <a:xfrm>
+            <a:off x="2493998" y="1492425"/>
+            <a:ext cx="1302312" cy="1366978"/>
+          </a:xfrm>
+          <a:prstGeom prst="rect">
+            <a:avLst/>
+          </a:prstGeom>
+          <a:solidFill>
+            <a:schemeClr val="accent4">
+              <a:lumMod val="75000"/>
+            </a:schemeClr>
+          </a:solidFill>
+          <a:ln>
+            <a:noFill/>
+          </a:ln>
+        </p:spPr>
+        <p:style>
+          <a:lnRef idx="2">
+            <a:schemeClr val="accent1">
+              <a:shade val="50000"/>
+            </a:schemeClr>
+          </a:lnRef>
+          <a:fillRef idx="1">
+            <a:schemeClr val="accent1"/>
+          </a:fillRef>
+          <a:effectRef idx="0">
+            <a:schemeClr val="accent1"/>
+          </a:effectRef>
+          <a:fontRef idx="minor">
+            <a:schemeClr val="lt1"/>
+          </a:fontRef>
+        </p:style>
+        <p:txBody>
+          <a:bodyPr rtlCol="0" anchor="ctr"/>
+          <a:lstStyle/>
+          <a:p>
+            <a:pPr algn="ctr"/>
+            <a:r>
+              <a:rPr lang="zh-TW" altLang="en-US" dirty="0">
+                <a:latin typeface="微軟正黑體" panose="020B0604030504040204" pitchFamily="34" charset="-120"/>
+                <a:ea typeface="微軟正黑體" panose="020B0604030504040204" pitchFamily="34" charset="-120"/>
+              </a:rPr>
+              <a:t>軌跡判斷</a:t>
+            </a:r>
+          </a:p>
+        </p:txBody>
+      </p:sp>
+      <p:cxnSp>
+        <p:nvCxnSpPr>
+          <p:cNvPr id="48" name="直線單箭頭接點 47">
+            <a:extLst>
+              <a:ext uri="{FF2B5EF4-FFF2-40B4-BE49-F238E27FC236}">
+                <a16:creationId xmlns:a16="http://schemas.microsoft.com/office/drawing/2014/main" id="{6CCA8A7B-77CF-45E3-B2F8-6B03A1216822}"/>
+              </a:ext>
+            </a:extLst>
+          </p:cNvPr>
+          <p:cNvCxnSpPr>
+            <a:cxnSpLocks/>
+            <a:endCxn id="41" idx="1"/>
+          </p:cNvCxnSpPr>
+          <p:nvPr/>
+        </p:nvCxnSpPr>
+        <p:spPr>
+          <a:xfrm>
+            <a:off x="1475701" y="2175914"/>
+            <a:ext cx="1018297" cy="0"/>
+          </a:xfrm>
+          <a:prstGeom prst="straightConnector1">
+            <a:avLst/>
+          </a:prstGeom>
+          <a:ln>
+            <a:tailEnd type="triangle"/>
+          </a:ln>
+        </p:spPr>
+        <p:style>
+          <a:lnRef idx="1">
+            <a:schemeClr val="accent1"/>
+          </a:lnRef>
+          <a:fillRef idx="0">
+            <a:schemeClr val="accent1"/>
+          </a:fillRef>
+          <a:effectRef idx="0">
+            <a:schemeClr val="accent1"/>
+          </a:effectRef>
+          <a:fontRef idx="minor">
+            <a:schemeClr val="tx1"/>
+          </a:fontRef>
+        </p:style>
+      </p:cxnSp>
+      <p:sp>
+        <p:nvSpPr>
+          <p:cNvPr id="53" name="矩形 52">
+            <a:extLst>
+              <a:ext uri="{FF2B5EF4-FFF2-40B4-BE49-F238E27FC236}">
+                <a16:creationId xmlns:a16="http://schemas.microsoft.com/office/drawing/2014/main" id="{1F25F67C-D510-4265-87A0-E1E9D9572540}"/>
+              </a:ext>
+            </a:extLst>
+          </p:cNvPr>
+          <p:cNvSpPr/>
+          <p:nvPr/>
+        </p:nvSpPr>
+        <p:spPr>
+          <a:xfrm>
+            <a:off x="7820257" y="1492425"/>
+            <a:ext cx="1302312" cy="1366978"/>
+          </a:xfrm>
+          <a:prstGeom prst="rect">
+            <a:avLst/>
+          </a:prstGeom>
+          <a:solidFill>
+            <a:schemeClr val="accent4">
+              <a:lumMod val="75000"/>
+            </a:schemeClr>
+          </a:solidFill>
+          <a:ln>
+            <a:noFill/>
+          </a:ln>
+        </p:spPr>
+        <p:style>
+          <a:lnRef idx="2">
+            <a:schemeClr val="accent1">
+              <a:shade val="50000"/>
+            </a:schemeClr>
+          </a:lnRef>
+          <a:fillRef idx="1">
+            <a:schemeClr val="accent1"/>
+          </a:fillRef>
+          <a:effectRef idx="0">
+            <a:schemeClr val="accent1"/>
+          </a:effectRef>
+          <a:fontRef idx="minor">
+            <a:schemeClr val="lt1"/>
+          </a:fontRef>
+        </p:style>
+        <p:txBody>
+          <a:bodyPr rtlCol="0" anchor="ctr"/>
+          <a:lstStyle/>
+          <a:p>
+            <a:pPr algn="ctr"/>
+            <a:r>
+              <a:rPr lang="zh-TW" altLang="en-US" dirty="0">
+                <a:latin typeface="微軟正黑體" panose="020B0604030504040204" pitchFamily="34" charset="-120"/>
+                <a:ea typeface="微軟正黑體" panose="020B0604030504040204" pitchFamily="34" charset="-120"/>
+              </a:rPr>
+              <a:t>落點判斷</a:t>
+            </a:r>
+          </a:p>
+        </p:txBody>
+      </p:sp>
+      <p:cxnSp>
+        <p:nvCxnSpPr>
+          <p:cNvPr id="54" name="直線單箭頭接點 53">
+            <a:extLst>
+              <a:ext uri="{FF2B5EF4-FFF2-40B4-BE49-F238E27FC236}">
+                <a16:creationId xmlns:a16="http://schemas.microsoft.com/office/drawing/2014/main" id="{5D958BF3-F2D1-4AFB-BA5E-64F99CABFFF8}"/>
+              </a:ext>
+            </a:extLst>
+          </p:cNvPr>
+          <p:cNvCxnSpPr>
+            <a:cxnSpLocks/>
+            <a:stCxn id="34" idx="3"/>
+            <a:endCxn id="53" idx="1"/>
+          </p:cNvCxnSpPr>
+          <p:nvPr/>
+        </p:nvCxnSpPr>
+        <p:spPr>
+          <a:xfrm>
+            <a:off x="6233626" y="2175914"/>
+            <a:ext cx="1586631" cy="0"/>
+          </a:xfrm>
+          <a:prstGeom prst="straightConnector1">
+            <a:avLst/>
+          </a:prstGeom>
+          <a:ln>
+            <a:tailEnd type="triangle"/>
+          </a:ln>
+        </p:spPr>
+        <p:style>
+          <a:lnRef idx="1">
+            <a:schemeClr val="accent1"/>
+          </a:lnRef>
+          <a:fillRef idx="0">
+            <a:schemeClr val="accent1"/>
+          </a:fillRef>
+          <a:effectRef idx="0">
+            <a:schemeClr val="accent1"/>
+          </a:effectRef>
+          <a:fontRef idx="minor">
+            <a:schemeClr val="tx1"/>
+          </a:fontRef>
+        </p:style>
+      </p:cxnSp>
+      <p:sp>
+        <p:nvSpPr>
+          <p:cNvPr id="66" name="文字方塊 65">
+            <a:extLst>
+              <a:ext uri="{FF2B5EF4-FFF2-40B4-BE49-F238E27FC236}">
+                <a16:creationId xmlns:a16="http://schemas.microsoft.com/office/drawing/2014/main" id="{D0FB33CB-9064-45A1-B4A6-8B360355FA06}"/>
+              </a:ext>
+            </a:extLst>
+          </p:cNvPr>
+          <p:cNvSpPr txBox="1"/>
+          <p:nvPr/>
+        </p:nvSpPr>
+        <p:spPr>
+          <a:xfrm>
+            <a:off x="4702350" y="1065800"/>
+            <a:ext cx="294674" cy="369332"/>
+          </a:xfrm>
+          <a:prstGeom prst="rect">
+            <a:avLst/>
+          </a:prstGeom>
+          <a:noFill/>
+        </p:spPr>
+        <p:txBody>
+          <a:bodyPr wrap="square" rtlCol="0">
+            <a:spAutoFit/>
+          </a:bodyPr>
+          <a:lstStyle/>
+          <a:p>
+            <a:r>
+              <a:rPr lang="en-US" altLang="zh-TW" dirty="0"/>
+              <a:t>3</a:t>
+            </a:r>
+            <a:endParaRPr lang="zh-TW" altLang="en-US" dirty="0"/>
+          </a:p>
+        </p:txBody>
+      </p:sp>
+      <p:sp>
+        <p:nvSpPr>
+          <p:cNvPr id="67" name="文字方塊 66">
+            <a:extLst>
+              <a:ext uri="{FF2B5EF4-FFF2-40B4-BE49-F238E27FC236}">
+                <a16:creationId xmlns:a16="http://schemas.microsoft.com/office/drawing/2014/main" id="{1D4C69E5-DC3A-4187-9C01-6D0A997206CE}"/>
+              </a:ext>
+            </a:extLst>
+          </p:cNvPr>
+          <p:cNvSpPr txBox="1"/>
+          <p:nvPr/>
+        </p:nvSpPr>
+        <p:spPr>
+          <a:xfrm>
+            <a:off x="7468469" y="1065800"/>
+            <a:ext cx="294674" cy="369332"/>
+          </a:xfrm>
+          <a:prstGeom prst="rect">
+            <a:avLst/>
+          </a:prstGeom>
+          <a:noFill/>
+        </p:spPr>
+        <p:txBody>
+          <a:bodyPr wrap="square" rtlCol="0">
+            <a:spAutoFit/>
+          </a:bodyPr>
+          <a:lstStyle/>
+          <a:p>
+            <a:r>
+              <a:rPr lang="en-US" altLang="zh-TW" dirty="0"/>
+              <a:t>4</a:t>
+            </a:r>
+            <a:endParaRPr lang="zh-TW" altLang="en-US" dirty="0"/>
+          </a:p>
+        </p:txBody>
+      </p:sp>
+      <p:sp>
+        <p:nvSpPr>
+          <p:cNvPr id="68" name="文字方塊 67">
+            <a:extLst>
+              <a:ext uri="{FF2B5EF4-FFF2-40B4-BE49-F238E27FC236}">
+                <a16:creationId xmlns:a16="http://schemas.microsoft.com/office/drawing/2014/main" id="{524B8059-7EBE-4F1F-9CCF-F6C5AA27085D}"/>
+              </a:ext>
+            </a:extLst>
+          </p:cNvPr>
+          <p:cNvSpPr txBox="1"/>
+          <p:nvPr/>
+        </p:nvSpPr>
+        <p:spPr>
+          <a:xfrm>
+            <a:off x="9870936" y="1060231"/>
+            <a:ext cx="294674" cy="369332"/>
+          </a:xfrm>
+          <a:prstGeom prst="rect">
+            <a:avLst/>
+          </a:prstGeom>
+          <a:noFill/>
+        </p:spPr>
+        <p:txBody>
+          <a:bodyPr wrap="square" rtlCol="0">
+            <a:spAutoFit/>
+          </a:bodyPr>
+          <a:lstStyle/>
+          <a:p>
+            <a:r>
+              <a:rPr lang="en-US" altLang="zh-TW" dirty="0"/>
+              <a:t>5</a:t>
+            </a:r>
+            <a:endParaRPr lang="zh-TW" altLang="en-US" dirty="0"/>
+          </a:p>
+        </p:txBody>
+      </p:sp>
+      <p:sp>
+        <p:nvSpPr>
+          <p:cNvPr id="76" name="文字方塊 75">
+            <a:extLst>
+              <a:ext uri="{FF2B5EF4-FFF2-40B4-BE49-F238E27FC236}">
+                <a16:creationId xmlns:a16="http://schemas.microsoft.com/office/drawing/2014/main" id="{9FF04186-3E2A-4652-90A4-FB1393D5E6AB}"/>
+              </a:ext>
+            </a:extLst>
+          </p:cNvPr>
+          <p:cNvSpPr txBox="1"/>
+          <p:nvPr/>
+        </p:nvSpPr>
+        <p:spPr>
+          <a:xfrm>
+            <a:off x="7882857" y="4194873"/>
+            <a:ext cx="294674" cy="369332"/>
+          </a:xfrm>
+          <a:prstGeom prst="rect">
+            <a:avLst/>
+          </a:prstGeom>
+          <a:noFill/>
+        </p:spPr>
+        <p:txBody>
+          <a:bodyPr wrap="square" rtlCol="0">
+            <a:spAutoFit/>
+          </a:bodyPr>
+          <a:lstStyle/>
+          <a:p>
+            <a:r>
+              <a:rPr lang="en-US" altLang="zh-TW" dirty="0"/>
+              <a:t>6</a:t>
+            </a:r>
+            <a:endParaRPr lang="zh-TW" altLang="en-US" dirty="0"/>
+          </a:p>
+        </p:txBody>
+      </p:sp>
+      <p:sp>
+        <p:nvSpPr>
+          <p:cNvPr id="77" name="文字方塊 76">
+            <a:extLst>
+              <a:ext uri="{FF2B5EF4-FFF2-40B4-BE49-F238E27FC236}">
+                <a16:creationId xmlns:a16="http://schemas.microsoft.com/office/drawing/2014/main" id="{76B5AA64-8BF0-4CB5-B305-EE3C4EC50538}"/>
+              </a:ext>
+            </a:extLst>
+          </p:cNvPr>
+          <p:cNvSpPr txBox="1"/>
+          <p:nvPr/>
+        </p:nvSpPr>
+        <p:spPr>
+          <a:xfrm>
+            <a:off x="7951920" y="5180909"/>
+            <a:ext cx="294674" cy="369332"/>
+          </a:xfrm>
+          <a:prstGeom prst="rect">
+            <a:avLst/>
+          </a:prstGeom>
+          <a:noFill/>
+        </p:spPr>
+        <p:txBody>
+          <a:bodyPr wrap="square" rtlCol="0">
+            <a:spAutoFit/>
+          </a:bodyPr>
+          <a:lstStyle/>
+          <a:p>
+            <a:r>
+              <a:rPr lang="en-US" altLang="zh-TW" dirty="0"/>
+              <a:t>6</a:t>
+            </a:r>
+            <a:endParaRPr lang="zh-TW" altLang="en-US" dirty="0"/>
+          </a:p>
+        </p:txBody>
+      </p:sp>
+      <p:sp>
+        <p:nvSpPr>
+          <p:cNvPr id="78" name="文字方塊 77">
+            <a:extLst>
+              <a:ext uri="{FF2B5EF4-FFF2-40B4-BE49-F238E27FC236}">
+                <a16:creationId xmlns:a16="http://schemas.microsoft.com/office/drawing/2014/main" id="{43BE4834-9DFE-4D7A-B6F9-9F91140C9B54}"/>
+              </a:ext>
+            </a:extLst>
+          </p:cNvPr>
+          <p:cNvSpPr txBox="1"/>
+          <p:nvPr/>
+        </p:nvSpPr>
+        <p:spPr>
+          <a:xfrm>
+            <a:off x="4298645" y="4237541"/>
+            <a:ext cx="294674" cy="369332"/>
+          </a:xfrm>
+          <a:prstGeom prst="rect">
+            <a:avLst/>
+          </a:prstGeom>
+          <a:noFill/>
+        </p:spPr>
+        <p:txBody>
+          <a:bodyPr wrap="square" rtlCol="0">
+            <a:spAutoFit/>
+          </a:bodyPr>
+          <a:lstStyle/>
+          <a:p>
+            <a:r>
+              <a:rPr lang="en-US" altLang="zh-TW" dirty="0"/>
+              <a:t>7</a:t>
+            </a:r>
+            <a:endParaRPr lang="zh-TW" altLang="en-US" dirty="0"/>
+          </a:p>
+        </p:txBody>
+      </p:sp>
+      <p:sp>
+        <p:nvSpPr>
+          <p:cNvPr id="79" name="文字方塊 78">
+            <a:extLst>
+              <a:ext uri="{FF2B5EF4-FFF2-40B4-BE49-F238E27FC236}">
+                <a16:creationId xmlns:a16="http://schemas.microsoft.com/office/drawing/2014/main" id="{2A80BAB3-C58F-421E-B7C7-22F6416A3FDA}"/>
+              </a:ext>
+            </a:extLst>
+          </p:cNvPr>
+          <p:cNvSpPr txBox="1"/>
+          <p:nvPr/>
+        </p:nvSpPr>
+        <p:spPr>
+          <a:xfrm>
+            <a:off x="56956" y="4216057"/>
+            <a:ext cx="294674" cy="369332"/>
+          </a:xfrm>
+          <a:prstGeom prst="rect">
+            <a:avLst/>
+          </a:prstGeom>
+          <a:noFill/>
+        </p:spPr>
+        <p:txBody>
+          <a:bodyPr wrap="square" rtlCol="0">
+            <a:spAutoFit/>
+          </a:bodyPr>
+          <a:lstStyle/>
+          <a:p>
+            <a:r>
+              <a:rPr lang="en-US" altLang="zh-TW" dirty="0"/>
+              <a:t>8</a:t>
+            </a:r>
+            <a:endParaRPr lang="zh-TW" altLang="en-US" dirty="0"/>
           </a:p>
         </p:txBody>
       </p:sp>
